--- a/slides/2016-06-09 Error Handler Plenary.pptx
+++ b/slides/2016-06-09 Error Handler Plenary.pptx
@@ -4,17 +4,25 @@
   <p:sldMasterIdLst>
     <p:sldMasterId id="2147483648" r:id="rId1"/>
   </p:sldMasterIdLst>
+  <p:notesMasterIdLst>
+    <p:notesMasterId r:id="rId17"/>
+  </p:notesMasterIdLst>
   <p:sldIdLst>
     <p:sldId id="256" r:id="rId2"/>
-    <p:sldId id="257" r:id="rId3"/>
-    <p:sldId id="261" r:id="rId4"/>
-    <p:sldId id="258" r:id="rId5"/>
-    <p:sldId id="259" r:id="rId6"/>
-    <p:sldId id="260" r:id="rId7"/>
-    <p:sldId id="262" r:id="rId8"/>
-    <p:sldId id="263" r:id="rId9"/>
-    <p:sldId id="265" r:id="rId10"/>
-    <p:sldId id="264" r:id="rId11"/>
+    <p:sldId id="266" r:id="rId3"/>
+    <p:sldId id="257" r:id="rId4"/>
+    <p:sldId id="261" r:id="rId5"/>
+    <p:sldId id="267" r:id="rId6"/>
+    <p:sldId id="258" r:id="rId7"/>
+    <p:sldId id="268" r:id="rId8"/>
+    <p:sldId id="271" r:id="rId9"/>
+    <p:sldId id="270" r:id="rId10"/>
+    <p:sldId id="269" r:id="rId11"/>
+    <p:sldId id="259" r:id="rId12"/>
+    <p:sldId id="260" r:id="rId13"/>
+    <p:sldId id="262" r:id="rId14"/>
+    <p:sldId id="265" r:id="rId15"/>
+    <p:sldId id="264" r:id="rId16"/>
   </p:sldIdLst>
   <p:sldSz cx="12192000" cy="6858000"/>
   <p:notesSz cx="6858000" cy="9144000"/>
@@ -121,6 +129,460 @@
 </p:presentation>
 </file>
 
+<file path=ppt/notesMasters/notesMaster1.xml><?xml version="1.0" encoding="utf-8"?>
+<p:notesMaster xmlns:a="http://schemas.openxmlformats.org/drawingml/2006/main" xmlns:r="http://schemas.openxmlformats.org/officeDocument/2006/relationships" xmlns:p="http://schemas.openxmlformats.org/presentationml/2006/main">
+  <p:cSld>
+    <p:bg>
+      <p:bgRef idx="1001">
+        <a:schemeClr val="bg1"/>
+      </p:bgRef>
+    </p:bg>
+    <p:spTree>
+      <p:nvGrpSpPr>
+        <p:cNvPr id="1" name=""/>
+        <p:cNvGrpSpPr/>
+        <p:nvPr/>
+      </p:nvGrpSpPr>
+      <p:grpSpPr>
+        <a:xfrm>
+          <a:off x="0" y="0"/>
+          <a:ext cx="0" cy="0"/>
+          <a:chOff x="0" y="0"/>
+          <a:chExt cx="0" cy="0"/>
+        </a:xfrm>
+      </p:grpSpPr>
+      <p:sp>
+        <p:nvSpPr>
+          <p:cNvPr id="2" name="Header Placeholder 1"/>
+          <p:cNvSpPr>
+            <a:spLocks noGrp="1"/>
+          </p:cNvSpPr>
+          <p:nvPr>
+            <p:ph type="hdr" sz="quarter"/>
+          </p:nvPr>
+        </p:nvSpPr>
+        <p:spPr>
+          <a:xfrm>
+            <a:off x="0" y="0"/>
+            <a:ext cx="2971800" cy="458788"/>
+          </a:xfrm>
+          <a:prstGeom prst="rect">
+            <a:avLst/>
+          </a:prstGeom>
+        </p:spPr>
+        <p:txBody>
+          <a:bodyPr vert="horz" lIns="91440" tIns="45720" rIns="91440" bIns="45720" rtlCol="0"/>
+          <a:lstStyle>
+            <a:lvl1pPr algn="l">
+              <a:defRPr sz="1200"/>
+            </a:lvl1pPr>
+          </a:lstStyle>
+          <a:p>
+            <a:endParaRPr lang="en-US"/>
+          </a:p>
+        </p:txBody>
+      </p:sp>
+      <p:sp>
+        <p:nvSpPr>
+          <p:cNvPr id="3" name="Date Placeholder 2"/>
+          <p:cNvSpPr>
+            <a:spLocks noGrp="1"/>
+          </p:cNvSpPr>
+          <p:nvPr>
+            <p:ph type="dt" idx="1"/>
+          </p:nvPr>
+        </p:nvSpPr>
+        <p:spPr>
+          <a:xfrm>
+            <a:off x="3884613" y="0"/>
+            <a:ext cx="2971800" cy="458788"/>
+          </a:xfrm>
+          <a:prstGeom prst="rect">
+            <a:avLst/>
+          </a:prstGeom>
+        </p:spPr>
+        <p:txBody>
+          <a:bodyPr vert="horz" lIns="91440" tIns="45720" rIns="91440" bIns="45720" rtlCol="0"/>
+          <a:lstStyle>
+            <a:lvl1pPr algn="r">
+              <a:defRPr sz="1200"/>
+            </a:lvl1pPr>
+          </a:lstStyle>
+          <a:p>
+            <a:fld id="{86D81634-7375-3E41-86BD-D5ED29A588DC}" type="datetimeFigureOut">
+              <a:rPr lang="en-US" smtClean="0"/>
+              <a:t>6/13/16</a:t>
+            </a:fld>
+            <a:endParaRPr lang="en-US"/>
+          </a:p>
+        </p:txBody>
+      </p:sp>
+      <p:sp>
+        <p:nvSpPr>
+          <p:cNvPr id="4" name="Slide Image Placeholder 3"/>
+          <p:cNvSpPr>
+            <a:spLocks noGrp="1" noRot="1" noChangeAspect="1"/>
+          </p:cNvSpPr>
+          <p:nvPr>
+            <p:ph type="sldImg" idx="2"/>
+          </p:nvPr>
+        </p:nvSpPr>
+        <p:spPr>
+          <a:xfrm>
+            <a:off x="685800" y="1143000"/>
+            <a:ext cx="5486400" cy="3086100"/>
+          </a:xfrm>
+          <a:prstGeom prst="rect">
+            <a:avLst/>
+          </a:prstGeom>
+          <a:noFill/>
+          <a:ln w="12700">
+            <a:solidFill>
+              <a:prstClr val="black"/>
+            </a:solidFill>
+          </a:ln>
+        </p:spPr>
+        <p:txBody>
+          <a:bodyPr vert="horz" lIns="91440" tIns="45720" rIns="91440" bIns="45720" rtlCol="0" anchor="ctr"/>
+          <a:lstStyle/>
+          <a:p>
+            <a:endParaRPr lang="en-US"/>
+          </a:p>
+        </p:txBody>
+      </p:sp>
+      <p:sp>
+        <p:nvSpPr>
+          <p:cNvPr id="5" name="Notes Placeholder 4"/>
+          <p:cNvSpPr>
+            <a:spLocks noGrp="1"/>
+          </p:cNvSpPr>
+          <p:nvPr>
+            <p:ph type="body" sz="quarter" idx="3"/>
+          </p:nvPr>
+        </p:nvSpPr>
+        <p:spPr>
+          <a:xfrm>
+            <a:off x="685800" y="4400550"/>
+            <a:ext cx="5486400" cy="3600450"/>
+          </a:xfrm>
+          <a:prstGeom prst="rect">
+            <a:avLst/>
+          </a:prstGeom>
+        </p:spPr>
+        <p:txBody>
+          <a:bodyPr vert="horz" lIns="91440" tIns="45720" rIns="91440" bIns="45720" rtlCol="0"/>
+          <a:lstStyle/>
+          <a:p>
+            <a:pPr lvl="0"/>
+            <a:r>
+              <a:rPr lang="en-US" smtClean="0"/>
+              <a:t>Click to edit Master text styles</a:t>
+            </a:r>
+          </a:p>
+          <a:p>
+            <a:pPr lvl="1"/>
+            <a:r>
+              <a:rPr lang="en-US" smtClean="0"/>
+              <a:t>Second level</a:t>
+            </a:r>
+          </a:p>
+          <a:p>
+            <a:pPr lvl="2"/>
+            <a:r>
+              <a:rPr lang="en-US" smtClean="0"/>
+              <a:t>Third level</a:t>
+            </a:r>
+          </a:p>
+          <a:p>
+            <a:pPr lvl="3"/>
+            <a:r>
+              <a:rPr lang="en-US" smtClean="0"/>
+              <a:t>Fourth level</a:t>
+            </a:r>
+          </a:p>
+          <a:p>
+            <a:pPr lvl="4"/>
+            <a:r>
+              <a:rPr lang="en-US" smtClean="0"/>
+              <a:t>Fifth level</a:t>
+            </a:r>
+            <a:endParaRPr lang="en-US"/>
+          </a:p>
+        </p:txBody>
+      </p:sp>
+      <p:sp>
+        <p:nvSpPr>
+          <p:cNvPr id="6" name="Footer Placeholder 5"/>
+          <p:cNvSpPr>
+            <a:spLocks noGrp="1"/>
+          </p:cNvSpPr>
+          <p:nvPr>
+            <p:ph type="ftr" sz="quarter" idx="4"/>
+          </p:nvPr>
+        </p:nvSpPr>
+        <p:spPr>
+          <a:xfrm>
+            <a:off x="0" y="8685213"/>
+            <a:ext cx="2971800" cy="458787"/>
+          </a:xfrm>
+          <a:prstGeom prst="rect">
+            <a:avLst/>
+          </a:prstGeom>
+        </p:spPr>
+        <p:txBody>
+          <a:bodyPr vert="horz" lIns="91440" tIns="45720" rIns="91440" bIns="45720" rtlCol="0" anchor="b"/>
+          <a:lstStyle>
+            <a:lvl1pPr algn="l">
+              <a:defRPr sz="1200"/>
+            </a:lvl1pPr>
+          </a:lstStyle>
+          <a:p>
+            <a:endParaRPr lang="en-US"/>
+          </a:p>
+        </p:txBody>
+      </p:sp>
+      <p:sp>
+        <p:nvSpPr>
+          <p:cNvPr id="7" name="Slide Number Placeholder 6"/>
+          <p:cNvSpPr>
+            <a:spLocks noGrp="1"/>
+          </p:cNvSpPr>
+          <p:nvPr>
+            <p:ph type="sldNum" sz="quarter" idx="5"/>
+          </p:nvPr>
+        </p:nvSpPr>
+        <p:spPr>
+          <a:xfrm>
+            <a:off x="3884613" y="8685213"/>
+            <a:ext cx="2971800" cy="458787"/>
+          </a:xfrm>
+          <a:prstGeom prst="rect">
+            <a:avLst/>
+          </a:prstGeom>
+        </p:spPr>
+        <p:txBody>
+          <a:bodyPr vert="horz" lIns="91440" tIns="45720" rIns="91440" bIns="45720" rtlCol="0" anchor="b"/>
+          <a:lstStyle>
+            <a:lvl1pPr algn="r">
+              <a:defRPr sz="1200"/>
+            </a:lvl1pPr>
+          </a:lstStyle>
+          <a:p>
+            <a:fld id="{B09F87CD-728D-AC47-99F8-C9206092E97E}" type="slidenum">
+              <a:rPr lang="en-US" smtClean="0"/>
+              <a:t>‹#›</a:t>
+            </a:fld>
+            <a:endParaRPr lang="en-US"/>
+          </a:p>
+        </p:txBody>
+      </p:sp>
+    </p:spTree>
+    <p:extLst>
+      <p:ext uri="{BB962C8B-B14F-4D97-AF65-F5344CB8AC3E}">
+        <p14:creationId xmlns:p14="http://schemas.microsoft.com/office/powerpoint/2010/main" val="1197500717"/>
+      </p:ext>
+    </p:extLst>
+  </p:cSld>
+  <p:clrMap bg1="lt1" tx1="dk1" bg2="lt2" tx2="dk2" accent1="accent1" accent2="accent2" accent3="accent3" accent4="accent4" accent5="accent5" accent6="accent6" hlink="hlink" folHlink="folHlink"/>
+  <p:notesStyle>
+    <a:lvl1pPr marL="0" algn="l" defTabSz="914400" rtl="0" eaLnBrk="1" latinLnBrk="0" hangingPunct="1">
+      <a:defRPr sz="1200" kern="1200">
+        <a:solidFill>
+          <a:schemeClr val="tx1"/>
+        </a:solidFill>
+        <a:latin typeface="+mn-lt"/>
+        <a:ea typeface="+mn-ea"/>
+        <a:cs typeface="+mn-cs"/>
+      </a:defRPr>
+    </a:lvl1pPr>
+    <a:lvl2pPr marL="457200" algn="l" defTabSz="914400" rtl="0" eaLnBrk="1" latinLnBrk="0" hangingPunct="1">
+      <a:defRPr sz="1200" kern="1200">
+        <a:solidFill>
+          <a:schemeClr val="tx1"/>
+        </a:solidFill>
+        <a:latin typeface="+mn-lt"/>
+        <a:ea typeface="+mn-ea"/>
+        <a:cs typeface="+mn-cs"/>
+      </a:defRPr>
+    </a:lvl2pPr>
+    <a:lvl3pPr marL="914400" algn="l" defTabSz="914400" rtl="0" eaLnBrk="1" latinLnBrk="0" hangingPunct="1">
+      <a:defRPr sz="1200" kern="1200">
+        <a:solidFill>
+          <a:schemeClr val="tx1"/>
+        </a:solidFill>
+        <a:latin typeface="+mn-lt"/>
+        <a:ea typeface="+mn-ea"/>
+        <a:cs typeface="+mn-cs"/>
+      </a:defRPr>
+    </a:lvl3pPr>
+    <a:lvl4pPr marL="1371600" algn="l" defTabSz="914400" rtl="0" eaLnBrk="1" latinLnBrk="0" hangingPunct="1">
+      <a:defRPr sz="1200" kern="1200">
+        <a:solidFill>
+          <a:schemeClr val="tx1"/>
+        </a:solidFill>
+        <a:latin typeface="+mn-lt"/>
+        <a:ea typeface="+mn-ea"/>
+        <a:cs typeface="+mn-cs"/>
+      </a:defRPr>
+    </a:lvl4pPr>
+    <a:lvl5pPr marL="1828800" algn="l" defTabSz="914400" rtl="0" eaLnBrk="1" latinLnBrk="0" hangingPunct="1">
+      <a:defRPr sz="1200" kern="1200">
+        <a:solidFill>
+          <a:schemeClr val="tx1"/>
+        </a:solidFill>
+        <a:latin typeface="+mn-lt"/>
+        <a:ea typeface="+mn-ea"/>
+        <a:cs typeface="+mn-cs"/>
+      </a:defRPr>
+    </a:lvl5pPr>
+    <a:lvl6pPr marL="2286000" algn="l" defTabSz="914400" rtl="0" eaLnBrk="1" latinLnBrk="0" hangingPunct="1">
+      <a:defRPr sz="1200" kern="1200">
+        <a:solidFill>
+          <a:schemeClr val="tx1"/>
+        </a:solidFill>
+        <a:latin typeface="+mn-lt"/>
+        <a:ea typeface="+mn-ea"/>
+        <a:cs typeface="+mn-cs"/>
+      </a:defRPr>
+    </a:lvl6pPr>
+    <a:lvl7pPr marL="2743200" algn="l" defTabSz="914400" rtl="0" eaLnBrk="1" latinLnBrk="0" hangingPunct="1">
+      <a:defRPr sz="1200" kern="1200">
+        <a:solidFill>
+          <a:schemeClr val="tx1"/>
+        </a:solidFill>
+        <a:latin typeface="+mn-lt"/>
+        <a:ea typeface="+mn-ea"/>
+        <a:cs typeface="+mn-cs"/>
+      </a:defRPr>
+    </a:lvl7pPr>
+    <a:lvl8pPr marL="3200400" algn="l" defTabSz="914400" rtl="0" eaLnBrk="1" latinLnBrk="0" hangingPunct="1">
+      <a:defRPr sz="1200" kern="1200">
+        <a:solidFill>
+          <a:schemeClr val="tx1"/>
+        </a:solidFill>
+        <a:latin typeface="+mn-lt"/>
+        <a:ea typeface="+mn-ea"/>
+        <a:cs typeface="+mn-cs"/>
+      </a:defRPr>
+    </a:lvl8pPr>
+    <a:lvl9pPr marL="3657600" algn="l" defTabSz="914400" rtl="0" eaLnBrk="1" latinLnBrk="0" hangingPunct="1">
+      <a:defRPr sz="1200" kern="1200">
+        <a:solidFill>
+          <a:schemeClr val="tx1"/>
+        </a:solidFill>
+        <a:latin typeface="+mn-lt"/>
+        <a:ea typeface="+mn-ea"/>
+        <a:cs typeface="+mn-cs"/>
+      </a:defRPr>
+    </a:lvl9pPr>
+  </p:notesStyle>
+</p:notesMaster>
+</file>
+
+<file path=ppt/notesSlides/notesSlide1.xml><?xml version="1.0" encoding="utf-8"?>
+<p:notes xmlns:a="http://schemas.openxmlformats.org/drawingml/2006/main" xmlns:r="http://schemas.openxmlformats.org/officeDocument/2006/relationships" xmlns:p="http://schemas.openxmlformats.org/presentationml/2006/main">
+  <p:cSld>
+    <p:spTree>
+      <p:nvGrpSpPr>
+        <p:cNvPr id="1" name=""/>
+        <p:cNvGrpSpPr/>
+        <p:nvPr/>
+      </p:nvGrpSpPr>
+      <p:grpSpPr>
+        <a:xfrm>
+          <a:off x="0" y="0"/>
+          <a:ext cx="0" cy="0"/>
+          <a:chOff x="0" y="0"/>
+          <a:chExt cx="0" cy="0"/>
+        </a:xfrm>
+      </p:grpSpPr>
+      <p:sp>
+        <p:nvSpPr>
+          <p:cNvPr id="2" name="Slide Image Placeholder 1"/>
+          <p:cNvSpPr>
+            <a:spLocks noGrp="1" noRot="1" noChangeAspect="1"/>
+          </p:cNvSpPr>
+          <p:nvPr>
+            <p:ph type="sldImg"/>
+          </p:nvPr>
+        </p:nvSpPr>
+        <p:spPr/>
+      </p:sp>
+      <p:sp>
+        <p:nvSpPr>
+          <p:cNvPr id="3" name="Notes Placeholder 2"/>
+          <p:cNvSpPr>
+            <a:spLocks noGrp="1"/>
+          </p:cNvSpPr>
+          <p:nvPr>
+            <p:ph type="body" idx="1"/>
+          </p:nvPr>
+        </p:nvSpPr>
+        <p:spPr/>
+        <p:txBody>
+          <a:bodyPr/>
+          <a:lstStyle/>
+          <a:p>
+            <a:pPr marL="0" marR="0" indent="0" algn="l" defTabSz="914400" rtl="0" eaLnBrk="1" fontAlgn="auto" latinLnBrk="0" hangingPunct="1">
+              <a:lnSpc>
+                <a:spcPct val="100000"/>
+              </a:lnSpc>
+              <a:spcBef>
+                <a:spcPts val="0"/>
+              </a:spcBef>
+              <a:spcAft>
+                <a:spcPts val="0"/>
+              </a:spcAft>
+              <a:buClrTx/>
+              <a:buSzTx/>
+              <a:buFontTx/>
+              <a:buNone/>
+              <a:tabLst/>
+              <a:defRPr/>
+            </a:pPr>
+            <a:r>
+              <a:rPr lang="en-US" dirty="0" smtClean="0"/>
+              <a:t>All of these are already used in fault tolerance libraries and they “work”. It may be an accident that they work though.</a:t>
+            </a:r>
+          </a:p>
+        </p:txBody>
+      </p:sp>
+      <p:sp>
+        <p:nvSpPr>
+          <p:cNvPr id="4" name="Slide Number Placeholder 3"/>
+          <p:cNvSpPr>
+            <a:spLocks noGrp="1"/>
+          </p:cNvSpPr>
+          <p:nvPr>
+            <p:ph type="sldNum" sz="quarter" idx="10"/>
+          </p:nvPr>
+        </p:nvSpPr>
+        <p:spPr/>
+        <p:txBody>
+          <a:bodyPr/>
+          <a:lstStyle/>
+          <a:p>
+            <a:fld id="{B09F87CD-728D-AC47-99F8-C9206092E97E}" type="slidenum">
+              <a:rPr lang="en-US" smtClean="0"/>
+              <a:t>5</a:t>
+            </a:fld>
+            <a:endParaRPr lang="en-US"/>
+          </a:p>
+        </p:txBody>
+      </p:sp>
+    </p:spTree>
+    <p:extLst>
+      <p:ext uri="{BB962C8B-B14F-4D97-AF65-F5344CB8AC3E}">
+        <p14:creationId xmlns:p14="http://schemas.microsoft.com/office/powerpoint/2010/main" val="177810935"/>
+      </p:ext>
+    </p:extLst>
+  </p:cSld>
+  <p:clrMapOvr>
+    <a:masterClrMapping/>
+  </p:clrMapOvr>
+</p:notes>
+</file>
+
 <file path=ppt/slideLayouts/slideLayout1.xml><?xml version="1.0" encoding="utf-8"?>
 <p:sldLayout xmlns:a="http://schemas.openxmlformats.org/drawingml/2006/main" xmlns:r="http://schemas.openxmlformats.org/officeDocument/2006/relationships" xmlns:p="http://schemas.openxmlformats.org/presentationml/2006/main" type="title" preserve="1">
   <p:cSld name="Title Slide">
@@ -252,7 +714,7 @@
           <a:p>
             <a:fld id="{D440D38F-CF97-5241-B510-D0319542E9FF}" type="datetimeFigureOut">
               <a:rPr lang="en-US" smtClean="0"/>
-              <a:t>6/6/16</a:t>
+              <a:t>6/13/16</a:t>
             </a:fld>
             <a:endParaRPr lang="en-US"/>
           </a:p>
@@ -422,7 +884,7 @@
           <a:p>
             <a:fld id="{D440D38F-CF97-5241-B510-D0319542E9FF}" type="datetimeFigureOut">
               <a:rPr lang="en-US" smtClean="0"/>
-              <a:t>6/6/16</a:t>
+              <a:t>6/13/16</a:t>
             </a:fld>
             <a:endParaRPr lang="en-US"/>
           </a:p>
@@ -602,7 +1064,7 @@
           <a:p>
             <a:fld id="{D440D38F-CF97-5241-B510-D0319542E9FF}" type="datetimeFigureOut">
               <a:rPr lang="en-US" smtClean="0"/>
-              <a:t>6/6/16</a:t>
+              <a:t>6/13/16</a:t>
             </a:fld>
             <a:endParaRPr lang="en-US"/>
           </a:p>
@@ -772,7 +1234,7 @@
           <a:p>
             <a:fld id="{D440D38F-CF97-5241-B510-D0319542E9FF}" type="datetimeFigureOut">
               <a:rPr lang="en-US" smtClean="0"/>
-              <a:t>6/6/16</a:t>
+              <a:t>6/13/16</a:t>
             </a:fld>
             <a:endParaRPr lang="en-US"/>
           </a:p>
@@ -1018,7 +1480,7 @@
           <a:p>
             <a:fld id="{D440D38F-CF97-5241-B510-D0319542E9FF}" type="datetimeFigureOut">
               <a:rPr lang="en-US" smtClean="0"/>
-              <a:t>6/6/16</a:t>
+              <a:t>6/13/16</a:t>
             </a:fld>
             <a:endParaRPr lang="en-US"/>
           </a:p>
@@ -1250,7 +1712,7 @@
           <a:p>
             <a:fld id="{D440D38F-CF97-5241-B510-D0319542E9FF}" type="datetimeFigureOut">
               <a:rPr lang="en-US" smtClean="0"/>
-              <a:t>6/6/16</a:t>
+              <a:t>6/13/16</a:t>
             </a:fld>
             <a:endParaRPr lang="en-US"/>
           </a:p>
@@ -1617,7 +2079,7 @@
           <a:p>
             <a:fld id="{D440D38F-CF97-5241-B510-D0319542E9FF}" type="datetimeFigureOut">
               <a:rPr lang="en-US" smtClean="0"/>
-              <a:t>6/6/16</a:t>
+              <a:t>6/13/16</a:t>
             </a:fld>
             <a:endParaRPr lang="en-US"/>
           </a:p>
@@ -1735,7 +2197,7 @@
           <a:p>
             <a:fld id="{D440D38F-CF97-5241-B510-D0319542E9FF}" type="datetimeFigureOut">
               <a:rPr lang="en-US" smtClean="0"/>
-              <a:t>6/6/16</a:t>
+              <a:t>6/13/16</a:t>
             </a:fld>
             <a:endParaRPr lang="en-US"/>
           </a:p>
@@ -1830,7 +2292,7 @@
           <a:p>
             <a:fld id="{D440D38F-CF97-5241-B510-D0319542E9FF}" type="datetimeFigureOut">
               <a:rPr lang="en-US" smtClean="0"/>
-              <a:t>6/6/16</a:t>
+              <a:t>6/13/16</a:t>
             </a:fld>
             <a:endParaRPr lang="en-US"/>
           </a:p>
@@ -2107,7 +2569,7 @@
           <a:p>
             <a:fld id="{D440D38F-CF97-5241-B510-D0319542E9FF}" type="datetimeFigureOut">
               <a:rPr lang="en-US" smtClean="0"/>
-              <a:t>6/6/16</a:t>
+              <a:t>6/13/16</a:t>
             </a:fld>
             <a:endParaRPr lang="en-US"/>
           </a:p>
@@ -2360,7 +2822,7 @@
           <a:p>
             <a:fld id="{D440D38F-CF97-5241-B510-D0319542E9FF}" type="datetimeFigureOut">
               <a:rPr lang="en-US" smtClean="0"/>
-              <a:t>6/6/16</a:t>
+              <a:t>6/13/16</a:t>
             </a:fld>
             <a:endParaRPr lang="en-US"/>
           </a:p>
@@ -2573,7 +3035,7 @@
           <a:p>
             <a:fld id="{D440D38F-CF97-5241-B510-D0319542E9FF}" type="datetimeFigureOut">
               <a:rPr lang="en-US" smtClean="0"/>
-              <a:t>6/6/16</a:t>
+              <a:t>6/13/16</a:t>
             </a:fld>
             <a:endParaRPr lang="en-US"/>
           </a:p>
@@ -3034,6 +3496,13 @@
   <p:clrMapOvr>
     <a:masterClrMapping/>
   </p:clrMapOvr>
+  <p:timing>
+    <p:tnLst>
+      <p:par>
+        <p:cTn id="1" dur="indefinite" restart="never" nodeType="tmRoot"/>
+      </p:par>
+    </p:tnLst>
+  </p:timing>
 </p:sld>
 </file>
 
@@ -3056,6 +3525,1669 @@
       </p:grpSpPr>
       <p:sp>
         <p:nvSpPr>
+          <p:cNvPr id="4" name="Rounded Rectangle 3"/>
+          <p:cNvSpPr/>
+          <p:nvPr/>
+        </p:nvSpPr>
+        <p:spPr>
+          <a:xfrm>
+            <a:off x="1605280" y="2794000"/>
+            <a:ext cx="10460340" cy="2733040"/>
+          </a:xfrm>
+          <a:prstGeom prst="roundRect">
+            <a:avLst/>
+          </a:prstGeom>
+        </p:spPr>
+        <p:style>
+          <a:lnRef idx="1">
+            <a:schemeClr val="accent1"/>
+          </a:lnRef>
+          <a:fillRef idx="2">
+            <a:schemeClr val="accent1"/>
+          </a:fillRef>
+          <a:effectRef idx="1">
+            <a:schemeClr val="accent1"/>
+          </a:effectRef>
+          <a:fontRef idx="minor">
+            <a:schemeClr val="dk1"/>
+          </a:fontRef>
+        </p:style>
+        <p:txBody>
+          <a:bodyPr rtlCol="0" anchor="ctr"/>
+          <a:lstStyle/>
+          <a:p>
+            <a:pPr algn="ctr"/>
+            <a:endParaRPr lang="en-US"/>
+          </a:p>
+        </p:txBody>
+      </p:sp>
+      <p:sp>
+        <p:nvSpPr>
+          <p:cNvPr id="3" name="Content Placeholder 2"/>
+          <p:cNvSpPr>
+            <a:spLocks noGrp="1"/>
+          </p:cNvSpPr>
+          <p:nvPr>
+            <p:ph idx="1"/>
+          </p:nvPr>
+        </p:nvSpPr>
+        <p:spPr>
+          <a:xfrm>
+            <a:off x="838200" y="1825625"/>
+            <a:ext cx="11227420" cy="4351338"/>
+          </a:xfrm>
+        </p:spPr>
+        <p:txBody>
+          <a:bodyPr>
+            <a:normAutofit fontScale="85000" lnSpcReduction="20000"/>
+          </a:bodyPr>
+          <a:lstStyle/>
+          <a:p>
+            <a:pPr marL="0" indent="0">
+              <a:buNone/>
+            </a:pPr>
+            <a:r>
+              <a:rPr lang="en-US" sz="2400" dirty="0" err="1" smtClean="0">
+                <a:latin typeface="Andale Mono" charset="0"/>
+                <a:ea typeface="Andale Mono" charset="0"/>
+                <a:cs typeface="Andale Mono" charset="0"/>
+              </a:rPr>
+              <a:t>MPI_Set_Errhandler</a:t>
+            </a:r>
+            <a:r>
+              <a:rPr lang="en-US" sz="2400" dirty="0" smtClean="0">
+                <a:latin typeface="Andale Mono" charset="0"/>
+                <a:ea typeface="Andale Mono" charset="0"/>
+                <a:cs typeface="Andale Mono" charset="0"/>
+              </a:rPr>
+              <a:t>(MPI_COMM_WORLD, errhandler1);</a:t>
+            </a:r>
+          </a:p>
+          <a:p>
+            <a:pPr marL="0" indent="0">
+              <a:buNone/>
+            </a:pPr>
+            <a:r>
+              <a:rPr lang="en-US" sz="2400" dirty="0" err="1">
+                <a:latin typeface="Andale Mono" charset="0"/>
+                <a:ea typeface="Andale Mono" charset="0"/>
+                <a:cs typeface="Andale Mono" charset="0"/>
+              </a:rPr>
+              <a:t>r</a:t>
+            </a:r>
+            <a:r>
+              <a:rPr lang="en-US" sz="2400" dirty="0" err="1" smtClean="0">
+                <a:latin typeface="Andale Mono" charset="0"/>
+                <a:ea typeface="Andale Mono" charset="0"/>
+                <a:cs typeface="Andale Mono" charset="0"/>
+              </a:rPr>
+              <a:t>c</a:t>
+            </a:r>
+            <a:r>
+              <a:rPr lang="en-US" sz="2400" dirty="0" smtClean="0">
+                <a:latin typeface="Andale Mono" charset="0"/>
+                <a:ea typeface="Andale Mono" charset="0"/>
+                <a:cs typeface="Andale Mono" charset="0"/>
+              </a:rPr>
+              <a:t> = </a:t>
+            </a:r>
+            <a:r>
+              <a:rPr lang="en-US" sz="2400" dirty="0" err="1" smtClean="0">
+                <a:latin typeface="Andale Mono" charset="0"/>
+                <a:ea typeface="Andale Mono" charset="0"/>
+                <a:cs typeface="Andale Mono" charset="0"/>
+              </a:rPr>
+              <a:t>MPI_Bcast</a:t>
+            </a:r>
+            <a:r>
+              <a:rPr lang="en-US" sz="2400" dirty="0" smtClean="0">
+                <a:latin typeface="Andale Mono" charset="0"/>
+                <a:ea typeface="Andale Mono" charset="0"/>
+                <a:cs typeface="Andale Mono" charset="0"/>
+              </a:rPr>
+              <a:t>(</a:t>
+            </a:r>
+            <a:r>
+              <a:rPr lang="is-IS" sz="2400" dirty="0" smtClean="0">
+                <a:latin typeface="Andale Mono" charset="0"/>
+                <a:ea typeface="Andale Mono" charset="0"/>
+                <a:cs typeface="Andale Mono" charset="0"/>
+              </a:rPr>
+              <a:t>..., MPI_COMM_WORLD);</a:t>
+            </a:r>
+          </a:p>
+          <a:p>
+            <a:pPr marL="0" indent="0">
+              <a:buNone/>
+            </a:pPr>
+            <a:endParaRPr lang="is-IS" sz="2400" dirty="0" smtClean="0">
+              <a:latin typeface="Andale Mono" charset="0"/>
+              <a:ea typeface="Andale Mono" charset="0"/>
+              <a:cs typeface="Andale Mono" charset="0"/>
+            </a:endParaRPr>
+          </a:p>
+          <a:p>
+            <a:pPr marL="0" indent="0">
+              <a:buNone/>
+            </a:pPr>
+            <a:r>
+              <a:rPr lang="is-IS" sz="2400" dirty="0">
+                <a:latin typeface="Andale Mono" charset="0"/>
+                <a:ea typeface="Andale Mono" charset="0"/>
+                <a:cs typeface="Andale Mono" charset="0"/>
+              </a:rPr>
+              <a:t>	</a:t>
+            </a:r>
+            <a:r>
+              <a:rPr lang="is-IS" sz="2400" dirty="0" smtClean="0">
+                <a:latin typeface="Andale Mono" charset="0"/>
+                <a:ea typeface="Andale Mono" charset="0"/>
+                <a:cs typeface="Andale Mono" charset="0"/>
+              </a:rPr>
+              <a:t>errhandler1(..., int *errcode, ...) {</a:t>
+            </a:r>
+          </a:p>
+          <a:p>
+            <a:pPr marL="0" indent="0">
+              <a:buNone/>
+            </a:pPr>
+            <a:r>
+              <a:rPr lang="is-IS" sz="2400" dirty="0">
+                <a:latin typeface="Andale Mono" charset="0"/>
+                <a:ea typeface="Andale Mono" charset="0"/>
+                <a:cs typeface="Andale Mono" charset="0"/>
+              </a:rPr>
+              <a:t>	 </a:t>
+            </a:r>
+            <a:r>
+              <a:rPr lang="is-IS" sz="2400" dirty="0" smtClean="0">
+                <a:latin typeface="Andale Mono" charset="0"/>
+                <a:ea typeface="Andale Mono" charset="0"/>
+                <a:cs typeface="Andale Mono" charset="0"/>
+              </a:rPr>
+              <a:t> rc = MPI_Comm_dup(MPI_COMM_WORLD, &amp;comm1); </a:t>
+            </a:r>
+            <a:r>
+              <a:rPr lang="is-IS" sz="2400" dirty="0">
+                <a:latin typeface="Andale Mono" charset="0"/>
+                <a:ea typeface="Andale Mono" charset="0"/>
+                <a:cs typeface="Andale Mono" charset="0"/>
+              </a:rPr>
+              <a:t>/* for some reason </a:t>
+            </a:r>
+            <a:r>
+              <a:rPr lang="is-IS" sz="2400" dirty="0" smtClean="0">
+                <a:latin typeface="Andale Mono" charset="0"/>
+                <a:ea typeface="Andale Mono" charset="0"/>
+                <a:cs typeface="Andale Mono" charset="0"/>
+              </a:rPr>
+              <a:t>*/</a:t>
+            </a:r>
+          </a:p>
+          <a:p>
+            <a:pPr marL="0" indent="0">
+              <a:buNone/>
+            </a:pPr>
+            <a:r>
+              <a:rPr lang="is-IS" sz="2400" dirty="0" smtClean="0">
+                <a:latin typeface="Andale Mono" charset="0"/>
+                <a:ea typeface="Andale Mono" charset="0"/>
+                <a:cs typeface="Andale Mono" charset="0"/>
+              </a:rPr>
+              <a:t> 	    /* rc == MPI_SUCCESS */</a:t>
+            </a:r>
+          </a:p>
+          <a:p>
+            <a:pPr marL="0" indent="0">
+              <a:buNone/>
+            </a:pPr>
+            <a:r>
+              <a:rPr lang="en-US" sz="2400" dirty="0" smtClean="0">
+                <a:latin typeface="Andale Mono" charset="0"/>
+                <a:ea typeface="Andale Mono" charset="0"/>
+                <a:cs typeface="Andale Mono" charset="0"/>
+              </a:rPr>
+              <a:t>	  </a:t>
+            </a:r>
+            <a:r>
+              <a:rPr lang="en-US" sz="2400" dirty="0" err="1" smtClean="0">
+                <a:latin typeface="Andale Mono" charset="0"/>
+                <a:ea typeface="Andale Mono" charset="0"/>
+                <a:cs typeface="Andale Mono" charset="0"/>
+              </a:rPr>
+              <a:t>rc</a:t>
+            </a:r>
+            <a:r>
+              <a:rPr lang="en-US" sz="2400" dirty="0" smtClean="0">
+                <a:latin typeface="Andale Mono" charset="0"/>
+                <a:ea typeface="Andale Mono" charset="0"/>
+                <a:cs typeface="Andale Mono" charset="0"/>
+              </a:rPr>
+              <a:t> = </a:t>
+            </a:r>
+            <a:r>
+              <a:rPr lang="en-US" sz="2400" dirty="0" err="1" smtClean="0">
+                <a:latin typeface="Andale Mono" charset="0"/>
+                <a:ea typeface="Andale Mono" charset="0"/>
+                <a:cs typeface="Andale Mono" charset="0"/>
+              </a:rPr>
+              <a:t>MPI_Comm_shrink</a:t>
+            </a:r>
+            <a:r>
+              <a:rPr lang="en-US" sz="2400" dirty="0" smtClean="0">
+                <a:latin typeface="Andale Mono" charset="0"/>
+                <a:ea typeface="Andale Mono" charset="0"/>
+                <a:cs typeface="Andale Mono" charset="0"/>
+              </a:rPr>
+              <a:t>(comm1, &amp;comm2);</a:t>
+            </a:r>
+          </a:p>
+          <a:p>
+            <a:pPr marL="0" indent="0">
+              <a:buNone/>
+            </a:pPr>
+            <a:r>
+              <a:rPr lang="is-IS" sz="2400" dirty="0">
+                <a:latin typeface="Andale Mono" charset="0"/>
+                <a:ea typeface="Andale Mono" charset="0"/>
+                <a:cs typeface="Andale Mono" charset="0"/>
+              </a:rPr>
+              <a:t>	</a:t>
+            </a:r>
+            <a:r>
+              <a:rPr lang="is-IS" sz="2400" dirty="0" smtClean="0">
+                <a:latin typeface="Andale Mono" charset="0"/>
+                <a:ea typeface="Andale Mono" charset="0"/>
+                <a:cs typeface="Andale Mono" charset="0"/>
+              </a:rPr>
+              <a:t>    /* </a:t>
+            </a:r>
+            <a:r>
+              <a:rPr lang="is-IS" sz="2400" dirty="0">
+                <a:latin typeface="Andale Mono" charset="0"/>
+                <a:ea typeface="Andale Mono" charset="0"/>
+                <a:cs typeface="Andale Mono" charset="0"/>
+              </a:rPr>
+              <a:t>rc == </a:t>
+            </a:r>
+            <a:r>
+              <a:rPr lang="is-IS" sz="2400" dirty="0" smtClean="0">
+                <a:latin typeface="Andale Mono" charset="0"/>
+                <a:ea typeface="Andale Mono" charset="0"/>
+                <a:cs typeface="Andale Mono" charset="0"/>
+              </a:rPr>
+              <a:t>MPI_ERR_OTHER (out of cids) */</a:t>
+            </a:r>
+          </a:p>
+          <a:p>
+            <a:pPr marL="0" indent="0">
+              <a:buNone/>
+            </a:pPr>
+            <a:r>
+              <a:rPr lang="is-IS" sz="2400" dirty="0">
+                <a:latin typeface="Andale Mono" charset="0"/>
+                <a:ea typeface="Andale Mono" charset="0"/>
+                <a:cs typeface="Andale Mono" charset="0"/>
+              </a:rPr>
+              <a:t>	 </a:t>
+            </a:r>
+            <a:r>
+              <a:rPr lang="is-IS" sz="2400" dirty="0" smtClean="0">
+                <a:latin typeface="Andale Mono" charset="0"/>
+                <a:ea typeface="Andale Mono" charset="0"/>
+                <a:cs typeface="Andale Mono" charset="0"/>
+              </a:rPr>
+              <a:t>   *errcode = rc;</a:t>
+            </a:r>
+          </a:p>
+          <a:p>
+            <a:pPr marL="0" indent="0">
+              <a:buNone/>
+            </a:pPr>
+            <a:r>
+              <a:rPr lang="is-IS" sz="2400" dirty="0">
+                <a:latin typeface="Andale Mono" charset="0"/>
+                <a:ea typeface="Andale Mono" charset="0"/>
+                <a:cs typeface="Andale Mono" charset="0"/>
+              </a:rPr>
+              <a:t>	</a:t>
+            </a:r>
+            <a:r>
+              <a:rPr lang="is-IS" sz="2400" dirty="0" smtClean="0">
+                <a:latin typeface="Andale Mono" charset="0"/>
+                <a:ea typeface="Andale Mono" charset="0"/>
+                <a:cs typeface="Andale Mono" charset="0"/>
+              </a:rPr>
+              <a:t>}</a:t>
+            </a:r>
+          </a:p>
+          <a:p>
+            <a:pPr marL="0" indent="0">
+              <a:buNone/>
+            </a:pPr>
+            <a:endParaRPr lang="is-IS" sz="2400" dirty="0" smtClean="0">
+              <a:latin typeface="Andale Mono" charset="0"/>
+              <a:ea typeface="Andale Mono" charset="0"/>
+              <a:cs typeface="Andale Mono" charset="0"/>
+            </a:endParaRPr>
+          </a:p>
+          <a:p>
+            <a:pPr marL="0" indent="0">
+              <a:buNone/>
+            </a:pPr>
+            <a:r>
+              <a:rPr lang="is-IS" sz="2400" dirty="0" smtClean="0">
+                <a:latin typeface="Andale Mono" charset="0"/>
+                <a:ea typeface="Andale Mono" charset="0"/>
+                <a:cs typeface="Andale Mono" charset="0"/>
+              </a:rPr>
+              <a:t>/* rc == MPI_ERR_OTHER (huh?) */ </a:t>
+            </a:r>
+            <a:endParaRPr lang="is-IS" sz="2400" dirty="0">
+              <a:latin typeface="Andale Mono" charset="0"/>
+              <a:ea typeface="Andale Mono" charset="0"/>
+              <a:cs typeface="Andale Mono" charset="0"/>
+            </a:endParaRPr>
+          </a:p>
+        </p:txBody>
+      </p:sp>
+      <p:sp>
+        <p:nvSpPr>
+          <p:cNvPr id="2" name="Title 1"/>
+          <p:cNvSpPr>
+            <a:spLocks noGrp="1"/>
+          </p:cNvSpPr>
+          <p:nvPr>
+            <p:ph type="title"/>
+          </p:nvPr>
+        </p:nvSpPr>
+        <p:spPr/>
+        <p:txBody>
+          <a:bodyPr/>
+          <a:lstStyle/>
+          <a:p>
+            <a:r>
+              <a:rPr lang="en-US" dirty="0"/>
+              <a:t>Return New Error Code From Error Handler</a:t>
+            </a:r>
+            <a:br>
+              <a:rPr lang="en-US" dirty="0"/>
+            </a:br>
+            <a:r>
+              <a:rPr lang="en-US" dirty="0" smtClean="0">
+                <a:solidFill>
+                  <a:srgbClr val="FF0000"/>
+                </a:solidFill>
+              </a:rPr>
+              <a:t>Bad Example</a:t>
+            </a:r>
+            <a:endParaRPr lang="en-US" dirty="0">
+              <a:solidFill>
+                <a:srgbClr val="FF0000"/>
+              </a:solidFill>
+            </a:endParaRPr>
+          </a:p>
+        </p:txBody>
+      </p:sp>
+      <p:sp>
+        <p:nvSpPr>
+          <p:cNvPr id="5" name="Rectangle 4"/>
+          <p:cNvSpPr/>
+          <p:nvPr/>
+        </p:nvSpPr>
+        <p:spPr>
+          <a:xfrm>
+            <a:off x="9344722" y="78059"/>
+            <a:ext cx="2653990" cy="1237785"/>
+          </a:xfrm>
+          <a:prstGeom prst="rect">
+            <a:avLst/>
+          </a:prstGeom>
+        </p:spPr>
+        <p:style>
+          <a:lnRef idx="2">
+            <a:schemeClr val="accent2">
+              <a:shade val="50000"/>
+            </a:schemeClr>
+          </a:lnRef>
+          <a:fillRef idx="1">
+            <a:schemeClr val="accent2"/>
+          </a:fillRef>
+          <a:effectRef idx="0">
+            <a:schemeClr val="accent2"/>
+          </a:effectRef>
+          <a:fontRef idx="minor">
+            <a:schemeClr val="lt1"/>
+          </a:fontRef>
+        </p:style>
+        <p:txBody>
+          <a:bodyPr rtlCol="0" anchor="ctr"/>
+          <a:lstStyle/>
+          <a:p>
+            <a:pPr algn="ctr"/>
+            <a:r>
+              <a:rPr lang="en-US" sz="3200" dirty="0" smtClean="0"/>
+              <a:t>Do this with QMPI</a:t>
+            </a:r>
+            <a:endParaRPr lang="en-US" sz="3200" dirty="0"/>
+          </a:p>
+        </p:txBody>
+      </p:sp>
+    </p:spTree>
+    <p:extLst>
+      <p:ext uri="{BB962C8B-B14F-4D97-AF65-F5344CB8AC3E}">
+        <p14:creationId xmlns:p14="http://schemas.microsoft.com/office/powerpoint/2010/main" val="911849206"/>
+      </p:ext>
+    </p:extLst>
+  </p:cSld>
+  <p:clrMapOvr>
+    <a:masterClrMapping/>
+  </p:clrMapOvr>
+  <mc:AlternateContent xmlns:mc="http://schemas.openxmlformats.org/markup-compatibility/2006" xmlns:p14="http://schemas.microsoft.com/office/powerpoint/2010/main">
+    <mc:Choice Requires="p14">
+      <p:transition spd="slow" p14:dur="2000"/>
+    </mc:Choice>
+    <mc:Fallback xmlns="">
+      <p:transition spd="slow"/>
+    </mc:Fallback>
+  </mc:AlternateContent>
+  <p:timing>
+    <p:tnLst>
+      <p:par>
+        <p:cTn id="1" dur="indefinite" restart="never" nodeType="tmRoot"/>
+      </p:par>
+    </p:tnLst>
+  </p:timing>
+</p:sld>
+</file>
+
+<file path=ppt/slides/slide11.xml><?xml version="1.0" encoding="utf-8"?>
+<p:sld xmlns:a="http://schemas.openxmlformats.org/drawingml/2006/main" xmlns:r="http://schemas.openxmlformats.org/officeDocument/2006/relationships" xmlns:p="http://schemas.openxmlformats.org/presentationml/2006/main">
+  <p:cSld>
+    <p:spTree>
+      <p:nvGrpSpPr>
+        <p:cNvPr id="1" name=""/>
+        <p:cNvGrpSpPr/>
+        <p:nvPr/>
+      </p:nvGrpSpPr>
+      <p:grpSpPr>
+        <a:xfrm>
+          <a:off x="0" y="0"/>
+          <a:ext cx="0" cy="0"/>
+          <a:chOff x="0" y="0"/>
+          <a:chExt cx="0" cy="0"/>
+        </a:xfrm>
+      </p:grpSpPr>
+      <p:sp>
+        <p:nvSpPr>
+          <p:cNvPr id="2" name="Title 1"/>
+          <p:cNvSpPr>
+            <a:spLocks noGrp="1"/>
+          </p:cNvSpPr>
+          <p:nvPr>
+            <p:ph type="title"/>
+          </p:nvPr>
+        </p:nvSpPr>
+        <p:spPr/>
+        <p:txBody>
+          <a:bodyPr/>
+          <a:lstStyle/>
+          <a:p>
+            <a:r>
+              <a:rPr lang="en-US" dirty="0" smtClean="0"/>
+              <a:t>Pick Error Classes to Handle</a:t>
+            </a:r>
+            <a:endParaRPr lang="en-US" dirty="0"/>
+          </a:p>
+        </p:txBody>
+      </p:sp>
+      <p:sp>
+        <p:nvSpPr>
+          <p:cNvPr id="3" name="Content Placeholder 2"/>
+          <p:cNvSpPr>
+            <a:spLocks noGrp="1"/>
+          </p:cNvSpPr>
+          <p:nvPr>
+            <p:ph sz="half" idx="1"/>
+          </p:nvPr>
+        </p:nvSpPr>
+        <p:spPr/>
+        <p:txBody>
+          <a:bodyPr>
+            <a:normAutofit fontScale="92500" lnSpcReduction="10000"/>
+          </a:bodyPr>
+          <a:lstStyle/>
+          <a:p>
+            <a:r>
+              <a:rPr lang="en-US" dirty="0" smtClean="0"/>
+              <a:t>Add array of error classes to the </a:t>
+            </a:r>
+            <a:r>
+              <a:rPr lang="en-US" dirty="0" err="1" smtClean="0"/>
+              <a:t>MPI_Errhandler_set</a:t>
+            </a:r>
+            <a:r>
+              <a:rPr lang="en-US" dirty="0" smtClean="0"/>
+              <a:t> function</a:t>
+            </a:r>
+          </a:p>
+          <a:p>
+            <a:r>
+              <a:rPr lang="en-US" dirty="0" smtClean="0"/>
+              <a:t>Only call this error handler when an error class in the array is raised</a:t>
+            </a:r>
+          </a:p>
+          <a:p>
+            <a:r>
+              <a:rPr lang="en-US" dirty="0" smtClean="0"/>
+              <a:t>Have ”generic” error handler for all other cases</a:t>
+            </a:r>
+          </a:p>
+          <a:p>
+            <a:r>
+              <a:rPr lang="en-US" dirty="0" smtClean="0"/>
+              <a:t>Set a default and overwrite it for specific cases</a:t>
+            </a:r>
+          </a:p>
+          <a:p>
+            <a:pPr lvl="1"/>
+            <a:r>
+              <a:rPr lang="en-US" dirty="0"/>
+              <a:t>Add </a:t>
+            </a:r>
+            <a:r>
+              <a:rPr lang="en-US" dirty="0" smtClean="0"/>
+              <a:t>a predefined </a:t>
+            </a:r>
+            <a:r>
+              <a:rPr lang="en-US" dirty="0"/>
+              <a:t>value for </a:t>
+            </a:r>
+            <a:r>
+              <a:rPr lang="en-US" dirty="0" smtClean="0"/>
+              <a:t>MPI_ANY_ERROR</a:t>
+            </a:r>
+          </a:p>
+          <a:p>
+            <a:r>
+              <a:rPr lang="en-US" dirty="0" smtClean="0"/>
+              <a:t>Helpful for FT libraries (e.g. Fenix)</a:t>
+            </a:r>
+            <a:endParaRPr lang="en-US" dirty="0"/>
+          </a:p>
+        </p:txBody>
+      </p:sp>
+      <p:sp>
+        <p:nvSpPr>
+          <p:cNvPr id="5" name="Rounded Rectangle 4"/>
+          <p:cNvSpPr/>
+          <p:nvPr/>
+        </p:nvSpPr>
+        <p:spPr>
+          <a:xfrm>
+            <a:off x="6457282" y="3229720"/>
+            <a:ext cx="1761892" cy="713678"/>
+          </a:xfrm>
+          <a:prstGeom prst="roundRect">
+            <a:avLst/>
+          </a:prstGeom>
+        </p:spPr>
+        <p:style>
+          <a:lnRef idx="2">
+            <a:schemeClr val="accent1">
+              <a:shade val="50000"/>
+            </a:schemeClr>
+          </a:lnRef>
+          <a:fillRef idx="1">
+            <a:schemeClr val="accent1"/>
+          </a:fillRef>
+          <a:effectRef idx="0">
+            <a:schemeClr val="accent1"/>
+          </a:effectRef>
+          <a:fontRef idx="minor">
+            <a:schemeClr val="lt1"/>
+          </a:fontRef>
+        </p:style>
+        <p:txBody>
+          <a:bodyPr rtlCol="0" anchor="ctr"/>
+          <a:lstStyle/>
+          <a:p>
+            <a:pPr algn="ctr"/>
+            <a:r>
+              <a:rPr lang="en-US" sz="3600" dirty="0" smtClean="0"/>
+              <a:t>Error</a:t>
+            </a:r>
+            <a:endParaRPr lang="en-US" sz="3600" dirty="0"/>
+          </a:p>
+        </p:txBody>
+      </p:sp>
+      <p:sp>
+        <p:nvSpPr>
+          <p:cNvPr id="6" name="Rounded Rectangle 5"/>
+          <p:cNvSpPr/>
+          <p:nvPr/>
+        </p:nvSpPr>
+        <p:spPr>
+          <a:xfrm>
+            <a:off x="10256186" y="1253118"/>
+            <a:ext cx="1761892" cy="713678"/>
+          </a:xfrm>
+          <a:prstGeom prst="roundRect">
+            <a:avLst/>
+          </a:prstGeom>
+        </p:spPr>
+        <p:style>
+          <a:lnRef idx="2">
+            <a:schemeClr val="accent6">
+              <a:shade val="50000"/>
+            </a:schemeClr>
+          </a:lnRef>
+          <a:fillRef idx="1">
+            <a:schemeClr val="accent6"/>
+          </a:fillRef>
+          <a:effectRef idx="0">
+            <a:schemeClr val="accent6"/>
+          </a:effectRef>
+          <a:fontRef idx="minor">
+            <a:schemeClr val="lt1"/>
+          </a:fontRef>
+        </p:style>
+        <p:txBody>
+          <a:bodyPr rtlCol="0" anchor="ctr"/>
+          <a:lstStyle/>
+          <a:p>
+            <a:pPr algn="ctr"/>
+            <a:r>
+              <a:rPr lang="en-US" sz="3600" dirty="0" smtClean="0"/>
+              <a:t>Handler</a:t>
+            </a:r>
+            <a:endParaRPr lang="en-US" sz="3600" dirty="0"/>
+          </a:p>
+        </p:txBody>
+      </p:sp>
+      <p:sp>
+        <p:nvSpPr>
+          <p:cNvPr id="7" name="Rounded Rectangle 6"/>
+          <p:cNvSpPr/>
+          <p:nvPr/>
+        </p:nvSpPr>
+        <p:spPr>
+          <a:xfrm>
+            <a:off x="10256186" y="3229720"/>
+            <a:ext cx="1761892" cy="713678"/>
+          </a:xfrm>
+          <a:prstGeom prst="roundRect">
+            <a:avLst/>
+          </a:prstGeom>
+        </p:spPr>
+        <p:style>
+          <a:lnRef idx="2">
+            <a:schemeClr val="accent6">
+              <a:shade val="50000"/>
+            </a:schemeClr>
+          </a:lnRef>
+          <a:fillRef idx="1">
+            <a:schemeClr val="accent6"/>
+          </a:fillRef>
+          <a:effectRef idx="0">
+            <a:schemeClr val="accent6"/>
+          </a:effectRef>
+          <a:fontRef idx="minor">
+            <a:schemeClr val="lt1"/>
+          </a:fontRef>
+        </p:style>
+        <p:txBody>
+          <a:bodyPr rtlCol="0" anchor="ctr"/>
+          <a:lstStyle/>
+          <a:p>
+            <a:pPr algn="ctr"/>
+            <a:r>
+              <a:rPr lang="en-US" sz="3600" dirty="0" smtClean="0"/>
+              <a:t>Handler</a:t>
+            </a:r>
+            <a:endParaRPr lang="en-US" sz="3600" dirty="0"/>
+          </a:p>
+        </p:txBody>
+      </p:sp>
+      <p:sp>
+        <p:nvSpPr>
+          <p:cNvPr id="9" name="Rounded Rectangle 8"/>
+          <p:cNvSpPr/>
+          <p:nvPr/>
+        </p:nvSpPr>
+        <p:spPr>
+          <a:xfrm>
+            <a:off x="10256186" y="5211105"/>
+            <a:ext cx="1761892" cy="713678"/>
+          </a:xfrm>
+          <a:prstGeom prst="roundRect">
+            <a:avLst/>
+          </a:prstGeom>
+        </p:spPr>
+        <p:style>
+          <a:lnRef idx="2">
+            <a:schemeClr val="accent6">
+              <a:shade val="50000"/>
+            </a:schemeClr>
+          </a:lnRef>
+          <a:fillRef idx="1">
+            <a:schemeClr val="accent6"/>
+          </a:fillRef>
+          <a:effectRef idx="0">
+            <a:schemeClr val="accent6"/>
+          </a:effectRef>
+          <a:fontRef idx="minor">
+            <a:schemeClr val="lt1"/>
+          </a:fontRef>
+        </p:style>
+        <p:txBody>
+          <a:bodyPr rtlCol="0" anchor="ctr"/>
+          <a:lstStyle/>
+          <a:p>
+            <a:pPr algn="ctr"/>
+            <a:r>
+              <a:rPr lang="en-US" sz="3600" smtClean="0"/>
+              <a:t>Handler</a:t>
+            </a:r>
+            <a:endParaRPr lang="en-US" sz="3600"/>
+          </a:p>
+        </p:txBody>
+      </p:sp>
+      <p:cxnSp>
+        <p:nvCxnSpPr>
+          <p:cNvPr id="11" name="Straight Arrow Connector 10"/>
+          <p:cNvCxnSpPr>
+            <a:stCxn id="5" idx="3"/>
+            <a:endCxn id="6" idx="1"/>
+          </p:cNvCxnSpPr>
+          <p:nvPr/>
+        </p:nvCxnSpPr>
+        <p:spPr>
+          <a:xfrm flipV="1">
+            <a:off x="8219174" y="1609957"/>
+            <a:ext cx="2037012" cy="1976602"/>
+          </a:xfrm>
+          <a:prstGeom prst="straightConnector1">
+            <a:avLst/>
+          </a:prstGeom>
+          <a:ln w="76200">
+            <a:tailEnd type="triangle"/>
+          </a:ln>
+        </p:spPr>
+        <p:style>
+          <a:lnRef idx="3">
+            <a:schemeClr val="dk1"/>
+          </a:lnRef>
+          <a:fillRef idx="0">
+            <a:schemeClr val="dk1"/>
+          </a:fillRef>
+          <a:effectRef idx="2">
+            <a:schemeClr val="dk1"/>
+          </a:effectRef>
+          <a:fontRef idx="minor">
+            <a:schemeClr val="tx1"/>
+          </a:fontRef>
+        </p:style>
+      </p:cxnSp>
+      <p:cxnSp>
+        <p:nvCxnSpPr>
+          <p:cNvPr id="13" name="Straight Arrow Connector 12"/>
+          <p:cNvCxnSpPr>
+            <a:stCxn id="5" idx="3"/>
+            <a:endCxn id="7" idx="1"/>
+          </p:cNvCxnSpPr>
+          <p:nvPr/>
+        </p:nvCxnSpPr>
+        <p:spPr>
+          <a:xfrm>
+            <a:off x="8219174" y="3586559"/>
+            <a:ext cx="2037012" cy="0"/>
+          </a:xfrm>
+          <a:prstGeom prst="straightConnector1">
+            <a:avLst/>
+          </a:prstGeom>
+          <a:ln w="76200">
+            <a:tailEnd type="triangle"/>
+          </a:ln>
+        </p:spPr>
+        <p:style>
+          <a:lnRef idx="3">
+            <a:schemeClr val="dk1"/>
+          </a:lnRef>
+          <a:fillRef idx="0">
+            <a:schemeClr val="dk1"/>
+          </a:fillRef>
+          <a:effectRef idx="2">
+            <a:schemeClr val="dk1"/>
+          </a:effectRef>
+          <a:fontRef idx="minor">
+            <a:schemeClr val="tx1"/>
+          </a:fontRef>
+        </p:style>
+      </p:cxnSp>
+      <p:cxnSp>
+        <p:nvCxnSpPr>
+          <p:cNvPr id="17" name="Straight Arrow Connector 16"/>
+          <p:cNvCxnSpPr>
+            <a:stCxn id="5" idx="3"/>
+            <a:endCxn id="9" idx="1"/>
+          </p:cNvCxnSpPr>
+          <p:nvPr/>
+        </p:nvCxnSpPr>
+        <p:spPr>
+          <a:xfrm>
+            <a:off x="8219174" y="3586559"/>
+            <a:ext cx="2037012" cy="1981385"/>
+          </a:xfrm>
+          <a:prstGeom prst="straightConnector1">
+            <a:avLst/>
+          </a:prstGeom>
+          <a:ln w="76200">
+            <a:tailEnd type="triangle"/>
+          </a:ln>
+        </p:spPr>
+        <p:style>
+          <a:lnRef idx="3">
+            <a:schemeClr val="dk1"/>
+          </a:lnRef>
+          <a:fillRef idx="0">
+            <a:schemeClr val="dk1"/>
+          </a:fillRef>
+          <a:effectRef idx="2">
+            <a:schemeClr val="dk1"/>
+          </a:effectRef>
+          <a:fontRef idx="minor">
+            <a:schemeClr val="tx1"/>
+          </a:fontRef>
+        </p:style>
+      </p:cxnSp>
+      <p:sp>
+        <p:nvSpPr>
+          <p:cNvPr id="18" name="TextBox 17"/>
+          <p:cNvSpPr txBox="1"/>
+          <p:nvPr/>
+        </p:nvSpPr>
+        <p:spPr>
+          <a:xfrm>
+            <a:off x="8494294" y="3197891"/>
+            <a:ext cx="1657826" cy="369332"/>
+          </a:xfrm>
+          <a:prstGeom prst="rect">
+            <a:avLst/>
+          </a:prstGeom>
+          <a:noFill/>
+        </p:spPr>
+        <p:txBody>
+          <a:bodyPr wrap="none" rtlCol="0">
+            <a:spAutoFit/>
+          </a:bodyPr>
+          <a:lstStyle/>
+          <a:p>
+            <a:r>
+              <a:rPr lang="en-US" smtClean="0"/>
+              <a:t>MPI_ERR_MEM</a:t>
+            </a:r>
+            <a:endParaRPr lang="en-US"/>
+          </a:p>
+        </p:txBody>
+      </p:sp>
+      <p:sp>
+        <p:nvSpPr>
+          <p:cNvPr id="19" name="TextBox 18"/>
+          <p:cNvSpPr txBox="1"/>
+          <p:nvPr/>
+        </p:nvSpPr>
+        <p:spPr>
+          <a:xfrm rot="18935981">
+            <a:off x="7951592" y="2158524"/>
+            <a:ext cx="2420278" cy="369332"/>
+          </a:xfrm>
+          <a:prstGeom prst="rect">
+            <a:avLst/>
+          </a:prstGeom>
+          <a:noFill/>
+        </p:spPr>
+        <p:txBody>
+          <a:bodyPr wrap="none" rtlCol="0">
+            <a:spAutoFit/>
+          </a:bodyPr>
+          <a:lstStyle/>
+          <a:p>
+            <a:r>
+              <a:rPr lang="en-US" smtClean="0"/>
+              <a:t>MPI_ERR_PROC_FAILED</a:t>
+            </a:r>
+            <a:endParaRPr lang="en-US" dirty="0"/>
+          </a:p>
+        </p:txBody>
+      </p:sp>
+      <p:sp>
+        <p:nvSpPr>
+          <p:cNvPr id="28" name="TextBox 27"/>
+          <p:cNvSpPr txBox="1"/>
+          <p:nvPr/>
+        </p:nvSpPr>
+        <p:spPr>
+          <a:xfrm rot="2700000">
+            <a:off x="8519353" y="4247298"/>
+            <a:ext cx="1820883" cy="369332"/>
+          </a:xfrm>
+          <a:prstGeom prst="rect">
+            <a:avLst/>
+          </a:prstGeom>
+          <a:noFill/>
+        </p:spPr>
+        <p:txBody>
+          <a:bodyPr wrap="none" rtlCol="0">
+            <a:spAutoFit/>
+          </a:bodyPr>
+          <a:lstStyle/>
+          <a:p>
+            <a:r>
+              <a:rPr lang="en-US" smtClean="0"/>
+              <a:t>MPI_ANY_ERROR</a:t>
+            </a:r>
+            <a:endParaRPr lang="en-US" dirty="0"/>
+          </a:p>
+        </p:txBody>
+      </p:sp>
+    </p:spTree>
+    <p:extLst>
+      <p:ext uri="{BB962C8B-B14F-4D97-AF65-F5344CB8AC3E}">
+        <p14:creationId xmlns:p14="http://schemas.microsoft.com/office/powerpoint/2010/main" val="1702096739"/>
+      </p:ext>
+    </p:extLst>
+  </p:cSld>
+  <p:clrMapOvr>
+    <a:masterClrMapping/>
+  </p:clrMapOvr>
+  <p:timing>
+    <p:tnLst>
+      <p:par>
+        <p:cTn id="1" dur="indefinite" restart="never" nodeType="tmRoot"/>
+      </p:par>
+    </p:tnLst>
+  </p:timing>
+</p:sld>
+</file>
+
+<file path=ppt/slides/slide12.xml><?xml version="1.0" encoding="utf-8"?>
+<p:sld xmlns:a="http://schemas.openxmlformats.org/drawingml/2006/main" xmlns:r="http://schemas.openxmlformats.org/officeDocument/2006/relationships" xmlns:p="http://schemas.openxmlformats.org/presentationml/2006/main">
+  <p:cSld>
+    <p:spTree>
+      <p:nvGrpSpPr>
+        <p:cNvPr id="1" name=""/>
+        <p:cNvGrpSpPr/>
+        <p:nvPr/>
+      </p:nvGrpSpPr>
+      <p:grpSpPr>
+        <a:xfrm>
+          <a:off x="0" y="0"/>
+          <a:ext cx="0" cy="0"/>
+          <a:chOff x="0" y="0"/>
+          <a:chExt cx="0" cy="0"/>
+        </a:xfrm>
+      </p:grpSpPr>
+      <p:sp>
+        <p:nvSpPr>
+          <p:cNvPr id="2" name="Title 1"/>
+          <p:cNvSpPr>
+            <a:spLocks noGrp="1"/>
+          </p:cNvSpPr>
+          <p:nvPr>
+            <p:ph type="title"/>
+          </p:nvPr>
+        </p:nvSpPr>
+        <p:spPr/>
+        <p:txBody>
+          <a:bodyPr/>
+          <a:lstStyle/>
+          <a:p>
+            <a:r>
+              <a:rPr lang="en-US" dirty="0" smtClean="0"/>
+              <a:t>Multiple Error Handlers</a:t>
+            </a:r>
+            <a:endParaRPr lang="en-US" dirty="0"/>
+          </a:p>
+        </p:txBody>
+      </p:sp>
+      <p:sp>
+        <p:nvSpPr>
+          <p:cNvPr id="3" name="Content Placeholder 2"/>
+          <p:cNvSpPr>
+            <a:spLocks noGrp="1"/>
+          </p:cNvSpPr>
+          <p:nvPr>
+            <p:ph idx="1"/>
+          </p:nvPr>
+        </p:nvSpPr>
+        <p:spPr>
+          <a:xfrm>
+            <a:off x="838200" y="1825625"/>
+            <a:ext cx="10515600" cy="1196355"/>
+          </a:xfrm>
+        </p:spPr>
+        <p:txBody>
+          <a:bodyPr>
+            <a:normAutofit/>
+          </a:bodyPr>
+          <a:lstStyle/>
+          <a:p>
+            <a:r>
+              <a:rPr lang="en-US" dirty="0" smtClean="0"/>
+              <a:t>Still only allow a single error handler for a particular error class</a:t>
+            </a:r>
+          </a:p>
+          <a:p>
+            <a:r>
+              <a:rPr lang="en-US" dirty="0" smtClean="0"/>
+              <a:t>Specific error classes overwrite the general MPI_ANY_ERROR handler</a:t>
+            </a:r>
+          </a:p>
+        </p:txBody>
+      </p:sp>
+      <p:sp>
+        <p:nvSpPr>
+          <p:cNvPr id="4" name="Rounded Rectangle 3"/>
+          <p:cNvSpPr/>
+          <p:nvPr/>
+        </p:nvSpPr>
+        <p:spPr>
+          <a:xfrm>
+            <a:off x="735980" y="3791415"/>
+            <a:ext cx="2754352" cy="1159726"/>
+          </a:xfrm>
+          <a:prstGeom prst="roundRect">
+            <a:avLst/>
+          </a:prstGeom>
+        </p:spPr>
+        <p:style>
+          <a:lnRef idx="2">
+            <a:schemeClr val="accent1">
+              <a:shade val="50000"/>
+            </a:schemeClr>
+          </a:lnRef>
+          <a:fillRef idx="1">
+            <a:schemeClr val="accent1"/>
+          </a:fillRef>
+          <a:effectRef idx="0">
+            <a:schemeClr val="accent1"/>
+          </a:effectRef>
+          <a:fontRef idx="minor">
+            <a:schemeClr val="lt1"/>
+          </a:fontRef>
+        </p:style>
+        <p:txBody>
+          <a:bodyPr rtlCol="0" anchor="ctr"/>
+          <a:lstStyle/>
+          <a:p>
+            <a:pPr algn="ctr"/>
+            <a:r>
+              <a:rPr lang="en-US" sz="5400" dirty="0" smtClean="0"/>
+              <a:t>Error</a:t>
+            </a:r>
+            <a:endParaRPr lang="en-US" sz="5400" dirty="0"/>
+          </a:p>
+        </p:txBody>
+      </p:sp>
+      <p:sp>
+        <p:nvSpPr>
+          <p:cNvPr id="9" name="Rounded Rectangle 8"/>
+          <p:cNvSpPr/>
+          <p:nvPr/>
+        </p:nvSpPr>
+        <p:spPr>
+          <a:xfrm>
+            <a:off x="4445619" y="3791415"/>
+            <a:ext cx="2754352" cy="1159726"/>
+          </a:xfrm>
+          <a:prstGeom prst="roundRect">
+            <a:avLst/>
+          </a:prstGeom>
+        </p:spPr>
+        <p:style>
+          <a:lnRef idx="2">
+            <a:schemeClr val="accent6">
+              <a:shade val="50000"/>
+            </a:schemeClr>
+          </a:lnRef>
+          <a:fillRef idx="1">
+            <a:schemeClr val="accent6"/>
+          </a:fillRef>
+          <a:effectRef idx="0">
+            <a:schemeClr val="accent6"/>
+          </a:effectRef>
+          <a:fontRef idx="minor">
+            <a:schemeClr val="lt1"/>
+          </a:fontRef>
+        </p:style>
+        <p:txBody>
+          <a:bodyPr rtlCol="0" anchor="ctr"/>
+          <a:lstStyle/>
+          <a:p>
+            <a:pPr algn="ctr"/>
+            <a:r>
+              <a:rPr lang="en-US" sz="5400" smtClean="0"/>
+              <a:t>Handler</a:t>
+            </a:r>
+            <a:endParaRPr lang="en-US" sz="5400" dirty="0"/>
+          </a:p>
+        </p:txBody>
+      </p:sp>
+      <p:sp>
+        <p:nvSpPr>
+          <p:cNvPr id="10" name="Rounded Rectangle 9"/>
+          <p:cNvSpPr/>
+          <p:nvPr/>
+        </p:nvSpPr>
+        <p:spPr>
+          <a:xfrm>
+            <a:off x="8155258" y="3791415"/>
+            <a:ext cx="2754352" cy="1159726"/>
+          </a:xfrm>
+          <a:prstGeom prst="roundRect">
+            <a:avLst/>
+          </a:prstGeom>
+          <a:solidFill>
+            <a:srgbClr val="FF0000"/>
+          </a:solidFill>
+        </p:spPr>
+        <p:style>
+          <a:lnRef idx="2">
+            <a:schemeClr val="accent1">
+              <a:shade val="50000"/>
+            </a:schemeClr>
+          </a:lnRef>
+          <a:fillRef idx="1">
+            <a:schemeClr val="accent1"/>
+          </a:fillRef>
+          <a:effectRef idx="0">
+            <a:schemeClr val="accent1"/>
+          </a:effectRef>
+          <a:fontRef idx="minor">
+            <a:schemeClr val="lt1"/>
+          </a:fontRef>
+        </p:style>
+        <p:txBody>
+          <a:bodyPr rtlCol="0" anchor="ctr"/>
+          <a:lstStyle/>
+          <a:p>
+            <a:pPr algn="ctr"/>
+            <a:r>
+              <a:rPr lang="en-US" sz="4000" dirty="0" smtClean="0"/>
+              <a:t>Other</a:t>
+            </a:r>
+          </a:p>
+          <a:p>
+            <a:pPr algn="ctr"/>
+            <a:r>
+              <a:rPr lang="en-US" sz="4000" dirty="0" smtClean="0"/>
+              <a:t>Handler</a:t>
+            </a:r>
+            <a:endParaRPr lang="en-US" sz="4000" dirty="0"/>
+          </a:p>
+        </p:txBody>
+      </p:sp>
+      <p:sp>
+        <p:nvSpPr>
+          <p:cNvPr id="11" name="Right Arrow 10"/>
+          <p:cNvSpPr/>
+          <p:nvPr/>
+        </p:nvSpPr>
+        <p:spPr>
+          <a:xfrm>
+            <a:off x="3490332" y="4164980"/>
+            <a:ext cx="955287" cy="412595"/>
+          </a:xfrm>
+          <a:prstGeom prst="rightArrow">
+            <a:avLst/>
+          </a:prstGeom>
+        </p:spPr>
+        <p:style>
+          <a:lnRef idx="2">
+            <a:schemeClr val="dk1">
+              <a:shade val="50000"/>
+            </a:schemeClr>
+          </a:lnRef>
+          <a:fillRef idx="1">
+            <a:schemeClr val="dk1"/>
+          </a:fillRef>
+          <a:effectRef idx="0">
+            <a:schemeClr val="dk1"/>
+          </a:effectRef>
+          <a:fontRef idx="minor">
+            <a:schemeClr val="lt1"/>
+          </a:fontRef>
+        </p:style>
+        <p:txBody>
+          <a:bodyPr rtlCol="0" anchor="ctr"/>
+          <a:lstStyle/>
+          <a:p>
+            <a:pPr algn="ctr"/>
+            <a:endParaRPr lang="en-US"/>
+          </a:p>
+        </p:txBody>
+      </p:sp>
+      <p:sp>
+        <p:nvSpPr>
+          <p:cNvPr id="12" name="Right Arrow 11"/>
+          <p:cNvSpPr/>
+          <p:nvPr/>
+        </p:nvSpPr>
+        <p:spPr>
+          <a:xfrm>
+            <a:off x="7199971" y="4162192"/>
+            <a:ext cx="955287" cy="412595"/>
+          </a:xfrm>
+          <a:prstGeom prst="rightArrow">
+            <a:avLst/>
+          </a:prstGeom>
+        </p:spPr>
+        <p:style>
+          <a:lnRef idx="2">
+            <a:schemeClr val="dk1">
+              <a:shade val="50000"/>
+            </a:schemeClr>
+          </a:lnRef>
+          <a:fillRef idx="1">
+            <a:schemeClr val="dk1"/>
+          </a:fillRef>
+          <a:effectRef idx="0">
+            <a:schemeClr val="dk1"/>
+          </a:effectRef>
+          <a:fontRef idx="minor">
+            <a:schemeClr val="lt1"/>
+          </a:fontRef>
+        </p:style>
+        <p:txBody>
+          <a:bodyPr rtlCol="0" anchor="ctr"/>
+          <a:lstStyle/>
+          <a:p>
+            <a:pPr algn="ctr"/>
+            <a:endParaRPr lang="en-US"/>
+          </a:p>
+        </p:txBody>
+      </p:sp>
+      <p:sp>
+        <p:nvSpPr>
+          <p:cNvPr id="13" name="&quot;No&quot; Symbol 12"/>
+          <p:cNvSpPr/>
+          <p:nvPr/>
+        </p:nvSpPr>
+        <p:spPr>
+          <a:xfrm>
+            <a:off x="7882054" y="3254762"/>
+            <a:ext cx="3300761" cy="2227454"/>
+          </a:xfrm>
+          <a:prstGeom prst="noSmoking">
+            <a:avLst/>
+          </a:prstGeom>
+          <a:noFill/>
+          <a:ln w="38100">
+            <a:solidFill>
+              <a:srgbClr val="002060"/>
+            </a:solidFill>
+          </a:ln>
+        </p:spPr>
+        <p:style>
+          <a:lnRef idx="1">
+            <a:schemeClr val="dk1"/>
+          </a:lnRef>
+          <a:fillRef idx="2">
+            <a:schemeClr val="dk1"/>
+          </a:fillRef>
+          <a:effectRef idx="1">
+            <a:schemeClr val="dk1"/>
+          </a:effectRef>
+          <a:fontRef idx="minor">
+            <a:schemeClr val="dk1"/>
+          </a:fontRef>
+        </p:style>
+        <p:txBody>
+          <a:bodyPr rtlCol="0" anchor="ctr"/>
+          <a:lstStyle/>
+          <a:p>
+            <a:pPr algn="ctr"/>
+            <a:endParaRPr lang="en-US">
+              <a:solidFill>
+                <a:schemeClr val="tx1"/>
+              </a:solidFill>
+            </a:endParaRPr>
+          </a:p>
+        </p:txBody>
+      </p:sp>
+    </p:spTree>
+    <p:extLst>
+      <p:ext uri="{BB962C8B-B14F-4D97-AF65-F5344CB8AC3E}">
+        <p14:creationId xmlns:p14="http://schemas.microsoft.com/office/powerpoint/2010/main" val="1785567144"/>
+      </p:ext>
+    </p:extLst>
+  </p:cSld>
+  <p:clrMapOvr>
+    <a:masterClrMapping/>
+  </p:clrMapOvr>
+  <p:timing>
+    <p:tnLst>
+      <p:par>
+        <p:cTn id="1" dur="indefinite" restart="never" nodeType="tmRoot"/>
+      </p:par>
+    </p:tnLst>
+  </p:timing>
+</p:sld>
+</file>
+
+<file path=ppt/slides/slide13.xml><?xml version="1.0" encoding="utf-8"?>
+<p:sld xmlns:a="http://schemas.openxmlformats.org/drawingml/2006/main" xmlns:r="http://schemas.openxmlformats.org/officeDocument/2006/relationships" xmlns:p="http://schemas.openxmlformats.org/presentationml/2006/main">
+  <p:cSld>
+    <p:spTree>
+      <p:nvGrpSpPr>
+        <p:cNvPr id="1" name=""/>
+        <p:cNvGrpSpPr/>
+        <p:nvPr/>
+      </p:nvGrpSpPr>
+      <p:grpSpPr>
+        <a:xfrm>
+          <a:off x="0" y="0"/>
+          <a:ext cx="0" cy="0"/>
+          <a:chOff x="0" y="0"/>
+          <a:chExt cx="0" cy="0"/>
+        </a:xfrm>
+      </p:grpSpPr>
+      <p:sp>
+        <p:nvSpPr>
+          <p:cNvPr id="2" name="Title 1"/>
+          <p:cNvSpPr>
+            <a:spLocks noGrp="1"/>
+          </p:cNvSpPr>
+          <p:nvPr>
+            <p:ph type="title"/>
+          </p:nvPr>
+        </p:nvSpPr>
+        <p:spPr/>
+        <p:txBody>
+          <a:bodyPr/>
+          <a:lstStyle/>
+          <a:p>
+            <a:r>
+              <a:rPr lang="en-US" dirty="0" smtClean="0"/>
+              <a:t>Guarantee that MPI is long jump safe</a:t>
+            </a:r>
+            <a:endParaRPr lang="en-US" dirty="0"/>
+          </a:p>
+        </p:txBody>
+      </p:sp>
+      <p:sp>
+        <p:nvSpPr>
+          <p:cNvPr id="3" name="Content Placeholder 2"/>
+          <p:cNvSpPr>
+            <a:spLocks noGrp="1"/>
+          </p:cNvSpPr>
+          <p:nvPr>
+            <p:ph idx="1"/>
+          </p:nvPr>
+        </p:nvSpPr>
+        <p:spPr/>
+        <p:txBody>
+          <a:bodyPr>
+            <a:normAutofit/>
+          </a:bodyPr>
+          <a:lstStyle/>
+          <a:p>
+            <a:r>
+              <a:rPr lang="en-US" dirty="0" smtClean="0"/>
+              <a:t>Allow the error handler to long jump to a location after the function is completed</a:t>
+            </a:r>
+          </a:p>
+          <a:p>
+            <a:r>
+              <a:rPr lang="en-US" dirty="0" smtClean="0"/>
+              <a:t>User’s responsibility to make sure that it doesn’t screw up its own threads</a:t>
+            </a:r>
+          </a:p>
+          <a:p>
+            <a:r>
+              <a:rPr lang="en-US" dirty="0" smtClean="0"/>
+              <a:t>It might not currently be safe to long jump directly out of the error handler because you might be in MPI’s thread.</a:t>
+            </a:r>
+          </a:p>
+          <a:p>
+            <a:pPr lvl="1"/>
+            <a:r>
+              <a:rPr lang="en-US" dirty="0" smtClean="0"/>
+              <a:t>In practice, we don’t think implementations do this, but the Standard doesn’t prohibit it. We should clarify this.</a:t>
+            </a:r>
+          </a:p>
+          <a:p>
+            <a:r>
+              <a:rPr lang="en-US" dirty="0" smtClean="0"/>
+              <a:t>This gives you </a:t>
+            </a:r>
+            <a:r>
+              <a:rPr lang="en-US" dirty="0" err="1" smtClean="0"/>
+              <a:t>Reinit</a:t>
+            </a:r>
+            <a:r>
+              <a:rPr lang="en-US" dirty="0" smtClean="0"/>
+              <a:t>/Fenix-like behavior</a:t>
+            </a:r>
+            <a:endParaRPr lang="en-US" dirty="0"/>
+          </a:p>
+          <a:p>
+            <a:endParaRPr lang="en-US" dirty="0"/>
+          </a:p>
+        </p:txBody>
+      </p:sp>
+    </p:spTree>
+    <p:extLst>
+      <p:ext uri="{BB962C8B-B14F-4D97-AF65-F5344CB8AC3E}">
+        <p14:creationId xmlns:p14="http://schemas.microsoft.com/office/powerpoint/2010/main" val="1004360686"/>
+      </p:ext>
+    </p:extLst>
+  </p:cSld>
+  <p:clrMapOvr>
+    <a:masterClrMapping/>
+  </p:clrMapOvr>
+  <p:timing>
+    <p:tnLst>
+      <p:par>
+        <p:cTn id="1" dur="indefinite" restart="never" nodeType="tmRoot"/>
+      </p:par>
+    </p:tnLst>
+  </p:timing>
+</p:sld>
+</file>
+
+<file path=ppt/slides/slide14.xml><?xml version="1.0" encoding="utf-8"?>
+<p:sld xmlns:a="http://schemas.openxmlformats.org/drawingml/2006/main" xmlns:r="http://schemas.openxmlformats.org/officeDocument/2006/relationships" xmlns:p="http://schemas.openxmlformats.org/presentationml/2006/main">
+  <p:cSld>
+    <p:spTree>
+      <p:nvGrpSpPr>
+        <p:cNvPr id="1" name=""/>
+        <p:cNvGrpSpPr/>
+        <p:nvPr/>
+      </p:nvGrpSpPr>
+      <p:grpSpPr>
+        <a:xfrm>
+          <a:off x="0" y="0"/>
+          <a:ext cx="0" cy="0"/>
+          <a:chOff x="0" y="0"/>
+          <a:chExt cx="0" cy="0"/>
+        </a:xfrm>
+      </p:grpSpPr>
+      <p:sp>
+        <p:nvSpPr>
+          <p:cNvPr id="2" name="Title 1"/>
+          <p:cNvSpPr>
+            <a:spLocks noGrp="1"/>
+          </p:cNvSpPr>
+          <p:nvPr>
+            <p:ph type="title"/>
+          </p:nvPr>
+        </p:nvSpPr>
+        <p:spPr/>
+        <p:txBody>
+          <a:bodyPr/>
+          <a:lstStyle/>
+          <a:p>
+            <a:r>
+              <a:rPr lang="en-US" dirty="0" smtClean="0"/>
+              <a:t>Provider Error Handler with Operation Context</a:t>
+            </a:r>
+            <a:endParaRPr lang="en-US" dirty="0"/>
+          </a:p>
+        </p:txBody>
+      </p:sp>
+      <p:sp>
+        <p:nvSpPr>
+          <p:cNvPr id="3" name="Content Placeholder 2"/>
+          <p:cNvSpPr>
+            <a:spLocks noGrp="1"/>
+          </p:cNvSpPr>
+          <p:nvPr>
+            <p:ph idx="1"/>
+          </p:nvPr>
+        </p:nvSpPr>
+        <p:spPr/>
+        <p:txBody>
+          <a:bodyPr/>
+          <a:lstStyle/>
+          <a:p>
+            <a:r>
+              <a:rPr lang="en-US" dirty="0" smtClean="0"/>
+              <a:t>Pass in operation arguments with something like </a:t>
+            </a:r>
+            <a:r>
+              <a:rPr lang="en-US" dirty="0" err="1" smtClean="0"/>
+              <a:t>varargs</a:t>
+            </a:r>
+            <a:endParaRPr lang="en-US" dirty="0" smtClean="0"/>
+          </a:p>
+          <a:p>
+            <a:r>
+              <a:rPr lang="en-US" dirty="0" smtClean="0"/>
+              <a:t>Can re-run the operation after fixing the problem</a:t>
+            </a:r>
+          </a:p>
+          <a:p>
+            <a:r>
+              <a:rPr lang="en-US" dirty="0" smtClean="0"/>
+              <a:t>Could be tricky to use, but would be very powerful for some recovery:</a:t>
+            </a:r>
+          </a:p>
+          <a:p>
+            <a:pPr lvl="1"/>
+            <a:r>
+              <a:rPr lang="en-US" dirty="0" smtClean="0"/>
+              <a:t>Catastrophic/non-catastrophic</a:t>
+            </a:r>
+          </a:p>
+          <a:p>
+            <a:pPr lvl="1"/>
+            <a:r>
+              <a:rPr lang="en-US" dirty="0" smtClean="0"/>
+              <a:t>Message logging</a:t>
+            </a:r>
+          </a:p>
+          <a:p>
+            <a:pPr lvl="1"/>
+            <a:endParaRPr lang="en-US" dirty="0" smtClean="0"/>
+          </a:p>
+          <a:p>
+            <a:r>
+              <a:rPr lang="en-US" dirty="0" smtClean="0"/>
+              <a:t>Thought about this and decided that it would be great implementation-specific behavior to shove in the “</a:t>
+            </a:r>
+            <a:r>
+              <a:rPr lang="is-IS" dirty="0" smtClean="0"/>
+              <a:t>…” at the end.</a:t>
+            </a:r>
+            <a:endParaRPr lang="en-US" dirty="0"/>
+          </a:p>
+        </p:txBody>
+      </p:sp>
+      <p:sp>
+        <p:nvSpPr>
+          <p:cNvPr id="4" name="Rectangle 3"/>
+          <p:cNvSpPr/>
+          <p:nvPr/>
+        </p:nvSpPr>
+        <p:spPr>
+          <a:xfrm>
+            <a:off x="9344722" y="78059"/>
+            <a:ext cx="2653990" cy="1237785"/>
+          </a:xfrm>
+          <a:prstGeom prst="rect">
+            <a:avLst/>
+          </a:prstGeom>
+        </p:spPr>
+        <p:style>
+          <a:lnRef idx="2">
+            <a:schemeClr val="accent2">
+              <a:shade val="50000"/>
+            </a:schemeClr>
+          </a:lnRef>
+          <a:fillRef idx="1">
+            <a:schemeClr val="accent2"/>
+          </a:fillRef>
+          <a:effectRef idx="0">
+            <a:schemeClr val="accent2"/>
+          </a:effectRef>
+          <a:fontRef idx="minor">
+            <a:schemeClr val="lt1"/>
+          </a:fontRef>
+        </p:style>
+        <p:txBody>
+          <a:bodyPr rtlCol="0" anchor="ctr"/>
+          <a:lstStyle/>
+          <a:p>
+            <a:pPr algn="ctr"/>
+            <a:r>
+              <a:rPr lang="en-US" sz="3200" dirty="0" smtClean="0"/>
+              <a:t>Do this with QMPI</a:t>
+            </a:r>
+            <a:endParaRPr lang="en-US" sz="3200" dirty="0"/>
+          </a:p>
+        </p:txBody>
+      </p:sp>
+    </p:spTree>
+    <p:extLst>
+      <p:ext uri="{BB962C8B-B14F-4D97-AF65-F5344CB8AC3E}">
+        <p14:creationId xmlns:p14="http://schemas.microsoft.com/office/powerpoint/2010/main" val="1003203628"/>
+      </p:ext>
+    </p:extLst>
+  </p:cSld>
+  <p:clrMapOvr>
+    <a:masterClrMapping/>
+  </p:clrMapOvr>
+  <p:timing>
+    <p:tnLst>
+      <p:par>
+        <p:cTn id="1" dur="indefinite" restart="never" nodeType="tmRoot"/>
+      </p:par>
+    </p:tnLst>
+  </p:timing>
+</p:sld>
+</file>
+
+<file path=ppt/slides/slide15.xml><?xml version="1.0" encoding="utf-8"?>
+<p:sld xmlns:a="http://schemas.openxmlformats.org/drawingml/2006/main" xmlns:r="http://schemas.openxmlformats.org/officeDocument/2006/relationships" xmlns:p="http://schemas.openxmlformats.org/presentationml/2006/main">
+  <p:cSld>
+    <p:spTree>
+      <p:nvGrpSpPr>
+        <p:cNvPr id="1" name=""/>
+        <p:cNvGrpSpPr/>
+        <p:nvPr/>
+      </p:nvGrpSpPr>
+      <p:grpSpPr>
+        <a:xfrm>
+          <a:off x="0" y="0"/>
+          <a:ext cx="0" cy="0"/>
+          <a:chOff x="0" y="0"/>
+          <a:chExt cx="0" cy="0"/>
+        </a:xfrm>
+      </p:grpSpPr>
+      <p:sp>
+        <p:nvSpPr>
           <p:cNvPr id="2" name="Title 1"/>
           <p:cNvSpPr>
             <a:spLocks noGrp="1"/>
@@ -3158,7 +5290,20 @@
                 <a:ea typeface="Andale Mono" charset="0"/>
                 <a:cs typeface="Andale Mono" charset="0"/>
               </a:rPr>
-              <a:t>	(IN)		void *		</a:t>
+              <a:t>	(IN)		void *			handles, /* Request(s) if they exist,</a:t>
+            </a:r>
+          </a:p>
+          <a:p>
+            <a:pPr marL="0" indent="0">
+              <a:buNone/>
+            </a:pPr>
+            <a:r>
+              <a:rPr lang="en-US" dirty="0">
+                <a:latin typeface="Andale Mono" charset="0"/>
+                <a:ea typeface="Andale Mono" charset="0"/>
+                <a:cs typeface="Andale Mono" charset="0"/>
+              </a:rPr>
+              <a:t>	</a:t>
             </a:r>
             <a:r>
               <a:rPr lang="en-US" dirty="0" smtClean="0">
@@ -3166,36 +5311,7 @@
                 <a:ea typeface="Andale Mono" charset="0"/>
                 <a:cs typeface="Andale Mono" charset="0"/>
               </a:rPr>
-              <a:t>	handles, /* Request(s) if they exist,</a:t>
-            </a:r>
-          </a:p>
-          <a:p>
-            <a:pPr marL="0" indent="0">
-              <a:buNone/>
-            </a:pPr>
-            <a:r>
-              <a:rPr lang="en-US" dirty="0">
-                <a:latin typeface="Andale Mono" charset="0"/>
-                <a:ea typeface="Andale Mono" charset="0"/>
-                <a:cs typeface="Andale Mono" charset="0"/>
-              </a:rPr>
-              <a:t>	</a:t>
-            </a:r>
-            <a:r>
-              <a:rPr lang="en-US" dirty="0" smtClean="0">
-                <a:latin typeface="Andale Mono" charset="0"/>
-                <a:ea typeface="Andale Mono" charset="0"/>
-                <a:cs typeface="Andale Mono" charset="0"/>
-              </a:rPr>
-              <a:t>						   </a:t>
-            </a:r>
-            <a:r>
-              <a:rPr lang="en-US" dirty="0" smtClean="0">
-                <a:latin typeface="Andale Mono" charset="0"/>
-                <a:ea typeface="Andale Mono" charset="0"/>
-                <a:cs typeface="Andale Mono" charset="0"/>
-              </a:rPr>
-              <a:t>otherwise </a:t>
+              <a:t>						   otherwise </a:t>
             </a:r>
             <a:r>
               <a:rPr lang="en-US" dirty="0" err="1" smtClean="0">
@@ -3261,7 +5377,23 @@
                 <a:ea typeface="Andale Mono" charset="0"/>
                 <a:cs typeface="Andale Mono" charset="0"/>
               </a:rPr>
-              <a:t>,</a:t>
+              <a:t>, /* </a:t>
+            </a:r>
+            <a:r>
+              <a:rPr lang="en-US" dirty="0" err="1" smtClean="0">
+                <a:latin typeface="Andale Mono" charset="0"/>
+                <a:ea typeface="Andale Mono" charset="0"/>
+                <a:cs typeface="Andale Mono" charset="0"/>
+              </a:rPr>
+              <a:t>Num</a:t>
+            </a:r>
+            <a:r>
+              <a:rPr lang="en-US" dirty="0" smtClean="0">
+                <a:latin typeface="Andale Mono" charset="0"/>
+                <a:ea typeface="Andale Mono" charset="0"/>
+                <a:cs typeface="Andale Mono" charset="0"/>
+              </a:rPr>
+              <a:t> handles in the previous array? */</a:t>
             </a:r>
             <a:endParaRPr lang="en-US" dirty="0">
               <a:latin typeface="Andale Mono" charset="0"/>
@@ -3361,7 +5493,15 @@
                 <a:ea typeface="Andale Mono" charset="0"/>
                 <a:cs typeface="Andale Mono" charset="0"/>
               </a:rPr>
-              <a:t>	(INOUT)	</a:t>
+              <a:t>	(INOUT)		</a:t>
+            </a:r>
+            <a:r>
+              <a:rPr lang="en-US" dirty="0" err="1" smtClean="0">
+                <a:latin typeface="Andale Mono" charset="0"/>
+                <a:ea typeface="Andale Mono" charset="0"/>
+                <a:cs typeface="Andale Mono" charset="0"/>
+              </a:rPr>
+              <a:t>int</a:t>
             </a:r>
             <a:r>
               <a:rPr lang="en-US" dirty="0" smtClean="0">
@@ -3369,76 +5509,44 @@
                 <a:ea typeface="Andale Mono" charset="0"/>
                 <a:cs typeface="Andale Mono" charset="0"/>
               </a:rPr>
+              <a:t> *			</a:t>
+            </a:r>
+            <a:r>
+              <a:rPr lang="en-US" dirty="0" err="1" smtClean="0">
+                <a:latin typeface="Andale Mono" charset="0"/>
+                <a:ea typeface="Andale Mono" charset="0"/>
+                <a:cs typeface="Andale Mono" charset="0"/>
+              </a:rPr>
+              <a:t>errcode</a:t>
+            </a:r>
+            <a:r>
+              <a:rPr lang="en-US" dirty="0" smtClean="0">
+                <a:latin typeface="Andale Mono" charset="0"/>
+                <a:ea typeface="Andale Mono" charset="0"/>
+                <a:cs typeface="Andale Mono" charset="0"/>
+              </a:rPr>
+              <a:t>, /* Just one, maybe MPI_ERR_IN_STATUS */</a:t>
+            </a:r>
+          </a:p>
+          <a:p>
+            <a:pPr marL="0" indent="0">
+              <a:buNone/>
+            </a:pPr>
+            <a:r>
+              <a:rPr lang="en-US" dirty="0">
+                <a:latin typeface="Andale Mono" charset="0"/>
+                <a:ea typeface="Andale Mono" charset="0"/>
+                <a:cs typeface="Andale Mono" charset="0"/>
+              </a:rPr>
               <a:t>	</a:t>
             </a:r>
             <a:r>
-              <a:rPr lang="en-US" dirty="0" err="1" smtClean="0">
-                <a:latin typeface="Andale Mono" charset="0"/>
-                <a:ea typeface="Andale Mono" charset="0"/>
-                <a:cs typeface="Andale Mono" charset="0"/>
-              </a:rPr>
-              <a:t>int</a:t>
-            </a:r>
-            <a:r>
               <a:rPr lang="en-US" dirty="0" smtClean="0">
                 <a:latin typeface="Andale Mono" charset="0"/>
                 <a:ea typeface="Andale Mono" charset="0"/>
                 <a:cs typeface="Andale Mono" charset="0"/>
               </a:rPr>
-              <a:t> </a:t>
-            </a:r>
-            <a:r>
-              <a:rPr lang="en-US" dirty="0" smtClean="0">
-                <a:latin typeface="Andale Mono" charset="0"/>
-                <a:ea typeface="Andale Mono" charset="0"/>
-                <a:cs typeface="Andale Mono" charset="0"/>
-              </a:rPr>
-              <a:t>*			</a:t>
-            </a:r>
-            <a:r>
-              <a:rPr lang="en-US" dirty="0" err="1" smtClean="0">
-                <a:latin typeface="Andale Mono" charset="0"/>
-                <a:ea typeface="Andale Mono" charset="0"/>
-                <a:cs typeface="Andale Mono" charset="0"/>
-              </a:rPr>
-              <a:t>errcode</a:t>
-            </a:r>
-            <a:r>
-              <a:rPr lang="en-US" dirty="0" smtClean="0">
-                <a:latin typeface="Andale Mono" charset="0"/>
-                <a:ea typeface="Andale Mono" charset="0"/>
-                <a:cs typeface="Andale Mono" charset="0"/>
-              </a:rPr>
-              <a:t>, /* Just one, maybe MPI_ERR_IN_STATUS */</a:t>
-            </a:r>
-          </a:p>
-          <a:p>
-            <a:pPr marL="0" indent="0">
-              <a:buNone/>
-            </a:pPr>
-            <a:r>
-              <a:rPr lang="en-US" dirty="0">
-                <a:latin typeface="Andale Mono" charset="0"/>
-                <a:ea typeface="Andale Mono" charset="0"/>
-                <a:cs typeface="Andale Mono" charset="0"/>
-              </a:rPr>
-              <a:t>	</a:t>
-            </a:r>
-            <a:r>
-              <a:rPr lang="en-US" dirty="0" smtClean="0">
-                <a:latin typeface="Andale Mono" charset="0"/>
-                <a:ea typeface="Andale Mono" charset="0"/>
-                <a:cs typeface="Andale Mono" charset="0"/>
-              </a:rPr>
-              <a:t>(IN)		void *			context</a:t>
-            </a:r>
-            <a:r>
-              <a:rPr lang="en-US" dirty="0" smtClean="0">
-                <a:latin typeface="Andale Mono" charset="0"/>
-                <a:ea typeface="Andale Mono" charset="0"/>
-                <a:cs typeface="Andale Mono" charset="0"/>
-              </a:rPr>
-              <a:t>, /* User can log operations or something */</a:t>
+              <a:t>(IN)		void *			context, /* User can log operations or something */</a:t>
             </a:r>
           </a:p>
           <a:p>
@@ -3540,15 +5648,52 @@
                 <a:ea typeface="Andale Mono" charset="0"/>
                 <a:cs typeface="Andale Mono" charset="0"/>
               </a:rPr>
+              <a:t>(IN)		void *		 	 handle, /* Which handle does this apply to? */</a:t>
+            </a:r>
+          </a:p>
+          <a:p>
+            <a:pPr marL="0" indent="0">
+              <a:buNone/>
+            </a:pPr>
+            <a:r>
+              <a:rPr lang="en-US" dirty="0">
+                <a:latin typeface="Andale Mono" charset="0"/>
+                <a:ea typeface="Andale Mono" charset="0"/>
+                <a:cs typeface="Andale Mono" charset="0"/>
+              </a:rPr>
+              <a:t>	</a:t>
+            </a:r>
+            <a:r>
+              <a:rPr lang="en-US" dirty="0" smtClean="0">
+                <a:latin typeface="Andale Mono" charset="0"/>
+                <a:ea typeface="Andale Mono" charset="0"/>
+                <a:cs typeface="Andale Mono" charset="0"/>
+              </a:rPr>
               <a:t>(IN)		</a:t>
             </a:r>
             <a:r>
+              <a:rPr lang="en-US" dirty="0" err="1" smtClean="0">
+                <a:latin typeface="Andale Mono" charset="0"/>
+                <a:ea typeface="Andale Mono" charset="0"/>
+                <a:cs typeface="Andale Mono" charset="0"/>
+              </a:rPr>
+              <a:t>int</a:t>
+            </a:r>
+            <a:r>
               <a:rPr lang="en-US" dirty="0" smtClean="0">
                 <a:latin typeface="Andale Mono" charset="0"/>
                 <a:ea typeface="Andale Mono" charset="0"/>
                 <a:cs typeface="Andale Mono" charset="0"/>
               </a:rPr>
-              <a:t>void *</a:t>
+              <a:t> *		 	 </a:t>
+            </a:r>
+            <a:r>
+              <a:rPr lang="en-US" dirty="0" err="1" smtClean="0">
+                <a:latin typeface="Andale Mono" charset="0"/>
+                <a:ea typeface="Andale Mono" charset="0"/>
+                <a:cs typeface="Andale Mono" charset="0"/>
+              </a:rPr>
+              <a:t>error_classes</a:t>
             </a:r>
             <a:r>
               <a:rPr lang="en-US" dirty="0" smtClean="0">
@@ -3556,7 +5701,20 @@
                 <a:ea typeface="Andale Mono" charset="0"/>
                 <a:cs typeface="Andale Mono" charset="0"/>
               </a:rPr>
-              <a:t>		 </a:t>
+              <a:t>, /* Which error classes to catch</a:t>
+            </a:r>
+          </a:p>
+          <a:p>
+            <a:pPr marL="0" indent="0">
+              <a:buNone/>
+            </a:pPr>
+            <a:r>
+              <a:rPr lang="en-US" dirty="0">
+                <a:latin typeface="Andale Mono" charset="0"/>
+                <a:ea typeface="Andale Mono" charset="0"/>
+                <a:cs typeface="Andale Mono" charset="0"/>
+              </a:rPr>
+              <a:t>	</a:t>
             </a:r>
             <a:r>
               <a:rPr lang="en-US" dirty="0" smtClean="0">
@@ -3564,7 +5722,100 @@
                 <a:ea typeface="Andale Mono" charset="0"/>
                 <a:cs typeface="Andale Mono" charset="0"/>
               </a:rPr>
-              <a:t>	 handle, /* Which handle does this apply to? */</a:t>
+              <a:t>							 Could be MPI_ANY_ERR_CLASS */</a:t>
+            </a:r>
+          </a:p>
+          <a:p>
+            <a:pPr marL="0" indent="0">
+              <a:buNone/>
+            </a:pPr>
+            <a:r>
+              <a:rPr lang="en-US" dirty="0">
+                <a:latin typeface="Andale Mono" charset="0"/>
+                <a:ea typeface="Andale Mono" charset="0"/>
+                <a:cs typeface="Andale Mono" charset="0"/>
+              </a:rPr>
+              <a:t>	</a:t>
+            </a:r>
+            <a:r>
+              <a:rPr lang="en-US" dirty="0" smtClean="0">
+                <a:latin typeface="Andale Mono" charset="0"/>
+                <a:ea typeface="Andale Mono" charset="0"/>
+                <a:cs typeface="Andale Mono" charset="0"/>
+              </a:rPr>
+              <a:t>(IN)		</a:t>
+            </a:r>
+            <a:r>
+              <a:rPr lang="en-US" dirty="0" err="1" smtClean="0">
+                <a:latin typeface="Andale Mono" charset="0"/>
+                <a:ea typeface="Andale Mono" charset="0"/>
+                <a:cs typeface="Andale Mono" charset="0"/>
+              </a:rPr>
+              <a:t>int</a:t>
+            </a:r>
+            <a:r>
+              <a:rPr lang="en-US" dirty="0" smtClean="0">
+                <a:latin typeface="Andale Mono" charset="0"/>
+                <a:ea typeface="Andale Mono" charset="0"/>
+                <a:cs typeface="Andale Mono" charset="0"/>
+              </a:rPr>
+              <a:t>			 </a:t>
+            </a:r>
+            <a:r>
+              <a:rPr lang="en-US" dirty="0" err="1" smtClean="0">
+                <a:latin typeface="Andale Mono" charset="0"/>
+                <a:ea typeface="Andale Mono" charset="0"/>
+                <a:cs typeface="Andale Mono" charset="0"/>
+              </a:rPr>
+              <a:t>num_error_classes</a:t>
+            </a:r>
+            <a:r>
+              <a:rPr lang="en-US" dirty="0">
+                <a:latin typeface="Andale Mono" charset="0"/>
+                <a:ea typeface="Andale Mono" charset="0"/>
+                <a:cs typeface="Andale Mono" charset="0"/>
+              </a:rPr>
+              <a:t>, /* </a:t>
+            </a:r>
+            <a:r>
+              <a:rPr lang="en-US" dirty="0" err="1" smtClean="0">
+                <a:latin typeface="Andale Mono" charset="0"/>
+                <a:ea typeface="Andale Mono" charset="0"/>
+                <a:cs typeface="Andale Mono" charset="0"/>
+              </a:rPr>
+              <a:t>Num</a:t>
+            </a:r>
+            <a:r>
+              <a:rPr lang="en-US" dirty="0" smtClean="0">
+                <a:latin typeface="Andale Mono" charset="0"/>
+                <a:ea typeface="Andale Mono" charset="0"/>
+                <a:cs typeface="Andale Mono" charset="0"/>
+              </a:rPr>
+              <a:t> classes in </a:t>
+            </a:r>
+            <a:r>
+              <a:rPr lang="en-US" dirty="0">
+                <a:latin typeface="Andale Mono" charset="0"/>
+                <a:ea typeface="Andale Mono" charset="0"/>
+                <a:cs typeface="Andale Mono" charset="0"/>
+              </a:rPr>
+              <a:t>the previous </a:t>
+            </a:r>
+            <a:r>
+              <a:rPr lang="en-US" dirty="0" smtClean="0">
+                <a:latin typeface="Andale Mono" charset="0"/>
+                <a:ea typeface="Andale Mono" charset="0"/>
+                <a:cs typeface="Andale Mono" charset="0"/>
+              </a:rPr>
+              <a:t>array </a:t>
+            </a:r>
+            <a:r>
+              <a:rPr lang="en-US" dirty="0">
+                <a:latin typeface="Andale Mono" charset="0"/>
+                <a:ea typeface="Andale Mono" charset="0"/>
+                <a:cs typeface="Andale Mono" charset="0"/>
+              </a:rPr>
+              <a:t>*/</a:t>
             </a:r>
             <a:endParaRPr lang="en-US" dirty="0" smtClean="0">
               <a:latin typeface="Andale Mono" charset="0"/>
@@ -3590,6 +5841,27 @@
                 <a:ea typeface="Andale Mono" charset="0"/>
                 <a:cs typeface="Andale Mono" charset="0"/>
               </a:rPr>
+              <a:t>(IN)		void *			 context, /* User specific */</a:t>
+            </a:r>
+          </a:p>
+          <a:p>
+            <a:pPr marL="0" indent="0">
+              <a:buNone/>
+            </a:pPr>
+            <a:r>
+              <a:rPr lang="en-US" dirty="0">
+                <a:latin typeface="Andale Mono" charset="0"/>
+                <a:ea typeface="Andale Mono" charset="0"/>
+                <a:cs typeface="Andale Mono" charset="0"/>
+              </a:rPr>
+              <a:t>	</a:t>
+            </a:r>
+            <a:r>
+              <a:rPr lang="en-US" dirty="0" smtClean="0">
+                <a:latin typeface="Andale Mono" charset="0"/>
+                <a:ea typeface="Andale Mono" charset="0"/>
+                <a:cs typeface="Andale Mono" charset="0"/>
+              </a:rPr>
               <a:t>(IN)		</a:t>
             </a:r>
             <a:r>
@@ -3598,7 +5870,15 @@
                 <a:ea typeface="Andale Mono" charset="0"/>
                 <a:cs typeface="Andale Mono" charset="0"/>
               </a:rPr>
-              <a:t>int</a:t>
+              <a:t>MPI_Errhandler</a:t>
+            </a:r>
+            <a:r>
+              <a:rPr lang="en-US" dirty="0">
+                <a:latin typeface="Andale Mono" charset="0"/>
+                <a:ea typeface="Andale Mono" charset="0"/>
+                <a:cs typeface="Andale Mono" charset="0"/>
+              </a:rPr>
+              <a:t>	</a:t>
             </a:r>
             <a:r>
               <a:rPr lang="en-US" dirty="0" smtClean="0">
@@ -3606,181 +5886,7 @@
                 <a:ea typeface="Andale Mono" charset="0"/>
                 <a:cs typeface="Andale Mono" charset="0"/>
               </a:rPr>
-              <a:t> *		 	 </a:t>
-            </a:r>
-            <a:r>
-              <a:rPr lang="en-US" dirty="0" err="1" smtClean="0">
-                <a:latin typeface="Andale Mono" charset="0"/>
-                <a:ea typeface="Andale Mono" charset="0"/>
-                <a:cs typeface="Andale Mono" charset="0"/>
-              </a:rPr>
-              <a:t>error_classes</a:t>
-            </a:r>
-            <a:r>
-              <a:rPr lang="en-US" dirty="0" smtClean="0">
-                <a:latin typeface="Andale Mono" charset="0"/>
-                <a:ea typeface="Andale Mono" charset="0"/>
-                <a:cs typeface="Andale Mono" charset="0"/>
-              </a:rPr>
-              <a:t>, /* Which error classes to catch</a:t>
-            </a:r>
-          </a:p>
-          <a:p>
-            <a:pPr marL="0" indent="0">
-              <a:buNone/>
-            </a:pPr>
-            <a:r>
-              <a:rPr lang="en-US" dirty="0">
-                <a:latin typeface="Andale Mono" charset="0"/>
-                <a:ea typeface="Andale Mono" charset="0"/>
-                <a:cs typeface="Andale Mono" charset="0"/>
-              </a:rPr>
-              <a:t>	</a:t>
-            </a:r>
-            <a:r>
-              <a:rPr lang="en-US" dirty="0" smtClean="0">
-                <a:latin typeface="Andale Mono" charset="0"/>
-                <a:ea typeface="Andale Mono" charset="0"/>
-                <a:cs typeface="Andale Mono" charset="0"/>
-              </a:rPr>
-              <a:t>							 Could be MPI_ANY_ERR_CLASS */</a:t>
-            </a:r>
-            <a:endParaRPr lang="en-US" dirty="0" smtClean="0">
-              <a:latin typeface="Andale Mono" charset="0"/>
-              <a:ea typeface="Andale Mono" charset="0"/>
-              <a:cs typeface="Andale Mono" charset="0"/>
-            </a:endParaRPr>
-          </a:p>
-          <a:p>
-            <a:pPr marL="0" indent="0">
-              <a:buNone/>
-            </a:pPr>
-            <a:r>
-              <a:rPr lang="en-US" dirty="0">
-                <a:latin typeface="Andale Mono" charset="0"/>
-                <a:ea typeface="Andale Mono" charset="0"/>
-                <a:cs typeface="Andale Mono" charset="0"/>
-              </a:rPr>
-              <a:t>	</a:t>
-            </a:r>
-            <a:r>
-              <a:rPr lang="en-US" dirty="0" smtClean="0">
-                <a:latin typeface="Andale Mono" charset="0"/>
-                <a:ea typeface="Andale Mono" charset="0"/>
-                <a:cs typeface="Andale Mono" charset="0"/>
-              </a:rPr>
-              <a:t>(IN)		</a:t>
-            </a:r>
-            <a:r>
-              <a:rPr lang="en-US" dirty="0" err="1" smtClean="0">
-                <a:latin typeface="Andale Mono" charset="0"/>
-                <a:ea typeface="Andale Mono" charset="0"/>
-                <a:cs typeface="Andale Mono" charset="0"/>
-              </a:rPr>
-              <a:t>int</a:t>
-            </a:r>
-            <a:r>
-              <a:rPr lang="en-US" dirty="0" smtClean="0">
-                <a:latin typeface="Andale Mono" charset="0"/>
-                <a:ea typeface="Andale Mono" charset="0"/>
-                <a:cs typeface="Andale Mono" charset="0"/>
-              </a:rPr>
-              <a:t>			 </a:t>
-            </a:r>
-            <a:r>
-              <a:rPr lang="en-US" dirty="0" err="1" smtClean="0">
-                <a:latin typeface="Andale Mono" charset="0"/>
-                <a:ea typeface="Andale Mono" charset="0"/>
-                <a:cs typeface="Andale Mono" charset="0"/>
-              </a:rPr>
-              <a:t>num_error_classes</a:t>
-            </a:r>
-            <a:r>
-              <a:rPr lang="en-US" dirty="0" smtClean="0">
-                <a:latin typeface="Andale Mono" charset="0"/>
-                <a:ea typeface="Andale Mono" charset="0"/>
-                <a:cs typeface="Andale Mono" charset="0"/>
-              </a:rPr>
-              <a:t>,</a:t>
-            </a:r>
-          </a:p>
-          <a:p>
-            <a:pPr marL="0" indent="0">
-              <a:buNone/>
-            </a:pPr>
-            <a:r>
-              <a:rPr lang="en-US" dirty="0">
-                <a:latin typeface="Andale Mono" charset="0"/>
-                <a:ea typeface="Andale Mono" charset="0"/>
-                <a:cs typeface="Andale Mono" charset="0"/>
-              </a:rPr>
-              <a:t>	</a:t>
-            </a:r>
-            <a:r>
-              <a:rPr lang="en-US" dirty="0" smtClean="0">
-                <a:latin typeface="Andale Mono" charset="0"/>
-                <a:ea typeface="Andale Mono" charset="0"/>
-                <a:cs typeface="Andale Mono" charset="0"/>
-              </a:rPr>
-              <a:t>(IN)		void *			 context, /* User specific */</a:t>
-            </a:r>
-            <a:endParaRPr lang="en-US" dirty="0" smtClean="0">
-              <a:latin typeface="Andale Mono" charset="0"/>
-              <a:ea typeface="Andale Mono" charset="0"/>
-              <a:cs typeface="Andale Mono" charset="0"/>
-            </a:endParaRPr>
-          </a:p>
-          <a:p>
-            <a:pPr marL="0" indent="0">
-              <a:buNone/>
-            </a:pPr>
-            <a:r>
-              <a:rPr lang="en-US" dirty="0">
-                <a:latin typeface="Andale Mono" charset="0"/>
-                <a:ea typeface="Andale Mono" charset="0"/>
-                <a:cs typeface="Andale Mono" charset="0"/>
-              </a:rPr>
-              <a:t>	</a:t>
-            </a:r>
-            <a:r>
-              <a:rPr lang="en-US" dirty="0" smtClean="0">
-                <a:latin typeface="Andale Mono" charset="0"/>
-                <a:ea typeface="Andale Mono" charset="0"/>
-                <a:cs typeface="Andale Mono" charset="0"/>
-              </a:rPr>
-              <a:t>(IN)		</a:t>
-            </a:r>
-            <a:r>
-              <a:rPr lang="en-US" dirty="0" err="1" smtClean="0">
-                <a:latin typeface="Andale Mono" charset="0"/>
-                <a:ea typeface="Andale Mono" charset="0"/>
-                <a:cs typeface="Andale Mono" charset="0"/>
-              </a:rPr>
-              <a:t>MPI_Errhandler</a:t>
-            </a:r>
-            <a:r>
-              <a:rPr lang="en-US" dirty="0">
-                <a:latin typeface="Andale Mono" charset="0"/>
-                <a:ea typeface="Andale Mono" charset="0"/>
-                <a:cs typeface="Andale Mono" charset="0"/>
-              </a:rPr>
-              <a:t>	</a:t>
-            </a:r>
-            <a:r>
-              <a:rPr lang="en-US" dirty="0" smtClean="0">
-                <a:latin typeface="Andale Mono" charset="0"/>
-                <a:ea typeface="Andale Mono" charset="0"/>
-                <a:cs typeface="Andale Mono" charset="0"/>
-              </a:rPr>
-              <a:t> </a:t>
-            </a:r>
-            <a:r>
-              <a:rPr lang="en-US" dirty="0" smtClean="0">
-                <a:latin typeface="Andale Mono" charset="0"/>
-                <a:ea typeface="Andale Mono" charset="0"/>
-                <a:cs typeface="Andale Mono" charset="0"/>
-              </a:rPr>
-              <a:t>	 </a:t>
+              <a:t> 	 </a:t>
             </a:r>
             <a:r>
               <a:rPr lang="en-US" dirty="0" err="1" smtClean="0">
@@ -3846,122 +5952,6 @@
               <a:t>up objects.</a:t>
             </a:r>
             <a:endParaRPr lang="en-US"/>
-          </a:p>
-        </p:txBody>
-      </p:sp>
-      <p:sp>
-        <p:nvSpPr>
-          <p:cNvPr id="5" name="Rectangle 4"/>
-          <p:cNvSpPr/>
-          <p:nvPr/>
-        </p:nvSpPr>
-        <p:spPr>
-          <a:xfrm>
-            <a:off x="9311781" y="5731608"/>
-            <a:ext cx="2620651" cy="890709"/>
-          </a:xfrm>
-          <a:prstGeom prst="rect">
-            <a:avLst/>
-          </a:prstGeom>
-        </p:spPr>
-        <p:style>
-          <a:lnRef idx="2">
-            <a:schemeClr val="accent2">
-              <a:shade val="50000"/>
-            </a:schemeClr>
-          </a:lnRef>
-          <a:fillRef idx="1">
-            <a:schemeClr val="accent2"/>
-          </a:fillRef>
-          <a:effectRef idx="0">
-            <a:schemeClr val="accent2"/>
-          </a:effectRef>
-          <a:fontRef idx="minor">
-            <a:schemeClr val="lt1"/>
-          </a:fontRef>
-        </p:style>
-        <p:txBody>
-          <a:bodyPr rtlCol="0" anchor="ctr"/>
-          <a:lstStyle/>
-          <a:p>
-            <a:pPr algn="ctr"/>
-            <a:r>
-              <a:rPr lang="en-US" dirty="0" smtClean="0"/>
-              <a:t>Might want to remove </a:t>
-            </a:r>
-            <a:r>
-              <a:rPr lang="en-US" dirty="0" err="1" smtClean="0"/>
-              <a:t>handle_types</a:t>
-            </a:r>
-            <a:r>
-              <a:rPr lang="en-US" dirty="0" smtClean="0"/>
-              <a:t> and add API to find that info</a:t>
-            </a:r>
-            <a:endParaRPr lang="en-US" dirty="0"/>
-          </a:p>
-        </p:txBody>
-      </p:sp>
-      <p:sp>
-        <p:nvSpPr>
-          <p:cNvPr id="6" name="Rectangle 5"/>
-          <p:cNvSpPr/>
-          <p:nvPr/>
-        </p:nvSpPr>
-        <p:spPr>
-          <a:xfrm>
-            <a:off x="11014367" y="3265794"/>
-            <a:ext cx="3161928" cy="1025646"/>
-          </a:xfrm>
-          <a:prstGeom prst="rect">
-            <a:avLst/>
-          </a:prstGeom>
-        </p:spPr>
-        <p:style>
-          <a:lnRef idx="2">
-            <a:schemeClr val="accent2">
-              <a:shade val="50000"/>
-            </a:schemeClr>
-          </a:lnRef>
-          <a:fillRef idx="1">
-            <a:schemeClr val="accent2"/>
-          </a:fillRef>
-          <a:effectRef idx="0">
-            <a:schemeClr val="accent2"/>
-          </a:effectRef>
-          <a:fontRef idx="minor">
-            <a:schemeClr val="lt1"/>
-          </a:fontRef>
-        </p:style>
-        <p:txBody>
-          <a:bodyPr rtlCol="0" anchor="ctr"/>
-          <a:lstStyle/>
-          <a:p>
-            <a:pPr algn="ctr"/>
-            <a:r>
-              <a:rPr lang="en-US" dirty="0" smtClean="0"/>
-              <a:t>Explicitly mention that if the </a:t>
-            </a:r>
-            <a:r>
-              <a:rPr lang="en-US" dirty="0" err="1" smtClean="0"/>
-              <a:t>errcode</a:t>
-            </a:r>
-            <a:r>
-              <a:rPr lang="en-US" dirty="0" smtClean="0"/>
-              <a:t> changes, the new </a:t>
-            </a:r>
-            <a:r>
-              <a:rPr lang="en-US" dirty="0" err="1" smtClean="0"/>
-              <a:t>errcode</a:t>
-            </a:r>
-            <a:r>
-              <a:rPr lang="en-US" dirty="0" smtClean="0"/>
-              <a:t> does not trigger a new </a:t>
-            </a:r>
-            <a:r>
-              <a:rPr lang="en-US" dirty="0" err="1" smtClean="0"/>
-              <a:t>errhandler</a:t>
-            </a:r>
-            <a:endParaRPr lang="en-US" dirty="0"/>
           </a:p>
         </p:txBody>
       </p:sp>
@@ -4019,7 +6009,7 @@
           <a:p>
             <a:r>
               <a:rPr lang="en-US" dirty="0" smtClean="0"/>
-              <a:t>Error Handler Rework Wish List</a:t>
+              <a:t>Motivation</a:t>
             </a:r>
             <a:endParaRPr lang="en-US" dirty="0"/>
           </a:p>
@@ -4037,89 +6027,86 @@
         </p:nvSpPr>
         <p:spPr/>
         <p:txBody>
-          <a:bodyPr>
-            <a:normAutofit/>
-          </a:bodyPr>
-          <a:lstStyle/>
-          <a:p>
-            <a:r>
-              <a:rPr lang="en-US" dirty="0"/>
-              <a:t>Clarify what you are allowed to do in an error handler</a:t>
-            </a:r>
-          </a:p>
-          <a:p>
-            <a:pPr lvl="1"/>
-            <a:r>
-              <a:rPr lang="en-US" dirty="0"/>
-              <a:t>Guarantee that MPI is long jump </a:t>
-            </a:r>
+          <a:bodyPr/>
+          <a:lstStyle/>
+          <a:p>
             <a:r>
               <a:rPr lang="en-US" dirty="0" smtClean="0"/>
-              <a:t>safe</a:t>
-            </a:r>
-            <a:endParaRPr lang="en-US" dirty="0" smtClean="0"/>
-          </a:p>
-          <a:p>
+              <a:t>In Portland (March 2015), Tony charged us with </a:t>
+            </a:r>
+            <a:r>
+              <a:rPr lang="en-US" dirty="0" err="1" smtClean="0"/>
+              <a:t>greenfielding</a:t>
+            </a:r>
             <a:r>
               <a:rPr lang="en-US" dirty="0" smtClean="0"/>
-              <a:t>Return </a:t>
+              <a:t> Error Handlers and coming up with a </a:t>
+            </a:r>
+            <a:r>
+              <a:rPr lang="en-US" dirty="0" err="1" smtClean="0"/>
+              <a:t>wishlist</a:t>
             </a:r>
             <a:r>
               <a:rPr lang="en-US" dirty="0" smtClean="0"/>
-              <a:t>new error codes from an error handler</a:t>
+              <a:t> of what we really want.</a:t>
             </a:r>
           </a:p>
           <a:p>
             <a:r>
               <a:rPr lang="en-US" dirty="0" smtClean="0"/>
-              <a:t>Pick which error classes we handle in a single function</a:t>
-            </a:r>
-          </a:p>
-          <a:p>
-            <a:r>
-              <a:rPr lang="en-US" dirty="0" smtClean="0"/>
-              <a:t>Multiple error handlers attached to a single </a:t>
-            </a:r>
-            <a:r>
-              <a:rPr lang="en-US" dirty="0" smtClean="0"/>
-              <a:t>object</a:t>
-            </a:r>
-            <a:endParaRPr lang="en-US" dirty="0" smtClean="0"/>
-          </a:p>
-          <a:p>
-            <a:r>
-              <a:rPr lang="en-US" dirty="0" smtClean="0"/>
-              <a:t>Be able to recreate operations if desired</a:t>
-            </a:r>
-            <a:endParaRPr lang="en-US" dirty="0" smtClean="0"/>
-          </a:p>
-          <a:p>
-            <a:r>
-              <a:rPr lang="en-US" dirty="0" smtClean="0"/>
-              <a:t>Combine the three error handler functions into a single one to be able to assign </a:t>
-            </a:r>
-            <a:r>
-              <a:rPr lang="en-US" dirty="0" smtClean="0"/>
-              <a:t>generically</a:t>
-            </a:r>
-            <a:endParaRPr lang="en-US" dirty="0" smtClean="0">
-              <a:solidFill>
-                <a:srgbClr val="FF0000"/>
-              </a:solidFill>
-            </a:endParaRPr>
-          </a:p>
-        </p:txBody>
-      </p:sp>
+              <a:t>We’d figure out backward compatibility “later”.</a:t>
+            </a:r>
+            <a:endParaRPr lang="en-US" dirty="0"/>
+          </a:p>
+        </p:txBody>
+      </p:sp>
+      <p:pic>
+        <p:nvPicPr>
+          <p:cNvPr id="4" name="Picture 3"/>
+          <p:cNvPicPr>
+            <a:picLocks noChangeAspect="1"/>
+          </p:cNvPicPr>
+          <p:nvPr/>
+        </p:nvPicPr>
+        <p:blipFill>
+          <a:blip r:embed="rId2">
+            <a:extLst>
+              <a:ext uri="{28A0092B-C50C-407E-A947-70E740481C1C}">
+                <a14:useLocalDpi xmlns:a14="http://schemas.microsoft.com/office/drawing/2010/main" val="0"/>
+              </a:ext>
+            </a:extLst>
+          </a:blip>
+          <a:stretch>
+            <a:fillRect/>
+          </a:stretch>
+        </p:blipFill>
+        <p:spPr>
+          <a:xfrm>
+            <a:off x="3940907" y="3317630"/>
+            <a:ext cx="4163936" cy="3322821"/>
+          </a:xfrm>
+          <a:prstGeom prst="rect">
+            <a:avLst/>
+          </a:prstGeom>
+        </p:spPr>
+      </p:pic>
     </p:spTree>
     <p:extLst>
       <p:ext uri="{BB962C8B-B14F-4D97-AF65-F5344CB8AC3E}">
-        <p14:creationId xmlns:p14="http://schemas.microsoft.com/office/powerpoint/2010/main" val="1290126572"/>
+        <p14:creationId xmlns:p14="http://schemas.microsoft.com/office/powerpoint/2010/main" val="1809264757"/>
       </p:ext>
     </p:extLst>
   </p:cSld>
   <p:clrMapOvr>
     <a:masterClrMapping/>
   </p:clrMapOvr>
+  <p:timing>
+    <p:tnLst>
+      <p:par>
+        <p:cTn id="1" dur="indefinite" restart="never" nodeType="tmRoot"/>
+      </p:par>
+    </p:tnLst>
+  </p:timing>
 </p:sld>
 </file>
 
@@ -4157,11 +6144,7 @@
           <a:p>
             <a:r>
               <a:rPr lang="en-US" dirty="0" smtClean="0"/>
-              <a:t>Clarify what you’re allowed to do in an </a:t>
-            </a:r>
-            <a:r>
-              <a:rPr lang="en-US" dirty="0" err="1" smtClean="0"/>
-              <a:t>errhandler</a:t>
+              <a:t>Error Handler Rework Wish List</a:t>
             </a:r>
             <a:endParaRPr lang="en-US" dirty="0"/>
           </a:p>
@@ -4179,87 +6162,94 @@
         </p:nvSpPr>
         <p:spPr/>
         <p:txBody>
-          <a:bodyPr/>
-          <a:lstStyle/>
-          <a:p>
+          <a:bodyPr>
+            <a:normAutofit/>
+          </a:bodyPr>
+          <a:lstStyle/>
+          <a:p>
+            <a:r>
+              <a:rPr lang="en-US" dirty="0"/>
+              <a:t>Clarify what you are allowed to do in an error handler</a:t>
+            </a:r>
+          </a:p>
+          <a:p>
+            <a:r>
+              <a:rPr lang="en-US" strike="sngStrike" dirty="0" smtClean="0"/>
+              <a:t>Return new error codes from an error </a:t>
+            </a:r>
+            <a:r>
+              <a:rPr lang="en-US" strike="sngStrike" dirty="0" smtClean="0"/>
+              <a:t>handler</a:t>
+            </a:r>
+          </a:p>
+          <a:p>
+            <a:pPr lvl="1"/>
             <a:r>
               <a:rPr lang="en-US" dirty="0" smtClean="0"/>
-              <a:t>What are you allowed to do in an error handler?</a:t>
+              <a:t>Handle with QMPI</a:t>
+            </a:r>
+            <a:endParaRPr lang="en-US" dirty="0" smtClean="0"/>
+          </a:p>
+          <a:p>
+            <a:r>
+              <a:rPr lang="en-US" dirty="0" smtClean="0"/>
+              <a:t>Pick which error classes we handle in a single function</a:t>
+            </a:r>
+          </a:p>
+          <a:p>
+            <a:r>
+              <a:rPr lang="en-US" dirty="0" smtClean="0"/>
+              <a:t>Multiple error handlers attached to a single object</a:t>
+            </a:r>
+          </a:p>
+          <a:p>
+            <a:r>
+              <a:rPr lang="en-US" dirty="0" smtClean="0"/>
+              <a:t>Be able to recreate operations if </a:t>
+            </a:r>
+            <a:r>
+              <a:rPr lang="en-US" dirty="0" smtClean="0"/>
+              <a:t>desired</a:t>
             </a:r>
           </a:p>
           <a:p>
             <a:pPr lvl="1"/>
             <a:r>
+              <a:rPr lang="en-US" strike="sngStrike" dirty="0" smtClean="0"/>
+              <a:t>Handle with QMPI</a:t>
+            </a:r>
+            <a:endParaRPr lang="en-US" strike="sngStrike" dirty="0" smtClean="0"/>
+          </a:p>
+          <a:p>
+            <a:r>
               <a:rPr lang="en-US" dirty="0" smtClean="0"/>
-              <a:t>MPI calls?</a:t>
-            </a:r>
-          </a:p>
-          <a:p>
-            <a:pPr lvl="1"/>
-            <a:r>
-              <a:rPr lang="en-US" dirty="0" smtClean="0"/>
-              <a:t>Communication</a:t>
-            </a:r>
-            <a:r>
-              <a:rPr lang="en-US" dirty="0" smtClean="0"/>
-              <a:t>?</a:t>
-            </a:r>
-          </a:p>
-          <a:p>
-            <a:pPr lvl="1"/>
-            <a:r>
-              <a:rPr lang="en-US" dirty="0"/>
-              <a:t>L</a:t>
-            </a:r>
-            <a:r>
-              <a:rPr lang="en-US" dirty="0" smtClean="0"/>
-              <a:t>ong </a:t>
-            </a:r>
-            <a:r>
-              <a:rPr lang="en-US" dirty="0" smtClean="0"/>
-              <a:t>jump?</a:t>
-            </a:r>
-          </a:p>
-          <a:p>
-            <a:pPr lvl="1"/>
-            <a:r>
-              <a:rPr lang="en-US" dirty="0" smtClean="0"/>
-              <a:t>Finalize</a:t>
-            </a:r>
-            <a:r>
-              <a:rPr lang="en-US" dirty="0" smtClean="0"/>
-              <a:t>?</a:t>
-            </a:r>
-          </a:p>
-          <a:p>
-            <a:r>
-              <a:rPr lang="en-US" dirty="0" smtClean="0"/>
-              <a:t>Probably want to allow everything, but point out that error handlers are local and the user is responsible for matching</a:t>
-            </a:r>
-            <a:r>
-              <a:rPr lang="en-US" dirty="0" smtClean="0"/>
-              <a:t>.</a:t>
-            </a:r>
-          </a:p>
-          <a:p>
-            <a:pPr lvl="1"/>
-            <a:r>
-              <a:rPr lang="en-US" dirty="0" smtClean="0"/>
-              <a:t>Some of these will be very tricky to implement correctly with threads but we think it might not be so bad given that error handling generally happens at the end.</a:t>
-            </a:r>
+              <a:t>Combine the three error handler functions into a single one to be able to assign generically</a:t>
+            </a:r>
+            <a:endParaRPr lang="en-US" dirty="0" smtClean="0">
+              <a:solidFill>
+                <a:srgbClr val="FF0000"/>
+              </a:solidFill>
+            </a:endParaRPr>
           </a:p>
         </p:txBody>
       </p:sp>
     </p:spTree>
     <p:extLst>
       <p:ext uri="{BB962C8B-B14F-4D97-AF65-F5344CB8AC3E}">
-        <p14:creationId xmlns:p14="http://schemas.microsoft.com/office/powerpoint/2010/main" val="2030154662"/>
+        <p14:creationId xmlns:p14="http://schemas.microsoft.com/office/powerpoint/2010/main" val="1290126572"/>
       </p:ext>
     </p:extLst>
   </p:cSld>
   <p:clrMapOvr>
     <a:masterClrMapping/>
   </p:clrMapOvr>
+  <p:timing>
+    <p:tnLst>
+      <p:par>
+        <p:cTn id="1" dur="indefinite" restart="never" nodeType="tmRoot"/>
+      </p:par>
+    </p:tnLst>
+  </p:timing>
 </p:sld>
 </file>
 
@@ -4297,7 +6287,11 @@
           <a:p>
             <a:r>
               <a:rPr lang="en-US" dirty="0" smtClean="0"/>
-              <a:t>Return New Error Code From Error Handler</a:t>
+              <a:t>Clarify what you’re allowed to do in an </a:t>
+            </a:r>
+            <a:r>
+              <a:rPr lang="en-US" dirty="0" err="1" smtClean="0"/>
+              <a:t>errhandler</a:t>
             </a:r>
             <a:endParaRPr lang="en-US" dirty="0"/>
           </a:p>
@@ -4315,66 +6309,67 @@
         </p:nvSpPr>
         <p:spPr/>
         <p:txBody>
-          <a:bodyPr/>
+          <a:bodyPr>
+            <a:normAutofit/>
+          </a:bodyPr>
           <a:lstStyle/>
           <a:p>
             <a:r>
               <a:rPr lang="en-US" dirty="0" smtClean="0"/>
-              <a:t>Make error codes INOUT instead of just IN</a:t>
-            </a:r>
-          </a:p>
-          <a:p>
+              <a:t>What are you allowed to do in an error handler?</a:t>
+            </a:r>
+          </a:p>
+          <a:p>
+            <a:pPr lvl="1"/>
             <a:r>
               <a:rPr lang="en-US" dirty="0" smtClean="0"/>
-              <a:t>Allows the error handler to handle/mask errors</a:t>
+              <a:t>MPI calls?</a:t>
             </a:r>
           </a:p>
           <a:p>
             <a:pPr lvl="1"/>
             <a:r>
               <a:rPr lang="en-US" dirty="0" smtClean="0"/>
-              <a:t>If the incoming error class is MPI_ERR_MEM, we could free some memory, retry the call, and return MPI_SUCCESS</a:t>
+              <a:t>Communication?</a:t>
+            </a:r>
+          </a:p>
+          <a:p>
+            <a:pPr lvl="1"/>
+            <a:r>
+              <a:rPr lang="en-US" dirty="0"/>
+              <a:t>L</a:t>
             </a:r>
             <a:r>
               <a:rPr lang="en-US" dirty="0" smtClean="0"/>
-              <a:t>.</a:t>
-            </a:r>
-          </a:p>
-          <a:p>
-            <a:r>
-              <a:rPr lang="en-US" dirty="0" smtClean="0">
-                <a:solidFill>
-                  <a:srgbClr val="FF0000"/>
-                </a:solidFill>
-              </a:rPr>
-              <a:t>Danger:</a:t>
-            </a:r>
+              <a:t>ong jump?</a:t>
+            </a:r>
+          </a:p>
+          <a:p>
+            <a:pPr lvl="1"/>
             <a:r>
               <a:rPr lang="en-US" dirty="0" smtClean="0"/>
-              <a:t> This could cause a big pain if we trigger another error handler based on the changed error code (would require MPI to check </a:t>
-            </a:r>
-            <a:r>
-              <a:rPr lang="en-US" dirty="0" err="1" smtClean="0"/>
-              <a:t>errcodes</a:t>
-            </a:r>
-            <a:r>
-              <a:rPr lang="en-US" dirty="0" smtClean="0"/>
-              <a:t> on the way out of the error handler).</a:t>
-            </a:r>
-            <a:endParaRPr lang="en-US" dirty="0" smtClean="0"/>
+              <a:t>Finalize?</a:t>
+            </a:r>
           </a:p>
         </p:txBody>
       </p:sp>
     </p:spTree>
     <p:extLst>
       <p:ext uri="{BB962C8B-B14F-4D97-AF65-F5344CB8AC3E}">
-        <p14:creationId xmlns:p14="http://schemas.microsoft.com/office/powerpoint/2010/main" val="1429011454"/>
+        <p14:creationId xmlns:p14="http://schemas.microsoft.com/office/powerpoint/2010/main" val="2030154662"/>
       </p:ext>
     </p:extLst>
   </p:cSld>
   <p:clrMapOvr>
     <a:masterClrMapping/>
   </p:clrMapOvr>
+  <p:timing>
+    <p:tnLst>
+      <p:par>
+        <p:cTn id="1" dur="indefinite" restart="never" nodeType="tmRoot"/>
+      </p:par>
+    </p:tnLst>
+  </p:timing>
 </p:sld>
 </file>
 
@@ -4412,7 +6407,11 @@
           <a:p>
             <a:r>
               <a:rPr lang="en-US" dirty="0" smtClean="0"/>
-              <a:t>Pick Error Classes to Handle</a:t>
+              <a:t>Clarify what you’re allowed to do in an </a:t>
+            </a:r>
+            <a:r>
+              <a:rPr lang="en-US" dirty="0" err="1" smtClean="0"/>
+              <a:t>errhandler</a:t>
             </a:r>
             <a:endParaRPr lang="en-US" dirty="0"/>
           </a:p>
@@ -4437,85 +6436,97 @@
           <a:p>
             <a:r>
               <a:rPr lang="en-US" dirty="0" smtClean="0"/>
-              <a:t>Add array of error classes to the </a:t>
-            </a:r>
-            <a:r>
-              <a:rPr lang="en-US" dirty="0" err="1" smtClean="0"/>
-              <a:t>MPI_Errhandler_set</a:t>
-            </a:r>
+              <a:t>What are you allowed to do in an error handler?</a:t>
+            </a:r>
+          </a:p>
+          <a:p>
+            <a:pPr lvl="1"/>
             <a:r>
               <a:rPr lang="en-US" dirty="0" smtClean="0"/>
-              <a:t> function</a:t>
-            </a:r>
-          </a:p>
-          <a:p>
+              <a:t>MPI calls?</a:t>
+            </a:r>
+          </a:p>
+          <a:p>
+            <a:pPr lvl="1"/>
             <a:r>
               <a:rPr lang="en-US" dirty="0" smtClean="0"/>
-              <a:t>Only call this error handler when an error class in the array is raised</a:t>
-            </a:r>
-          </a:p>
-          <a:p>
+              <a:t>Communication?</a:t>
+            </a:r>
+          </a:p>
+          <a:p>
+            <a:pPr lvl="1"/>
+            <a:r>
+              <a:rPr lang="en-US" dirty="0"/>
+              <a:t>L</a:t>
+            </a:r>
             <a:r>
               <a:rPr lang="en-US" dirty="0" smtClean="0"/>
-              <a:t>Have ”generic” error handler for all other cases</a:t>
-            </a:r>
-          </a:p>
-          <a:p>
+              <a:t>ong jump?</a:t>
+            </a:r>
+          </a:p>
+          <a:p>
+            <a:pPr lvl="1"/>
             <a:r>
               <a:rPr lang="en-US" dirty="0" smtClean="0"/>
-              <a:t>Set </a:t>
-            </a:r>
+              <a:t>Finalize?</a:t>
+            </a:r>
+          </a:p>
+          <a:p>
             <a:r>
               <a:rPr lang="en-US" dirty="0" smtClean="0"/>
-              <a:t>a default and overwrite it for specific </a:t>
-            </a:r>
+              <a:t>Probably want to allow everything, but point out that error handlers are local and the user is responsible for matching.</a:t>
+            </a:r>
+          </a:p>
+          <a:p>
+            <a:pPr lvl="1"/>
             <a:r>
               <a:rPr lang="en-US" dirty="0" smtClean="0"/>
-              <a:t>cases</a:t>
-            </a:r>
-          </a:p>
-          <a:p>
-            <a:pPr lvl="1"/>
-            <a:r>
-              <a:rPr lang="en-US" dirty="0"/>
-              <a:t>Add some predefined value for </a:t>
-            </a:r>
-            <a:r>
-              <a:rPr lang="en-US" dirty="0" smtClean="0"/>
-              <a:t>MPI_ANY_ERROR</a:t>
-            </a:r>
-            <a:endParaRPr lang="en-US" dirty="0" smtClean="0"/>
-          </a:p>
-          <a:p>
-            <a:r>
-              <a:rPr lang="en-US" dirty="0" smtClean="0"/>
-              <a:t>Is this a big enough win over having a switch statement in your error handler already</a:t>
-            </a:r>
-            <a:r>
-              <a:rPr lang="en-US" dirty="0" smtClean="0"/>
-              <a:t>?</a:t>
-            </a:r>
-          </a:p>
-          <a:p>
-            <a:pPr lvl="1"/>
-            <a:r>
-              <a:rPr lang="en-US" dirty="0" smtClean="0"/>
-              <a:t>Yes: It allows error handlers that don’t know about each other to exist (e.g. Fenix).</a:t>
-            </a:r>
-            <a:endParaRPr lang="en-US" dirty="0"/>
-          </a:p>
-        </p:txBody>
-      </p:sp>
+              <a:t>Some of these will be very tricky to implement correctly with threads but we think it might not be so bad given that error handling generally happens at the end.</a:t>
+            </a:r>
+          </a:p>
+        </p:txBody>
+      </p:sp>
+      <p:pic>
+        <p:nvPicPr>
+          <p:cNvPr id="4" name="Picture 3"/>
+          <p:cNvPicPr>
+            <a:picLocks noChangeAspect="1"/>
+          </p:cNvPicPr>
+          <p:nvPr/>
+        </p:nvPicPr>
+        <p:blipFill>
+          <a:blip r:embed="rId3"/>
+          <a:stretch>
+            <a:fillRect/>
+          </a:stretch>
+        </p:blipFill>
+        <p:spPr>
+          <a:xfrm>
+            <a:off x="4427220" y="2377440"/>
+            <a:ext cx="1071245" cy="1224280"/>
+          </a:xfrm>
+          <a:prstGeom prst="rect">
+            <a:avLst/>
+          </a:prstGeom>
+        </p:spPr>
+      </p:pic>
     </p:spTree>
     <p:extLst>
       <p:ext uri="{BB962C8B-B14F-4D97-AF65-F5344CB8AC3E}">
-        <p14:creationId xmlns:p14="http://schemas.microsoft.com/office/powerpoint/2010/main" val="1702096739"/>
+        <p14:creationId xmlns:p14="http://schemas.microsoft.com/office/powerpoint/2010/main" val="990956683"/>
       </p:ext>
     </p:extLst>
   </p:cSld>
   <p:clrMapOvr>
     <a:masterClrMapping/>
   </p:clrMapOvr>
+  <p:timing>
+    <p:tnLst>
+      <p:par>
+        <p:cTn id="1" dur="indefinite" restart="never" nodeType="tmRoot"/>
+      </p:par>
+    </p:tnLst>
+  </p:timing>
 </p:sld>
 </file>
 
@@ -4553,7 +6564,7 @@
           <a:p>
             <a:r>
               <a:rPr lang="en-US" dirty="0" smtClean="0"/>
-              <a:t>Multiple Error Handlers</a:t>
+              <a:t>Return New Error Code From Error Handler</a:t>
             </a:r>
             <a:endParaRPr lang="en-US" dirty="0"/>
           </a:p>
@@ -4566,7 +6577,7 @@
             <a:spLocks noGrp="1"/>
           </p:cNvSpPr>
           <p:nvPr>
-            <p:ph idx="1"/>
+            <p:ph sz="half" idx="1"/>
           </p:nvPr>
         </p:nvSpPr>
         <p:spPr/>
@@ -4578,28 +6589,284 @@
           <a:p>
             <a:r>
               <a:rPr lang="en-US" dirty="0" smtClean="0"/>
-              <a:t>Still only allow a single error handler for a particular error class</a:t>
+              <a:t>Make error codes INOUT instead of just IN</a:t>
             </a:r>
           </a:p>
           <a:p>
             <a:r>
               <a:rPr lang="en-US" dirty="0" smtClean="0"/>
-              <a:t>Specific error classes overwrite the general MPI_ANY_ERROR handler</a:t>
-            </a:r>
-            <a:endParaRPr lang="en-US" dirty="0" smtClean="0"/>
+              <a:t>Allows the error handler to handle/mask errors</a:t>
+            </a:r>
+          </a:p>
+          <a:p>
+            <a:pPr lvl="1"/>
+            <a:r>
+              <a:rPr lang="en-US" dirty="0" smtClean="0"/>
+              <a:t>If the incoming error class is MPI_ERR_MEM, we could free some memory, retry the call, and return MPI_SUCCESS.</a:t>
+            </a:r>
+          </a:p>
+        </p:txBody>
+      </p:sp>
+      <p:grpSp>
+        <p:nvGrpSpPr>
+          <p:cNvPr id="11" name="Group 10"/>
+          <p:cNvGrpSpPr/>
+          <p:nvPr/>
+        </p:nvGrpSpPr>
+        <p:grpSpPr>
+          <a:xfrm>
+            <a:off x="6664960" y="1665099"/>
+            <a:ext cx="5049520" cy="4071173"/>
+            <a:chOff x="6664960" y="1665099"/>
+            <a:chExt cx="5049520" cy="4071173"/>
+          </a:xfrm>
+        </p:grpSpPr>
+        <p:sp>
+          <p:nvSpPr>
+            <p:cNvPr id="5" name="Rounded Rectangle 4"/>
+            <p:cNvSpPr/>
+            <p:nvPr/>
+          </p:nvSpPr>
+          <p:spPr>
+            <a:xfrm>
+              <a:off x="6664960" y="3149600"/>
+              <a:ext cx="5049520" cy="1127760"/>
+            </a:xfrm>
+            <a:prstGeom prst="roundRect">
+              <a:avLst/>
+            </a:prstGeom>
+          </p:spPr>
+          <p:style>
+            <a:lnRef idx="2">
+              <a:schemeClr val="accent6">
+                <a:shade val="50000"/>
+              </a:schemeClr>
+            </a:lnRef>
+            <a:fillRef idx="1">
+              <a:schemeClr val="accent6"/>
+            </a:fillRef>
+            <a:effectRef idx="0">
+              <a:schemeClr val="accent6"/>
+            </a:effectRef>
+            <a:fontRef idx="minor">
+              <a:schemeClr val="lt1"/>
+            </a:fontRef>
+          </p:style>
+          <p:txBody>
+            <a:bodyPr rtlCol="0" anchor="ctr"/>
+            <a:lstStyle/>
+            <a:p>
+              <a:pPr algn="ctr"/>
+              <a:r>
+                <a:rPr lang="en-US" sz="6000" dirty="0" smtClean="0"/>
+                <a:t>Error Handler</a:t>
+              </a:r>
+              <a:endParaRPr lang="en-US" sz="6000" dirty="0"/>
+            </a:p>
+          </p:txBody>
+        </p:sp>
+        <p:sp>
+          <p:nvSpPr>
+            <p:cNvPr id="6" name="Down Arrow 5"/>
+            <p:cNvSpPr/>
+            <p:nvPr/>
+          </p:nvSpPr>
+          <p:spPr>
+            <a:xfrm>
+              <a:off x="8910320" y="2275463"/>
+              <a:ext cx="558800" cy="822960"/>
+            </a:xfrm>
+            <a:prstGeom prst="downArrow">
+              <a:avLst/>
+            </a:prstGeom>
+          </p:spPr>
+          <p:style>
+            <a:lnRef idx="2">
+              <a:schemeClr val="accent1">
+                <a:shade val="50000"/>
+              </a:schemeClr>
+            </a:lnRef>
+            <a:fillRef idx="1">
+              <a:schemeClr val="accent1"/>
+            </a:fillRef>
+            <a:effectRef idx="0">
+              <a:schemeClr val="accent1"/>
+            </a:effectRef>
+            <a:fontRef idx="minor">
+              <a:schemeClr val="lt1"/>
+            </a:fontRef>
+          </p:style>
+          <p:txBody>
+            <a:bodyPr rtlCol="0" anchor="ctr"/>
+            <a:lstStyle/>
+            <a:p>
+              <a:pPr algn="ctr"/>
+              <a:endParaRPr lang="en-US"/>
+            </a:p>
+          </p:txBody>
+        </p:sp>
+        <p:sp>
+          <p:nvSpPr>
+            <p:cNvPr id="8" name="Down Arrow 7"/>
+            <p:cNvSpPr/>
+            <p:nvPr/>
+          </p:nvSpPr>
+          <p:spPr>
+            <a:xfrm>
+              <a:off x="8910320" y="4328537"/>
+              <a:ext cx="558800" cy="822960"/>
+            </a:xfrm>
+            <a:prstGeom prst="downArrow">
+              <a:avLst/>
+            </a:prstGeom>
+          </p:spPr>
+          <p:style>
+            <a:lnRef idx="2">
+              <a:schemeClr val="accent1">
+                <a:shade val="50000"/>
+              </a:schemeClr>
+            </a:lnRef>
+            <a:fillRef idx="1">
+              <a:schemeClr val="accent1"/>
+            </a:fillRef>
+            <a:effectRef idx="0">
+              <a:schemeClr val="accent1"/>
+            </a:effectRef>
+            <a:fontRef idx="minor">
+              <a:schemeClr val="lt1"/>
+            </a:fontRef>
+          </p:style>
+          <p:txBody>
+            <a:bodyPr rtlCol="0" anchor="ctr"/>
+            <a:lstStyle/>
+            <a:p>
+              <a:pPr algn="ctr"/>
+              <a:endParaRPr lang="en-US"/>
+            </a:p>
+          </p:txBody>
+        </p:sp>
+        <p:sp>
+          <p:nvSpPr>
+            <p:cNvPr id="9" name="TextBox 8"/>
+            <p:cNvSpPr txBox="1"/>
+            <p:nvPr/>
+          </p:nvSpPr>
+          <p:spPr>
+            <a:xfrm>
+              <a:off x="7784525" y="1665099"/>
+              <a:ext cx="2810385" cy="584775"/>
+            </a:xfrm>
+            <a:prstGeom prst="rect">
+              <a:avLst/>
+            </a:prstGeom>
+            <a:noFill/>
+          </p:spPr>
+          <p:txBody>
+            <a:bodyPr wrap="none" rtlCol="0">
+              <a:spAutoFit/>
+            </a:bodyPr>
+            <a:lstStyle/>
+            <a:p>
+              <a:r>
+                <a:rPr lang="en-US" sz="3200" dirty="0" smtClean="0"/>
+                <a:t>MPI_ERR_MEM</a:t>
+              </a:r>
+              <a:endParaRPr lang="en-US" sz="3200" dirty="0"/>
+            </a:p>
+          </p:txBody>
+        </p:sp>
+        <p:sp>
+          <p:nvSpPr>
+            <p:cNvPr id="10" name="TextBox 9"/>
+            <p:cNvSpPr txBox="1"/>
+            <p:nvPr/>
+          </p:nvSpPr>
+          <p:spPr>
+            <a:xfrm>
+              <a:off x="7928251" y="5151497"/>
+              <a:ext cx="2522935" cy="584775"/>
+            </a:xfrm>
+            <a:prstGeom prst="rect">
+              <a:avLst/>
+            </a:prstGeom>
+            <a:noFill/>
+          </p:spPr>
+          <p:txBody>
+            <a:bodyPr wrap="none" rtlCol="0">
+              <a:spAutoFit/>
+            </a:bodyPr>
+            <a:lstStyle/>
+            <a:p>
+              <a:r>
+                <a:rPr lang="en-US" sz="3200" dirty="0" smtClean="0"/>
+                <a:t>MPI_SUCCESS</a:t>
+              </a:r>
+              <a:endParaRPr lang="en-US" sz="3200" dirty="0"/>
+            </a:p>
+          </p:txBody>
+        </p:sp>
+      </p:grpSp>
+      <p:sp>
+        <p:nvSpPr>
+          <p:cNvPr id="4" name="Rectangle 3"/>
+          <p:cNvSpPr/>
+          <p:nvPr/>
+        </p:nvSpPr>
+        <p:spPr>
+          <a:xfrm>
+            <a:off x="9344722" y="78059"/>
+            <a:ext cx="2653990" cy="1237785"/>
+          </a:xfrm>
+          <a:prstGeom prst="rect">
+            <a:avLst/>
+          </a:prstGeom>
+        </p:spPr>
+        <p:style>
+          <a:lnRef idx="2">
+            <a:schemeClr val="accent2">
+              <a:shade val="50000"/>
+            </a:schemeClr>
+          </a:lnRef>
+          <a:fillRef idx="1">
+            <a:schemeClr val="accent2"/>
+          </a:fillRef>
+          <a:effectRef idx="0">
+            <a:schemeClr val="accent2"/>
+          </a:effectRef>
+          <a:fontRef idx="minor">
+            <a:schemeClr val="lt1"/>
+          </a:fontRef>
+        </p:style>
+        <p:txBody>
+          <a:bodyPr rtlCol="0" anchor="ctr"/>
+          <a:lstStyle/>
+          <a:p>
+            <a:pPr algn="ctr"/>
+            <a:r>
+              <a:rPr lang="en-US" sz="3200" dirty="0" smtClean="0"/>
+              <a:t>Do this with QMPI</a:t>
+            </a:r>
+            <a:endParaRPr lang="en-US" sz="3200" dirty="0"/>
           </a:p>
         </p:txBody>
       </p:sp>
     </p:spTree>
     <p:extLst>
       <p:ext uri="{BB962C8B-B14F-4D97-AF65-F5344CB8AC3E}">
-        <p14:creationId xmlns:p14="http://schemas.microsoft.com/office/powerpoint/2010/main" val="1785567144"/>
+        <p14:creationId xmlns:p14="http://schemas.microsoft.com/office/powerpoint/2010/main" val="1429011454"/>
       </p:ext>
     </p:extLst>
   </p:cSld>
   <p:clrMapOvr>
     <a:masterClrMapping/>
   </p:clrMapOvr>
+  <p:timing>
+    <p:tnLst>
+      <p:par>
+        <p:cTn id="1" dur="indefinite" restart="never" nodeType="tmRoot"/>
+      </p:par>
+    </p:tnLst>
+  </p:timing>
 </p:sld>
 </file>
 
@@ -4637,81 +6904,321 @@
           <a:p>
             <a:r>
               <a:rPr lang="en-US" dirty="0" smtClean="0"/>
-              <a:t>Guarantee that MPI is long jump safe</a:t>
-            </a:r>
-            <a:endParaRPr lang="en-US" dirty="0"/>
-          </a:p>
-        </p:txBody>
-      </p:sp>
-      <p:sp>
-        <p:nvSpPr>
-          <p:cNvPr id="3" name="Content Placeholder 2"/>
-          <p:cNvSpPr>
-            <a:spLocks noGrp="1"/>
-          </p:cNvSpPr>
-          <p:nvPr>
-            <p:ph idx="1"/>
-          </p:nvPr>
-        </p:nvSpPr>
-        <p:spPr/>
-        <p:txBody>
-          <a:bodyPr/>
-          <a:lstStyle/>
-          <a:p>
-            <a:r>
+              <a:t>Return New Error Code From Error Handler</a:t>
+            </a:r>
+            <a:br>
               <a:rPr lang="en-US" dirty="0" smtClean="0"/>
-              <a:t>Allow the error handler to long jump to a location after the function is completed</a:t>
-            </a:r>
-          </a:p>
-          <a:p>
-            <a:r>
-              <a:rPr lang="en-US" dirty="0" smtClean="0"/>
-              <a:t>How do we handle this if there are multiple threads?</a:t>
-            </a:r>
-          </a:p>
-          <a:p>
-            <a:r>
-              <a:rPr lang="en-US" dirty="0" smtClean="0"/>
-              <a:t>What if there are multiple error handlers that could get triggered?</a:t>
-            </a:r>
-          </a:p>
-          <a:p>
-            <a:pPr lvl="1"/>
+            </a:br>
             <a:r>
               <a:rPr lang="en-US" dirty="0" smtClean="0">
                 <a:solidFill>
                   <a:srgbClr val="FF0000"/>
                 </a:solidFill>
               </a:rPr>
-              <a:t>Probably user’s responsibility</a:t>
-            </a:r>
-          </a:p>
+              <a:t>Dangers</a:t>
+            </a:r>
+            <a:endParaRPr lang="en-US" dirty="0">
+              <a:solidFill>
+                <a:srgbClr val="FF0000"/>
+              </a:solidFill>
+            </a:endParaRPr>
+          </a:p>
+        </p:txBody>
+      </p:sp>
+      <p:sp>
+        <p:nvSpPr>
+          <p:cNvPr id="3" name="Content Placeholder 2"/>
+          <p:cNvSpPr>
+            <a:spLocks noGrp="1"/>
+          </p:cNvSpPr>
+          <p:nvPr>
+            <p:ph sz="half" idx="1"/>
+          </p:nvPr>
+        </p:nvSpPr>
+        <p:spPr/>
+        <p:txBody>
+          <a:bodyPr>
+            <a:normAutofit/>
+          </a:bodyPr>
+          <a:lstStyle/>
           <a:p>
             <a:r>
               <a:rPr lang="en-US" dirty="0" smtClean="0"/>
-              <a:t>It might not be safe to long jump directly out of the error handler because you might be in MPI’s thread</a:t>
+              <a:t>Converting one error class to another could be very confusing for the user if not done carefully.</a:t>
             </a:r>
           </a:p>
           <a:p>
             <a:pPr lvl="1"/>
             <a:r>
               <a:rPr lang="en-US" dirty="0" smtClean="0"/>
-              <a:t>In practice, we don’t think implementations do this, but the Standard doesn’t prohibit it. We should clarify this.</a:t>
-            </a:r>
-            <a:endParaRPr lang="en-US" dirty="0"/>
+              <a:t>e.g. Changing MPI_ERR_PROC_FAILED to MPI_ERR_ARG would make user error handling very hard.</a:t>
+            </a:r>
+          </a:p>
+        </p:txBody>
+      </p:sp>
+      <p:grpSp>
+        <p:nvGrpSpPr>
+          <p:cNvPr id="5" name="Group 4"/>
+          <p:cNvGrpSpPr/>
+          <p:nvPr/>
+        </p:nvGrpSpPr>
+        <p:grpSpPr>
+          <a:xfrm>
+            <a:off x="6664960" y="1665099"/>
+            <a:ext cx="5049520" cy="4096762"/>
+            <a:chOff x="6664960" y="1665099"/>
+            <a:chExt cx="5049520" cy="4096762"/>
+          </a:xfrm>
+        </p:grpSpPr>
+        <p:sp>
+          <p:nvSpPr>
+            <p:cNvPr id="6" name="Rounded Rectangle 5"/>
+            <p:cNvSpPr/>
+            <p:nvPr/>
+          </p:nvSpPr>
+          <p:spPr>
+            <a:xfrm>
+              <a:off x="6664960" y="3149600"/>
+              <a:ext cx="5049520" cy="1127760"/>
+            </a:xfrm>
+            <a:prstGeom prst="roundRect">
+              <a:avLst/>
+            </a:prstGeom>
+            <a:solidFill>
+              <a:srgbClr val="FF0000"/>
+            </a:solidFill>
+          </p:spPr>
+          <p:style>
+            <a:lnRef idx="2">
+              <a:schemeClr val="accent6">
+                <a:shade val="50000"/>
+              </a:schemeClr>
+            </a:lnRef>
+            <a:fillRef idx="1">
+              <a:schemeClr val="accent6"/>
+            </a:fillRef>
+            <a:effectRef idx="0">
+              <a:schemeClr val="accent6"/>
+            </a:effectRef>
+            <a:fontRef idx="minor">
+              <a:schemeClr val="lt1"/>
+            </a:fontRef>
+          </p:style>
+          <p:txBody>
+            <a:bodyPr rtlCol="0" anchor="ctr"/>
+            <a:lstStyle/>
+            <a:p>
+              <a:pPr algn="ctr"/>
+              <a:r>
+                <a:rPr lang="en-US" sz="6000" dirty="0" smtClean="0"/>
+                <a:t>Error Handler</a:t>
+              </a:r>
+              <a:endParaRPr lang="en-US" sz="6000" dirty="0"/>
+            </a:p>
+          </p:txBody>
+        </p:sp>
+        <p:sp>
+          <p:nvSpPr>
+            <p:cNvPr id="7" name="Down Arrow 6"/>
+            <p:cNvSpPr/>
+            <p:nvPr/>
+          </p:nvSpPr>
+          <p:spPr>
+            <a:xfrm>
+              <a:off x="8910320" y="2275463"/>
+              <a:ext cx="558800" cy="822960"/>
+            </a:xfrm>
+            <a:prstGeom prst="downArrow">
+              <a:avLst/>
+            </a:prstGeom>
+          </p:spPr>
+          <p:style>
+            <a:lnRef idx="2">
+              <a:schemeClr val="accent1">
+                <a:shade val="50000"/>
+              </a:schemeClr>
+            </a:lnRef>
+            <a:fillRef idx="1">
+              <a:schemeClr val="accent1"/>
+            </a:fillRef>
+            <a:effectRef idx="0">
+              <a:schemeClr val="accent1"/>
+            </a:effectRef>
+            <a:fontRef idx="minor">
+              <a:schemeClr val="lt1"/>
+            </a:fontRef>
+          </p:style>
+          <p:txBody>
+            <a:bodyPr rtlCol="0" anchor="ctr"/>
+            <a:lstStyle/>
+            <a:p>
+              <a:pPr algn="ctr"/>
+              <a:endParaRPr lang="en-US"/>
+            </a:p>
+          </p:txBody>
+        </p:sp>
+        <p:sp>
+          <p:nvSpPr>
+            <p:cNvPr id="8" name="Down Arrow 7"/>
+            <p:cNvSpPr/>
+            <p:nvPr/>
+          </p:nvSpPr>
+          <p:spPr>
+            <a:xfrm>
+              <a:off x="8910320" y="4328537"/>
+              <a:ext cx="558800" cy="822960"/>
+            </a:xfrm>
+            <a:prstGeom prst="downArrow">
+              <a:avLst/>
+            </a:prstGeom>
+          </p:spPr>
+          <p:style>
+            <a:lnRef idx="2">
+              <a:schemeClr val="accent1">
+                <a:shade val="50000"/>
+              </a:schemeClr>
+            </a:lnRef>
+            <a:fillRef idx="1">
+              <a:schemeClr val="accent1"/>
+            </a:fillRef>
+            <a:effectRef idx="0">
+              <a:schemeClr val="accent1"/>
+            </a:effectRef>
+            <a:fontRef idx="minor">
+              <a:schemeClr val="lt1"/>
+            </a:fontRef>
+          </p:style>
+          <p:txBody>
+            <a:bodyPr rtlCol="0" anchor="ctr"/>
+            <a:lstStyle/>
+            <a:p>
+              <a:pPr algn="ctr"/>
+              <a:endParaRPr lang="en-US"/>
+            </a:p>
+          </p:txBody>
+        </p:sp>
+        <p:sp>
+          <p:nvSpPr>
+            <p:cNvPr id="9" name="TextBox 8"/>
+            <p:cNvSpPr txBox="1"/>
+            <p:nvPr/>
+          </p:nvSpPr>
+          <p:spPr>
+            <a:xfrm>
+              <a:off x="7104561" y="1665099"/>
+              <a:ext cx="4170309" cy="584775"/>
+            </a:xfrm>
+            <a:prstGeom prst="rect">
+              <a:avLst/>
+            </a:prstGeom>
+            <a:noFill/>
+          </p:spPr>
+          <p:txBody>
+            <a:bodyPr wrap="none" rtlCol="0">
+              <a:spAutoFit/>
+            </a:bodyPr>
+            <a:lstStyle/>
+            <a:p>
+              <a:r>
+                <a:rPr lang="en-US" sz="3200" smtClean="0"/>
+                <a:t>MPI_ERR_PROC_FAILED</a:t>
+              </a:r>
+              <a:endParaRPr lang="en-US" sz="3200" dirty="0"/>
+            </a:p>
+          </p:txBody>
+        </p:sp>
+        <p:sp>
+          <p:nvSpPr>
+            <p:cNvPr id="10" name="TextBox 9"/>
+            <p:cNvSpPr txBox="1"/>
+            <p:nvPr/>
+          </p:nvSpPr>
+          <p:spPr>
+            <a:xfrm>
+              <a:off x="7877753" y="5177086"/>
+              <a:ext cx="2623923" cy="584775"/>
+            </a:xfrm>
+            <a:prstGeom prst="rect">
+              <a:avLst/>
+            </a:prstGeom>
+            <a:noFill/>
+          </p:spPr>
+          <p:txBody>
+            <a:bodyPr wrap="none" rtlCol="0">
+              <a:spAutoFit/>
+            </a:bodyPr>
+            <a:lstStyle/>
+            <a:p>
+              <a:r>
+                <a:rPr lang="en-US" sz="3200" smtClean="0"/>
+                <a:t>MPI_ERR_ARG</a:t>
+              </a:r>
+              <a:endParaRPr lang="en-US" sz="3200" dirty="0"/>
+            </a:p>
+          </p:txBody>
+        </p:sp>
+      </p:grpSp>
+      <p:sp>
+        <p:nvSpPr>
+          <p:cNvPr id="11" name="Rectangle 10"/>
+          <p:cNvSpPr/>
+          <p:nvPr/>
+        </p:nvSpPr>
+        <p:spPr>
+          <a:xfrm>
+            <a:off x="9344722" y="78059"/>
+            <a:ext cx="2653990" cy="1237785"/>
+          </a:xfrm>
+          <a:prstGeom prst="rect">
+            <a:avLst/>
+          </a:prstGeom>
+        </p:spPr>
+        <p:style>
+          <a:lnRef idx="2">
+            <a:schemeClr val="accent2">
+              <a:shade val="50000"/>
+            </a:schemeClr>
+          </a:lnRef>
+          <a:fillRef idx="1">
+            <a:schemeClr val="accent2"/>
+          </a:fillRef>
+          <a:effectRef idx="0">
+            <a:schemeClr val="accent2"/>
+          </a:effectRef>
+          <a:fontRef idx="minor">
+            <a:schemeClr val="lt1"/>
+          </a:fontRef>
+        </p:style>
+        <p:txBody>
+          <a:bodyPr rtlCol="0" anchor="ctr"/>
+          <a:lstStyle/>
+          <a:p>
+            <a:pPr algn="ctr"/>
+            <a:r>
+              <a:rPr lang="en-US" sz="3200" dirty="0" smtClean="0"/>
+              <a:t>Do this with QMPI</a:t>
+            </a:r>
+            <a:endParaRPr lang="en-US" sz="3200" dirty="0"/>
           </a:p>
         </p:txBody>
       </p:sp>
     </p:spTree>
     <p:extLst>
       <p:ext uri="{BB962C8B-B14F-4D97-AF65-F5344CB8AC3E}">
-        <p14:creationId xmlns:p14="http://schemas.microsoft.com/office/powerpoint/2010/main" val="1004360686"/>
+        <p14:creationId xmlns:p14="http://schemas.microsoft.com/office/powerpoint/2010/main" val="1391219281"/>
       </p:ext>
     </p:extLst>
   </p:cSld>
   <p:clrMapOvr>
     <a:masterClrMapping/>
   </p:clrMapOvr>
+  <p:timing>
+    <p:tnLst>
+      <p:par>
+        <p:cTn id="1" dur="indefinite" restart="never" nodeType="tmRoot"/>
+      </p:par>
+    </p:tnLst>
+  </p:timing>
 </p:sld>
 </file>
 
@@ -4749,7 +7256,349 @@
           <a:p>
             <a:r>
               <a:rPr lang="en-US" dirty="0" smtClean="0"/>
-              <a:t>Per-Operation Error Handlers</a:t>
+              <a:t>Return New Error Code From Error Handler</a:t>
+            </a:r>
+            <a:br>
+              <a:rPr lang="en-US" dirty="0" smtClean="0"/>
+            </a:br>
+            <a:r>
+              <a:rPr lang="en-US" dirty="0" smtClean="0">
+                <a:solidFill>
+                  <a:srgbClr val="FF0000"/>
+                </a:solidFill>
+              </a:rPr>
+              <a:t>Dangers</a:t>
+            </a:r>
+            <a:endParaRPr lang="en-US" dirty="0">
+              <a:solidFill>
+                <a:srgbClr val="FF0000"/>
+              </a:solidFill>
+            </a:endParaRPr>
+          </a:p>
+        </p:txBody>
+      </p:sp>
+      <p:sp>
+        <p:nvSpPr>
+          <p:cNvPr id="3" name="Content Placeholder 2"/>
+          <p:cNvSpPr>
+            <a:spLocks noGrp="1"/>
+          </p:cNvSpPr>
+          <p:nvPr>
+            <p:ph sz="half" idx="1"/>
+          </p:nvPr>
+        </p:nvSpPr>
+        <p:spPr/>
+        <p:txBody>
+          <a:bodyPr>
+            <a:normAutofit/>
+          </a:bodyPr>
+          <a:lstStyle/>
+          <a:p>
+            <a:r>
+              <a:rPr lang="en-US" dirty="0"/>
+              <a:t>This could cause a big pain if we trigger another error handler based on the changed error code (would require MPI to check </a:t>
+            </a:r>
+            <a:r>
+              <a:rPr lang="en-US" dirty="0" smtClean="0"/>
+              <a:t>error codes </a:t>
+            </a:r>
+            <a:r>
+              <a:rPr lang="en-US" dirty="0"/>
+              <a:t>on the way out of the error handler).</a:t>
+            </a:r>
+          </a:p>
+          <a:p>
+            <a:pPr lvl="1"/>
+            <a:r>
+              <a:rPr lang="en-US" dirty="0"/>
+              <a:t>We won’t trigger a second error handler after the first one returns</a:t>
+            </a:r>
+          </a:p>
+          <a:p>
+            <a:pPr lvl="1"/>
+            <a:r>
+              <a:rPr lang="en-US" dirty="0"/>
+              <a:t>We could still have nested error handlers</a:t>
+            </a:r>
+          </a:p>
+        </p:txBody>
+      </p:sp>
+      <p:grpSp>
+        <p:nvGrpSpPr>
+          <p:cNvPr id="16" name="Group 15"/>
+          <p:cNvGrpSpPr/>
+          <p:nvPr/>
+        </p:nvGrpSpPr>
+        <p:grpSpPr>
+          <a:xfrm>
+            <a:off x="6664960" y="1665099"/>
+            <a:ext cx="5049520" cy="4096762"/>
+            <a:chOff x="6664960" y="1665099"/>
+            <a:chExt cx="5049520" cy="4096762"/>
+          </a:xfrm>
+        </p:grpSpPr>
+        <p:sp>
+          <p:nvSpPr>
+            <p:cNvPr id="17" name="Rounded Rectangle 16"/>
+            <p:cNvSpPr/>
+            <p:nvPr/>
+          </p:nvSpPr>
+          <p:spPr>
+            <a:xfrm>
+              <a:off x="6664960" y="3149600"/>
+              <a:ext cx="5049520" cy="1127760"/>
+            </a:xfrm>
+            <a:prstGeom prst="roundRect">
+              <a:avLst/>
+            </a:prstGeom>
+            <a:solidFill>
+              <a:srgbClr val="FF0000"/>
+            </a:solidFill>
+          </p:spPr>
+          <p:style>
+            <a:lnRef idx="2">
+              <a:schemeClr val="accent6">
+                <a:shade val="50000"/>
+              </a:schemeClr>
+            </a:lnRef>
+            <a:fillRef idx="1">
+              <a:schemeClr val="accent6"/>
+            </a:fillRef>
+            <a:effectRef idx="0">
+              <a:schemeClr val="accent6"/>
+            </a:effectRef>
+            <a:fontRef idx="minor">
+              <a:schemeClr val="lt1"/>
+            </a:fontRef>
+          </p:style>
+          <p:txBody>
+            <a:bodyPr rtlCol="0" anchor="ctr"/>
+            <a:lstStyle/>
+            <a:p>
+              <a:pPr algn="ctr"/>
+              <a:r>
+                <a:rPr lang="en-US" sz="6000" dirty="0" smtClean="0"/>
+                <a:t>Error Handler</a:t>
+              </a:r>
+              <a:endParaRPr lang="en-US" sz="6000" dirty="0"/>
+            </a:p>
+          </p:txBody>
+        </p:sp>
+        <p:sp>
+          <p:nvSpPr>
+            <p:cNvPr id="18" name="Down Arrow 17"/>
+            <p:cNvSpPr/>
+            <p:nvPr/>
+          </p:nvSpPr>
+          <p:spPr>
+            <a:xfrm>
+              <a:off x="8910320" y="2275463"/>
+              <a:ext cx="558800" cy="822960"/>
+            </a:xfrm>
+            <a:prstGeom prst="downArrow">
+              <a:avLst/>
+            </a:prstGeom>
+          </p:spPr>
+          <p:style>
+            <a:lnRef idx="2">
+              <a:schemeClr val="accent1">
+                <a:shade val="50000"/>
+              </a:schemeClr>
+            </a:lnRef>
+            <a:fillRef idx="1">
+              <a:schemeClr val="accent1"/>
+            </a:fillRef>
+            <a:effectRef idx="0">
+              <a:schemeClr val="accent1"/>
+            </a:effectRef>
+            <a:fontRef idx="minor">
+              <a:schemeClr val="lt1"/>
+            </a:fontRef>
+          </p:style>
+          <p:txBody>
+            <a:bodyPr rtlCol="0" anchor="ctr"/>
+            <a:lstStyle/>
+            <a:p>
+              <a:pPr algn="ctr"/>
+              <a:endParaRPr lang="en-US"/>
+            </a:p>
+          </p:txBody>
+        </p:sp>
+        <p:sp>
+          <p:nvSpPr>
+            <p:cNvPr id="19" name="Down Arrow 18"/>
+            <p:cNvSpPr/>
+            <p:nvPr/>
+          </p:nvSpPr>
+          <p:spPr>
+            <a:xfrm>
+              <a:off x="8910320" y="4328537"/>
+              <a:ext cx="558800" cy="822960"/>
+            </a:xfrm>
+            <a:prstGeom prst="downArrow">
+              <a:avLst/>
+            </a:prstGeom>
+          </p:spPr>
+          <p:style>
+            <a:lnRef idx="2">
+              <a:schemeClr val="accent1">
+                <a:shade val="50000"/>
+              </a:schemeClr>
+            </a:lnRef>
+            <a:fillRef idx="1">
+              <a:schemeClr val="accent1"/>
+            </a:fillRef>
+            <a:effectRef idx="0">
+              <a:schemeClr val="accent1"/>
+            </a:effectRef>
+            <a:fontRef idx="minor">
+              <a:schemeClr val="lt1"/>
+            </a:fontRef>
+          </p:style>
+          <p:txBody>
+            <a:bodyPr rtlCol="0" anchor="ctr"/>
+            <a:lstStyle/>
+            <a:p>
+              <a:pPr algn="ctr"/>
+              <a:endParaRPr lang="en-US"/>
+            </a:p>
+          </p:txBody>
+        </p:sp>
+        <p:sp>
+          <p:nvSpPr>
+            <p:cNvPr id="20" name="TextBox 19"/>
+            <p:cNvSpPr txBox="1"/>
+            <p:nvPr/>
+          </p:nvSpPr>
+          <p:spPr>
+            <a:xfrm>
+              <a:off x="7104561" y="1665099"/>
+              <a:ext cx="4170309" cy="584775"/>
+            </a:xfrm>
+            <a:prstGeom prst="rect">
+              <a:avLst/>
+            </a:prstGeom>
+            <a:noFill/>
+          </p:spPr>
+          <p:txBody>
+            <a:bodyPr wrap="none" rtlCol="0">
+              <a:spAutoFit/>
+            </a:bodyPr>
+            <a:lstStyle/>
+            <a:p>
+              <a:r>
+                <a:rPr lang="en-US" sz="3200" smtClean="0"/>
+                <a:t>MPI_ERR_PROC_FAILED</a:t>
+              </a:r>
+              <a:endParaRPr lang="en-US" sz="3200" dirty="0"/>
+            </a:p>
+          </p:txBody>
+        </p:sp>
+        <p:sp>
+          <p:nvSpPr>
+            <p:cNvPr id="21" name="TextBox 20"/>
+            <p:cNvSpPr txBox="1"/>
+            <p:nvPr/>
+          </p:nvSpPr>
+          <p:spPr>
+            <a:xfrm>
+              <a:off x="7877753" y="5177086"/>
+              <a:ext cx="2623923" cy="584775"/>
+            </a:xfrm>
+            <a:prstGeom prst="rect">
+              <a:avLst/>
+            </a:prstGeom>
+            <a:noFill/>
+          </p:spPr>
+          <p:txBody>
+            <a:bodyPr wrap="none" rtlCol="0">
+              <a:spAutoFit/>
+            </a:bodyPr>
+            <a:lstStyle/>
+            <a:p>
+              <a:r>
+                <a:rPr lang="en-US" sz="3200" dirty="0" smtClean="0"/>
+                <a:t>MPI_ERR_ARG</a:t>
+              </a:r>
+              <a:endParaRPr lang="en-US" sz="3200" dirty="0"/>
+            </a:p>
+          </p:txBody>
+        </p:sp>
+      </p:grpSp>
+      <p:cxnSp>
+        <p:nvCxnSpPr>
+          <p:cNvPr id="8" name="Curved Connector 7"/>
+          <p:cNvCxnSpPr>
+            <a:stCxn id="21" idx="1"/>
+            <a:endCxn id="17" idx="1"/>
+          </p:cNvCxnSpPr>
+          <p:nvPr/>
+        </p:nvCxnSpPr>
+        <p:spPr>
+          <a:xfrm rot="10800000">
+            <a:off x="6664961" y="3713480"/>
+            <a:ext cx="1212793" cy="1755994"/>
+          </a:xfrm>
+          <a:prstGeom prst="curvedConnector3">
+            <a:avLst>
+              <a:gd name="adj1" fmla="val 118849"/>
+            </a:avLst>
+          </a:prstGeom>
+          <a:ln w="76200">
+            <a:solidFill>
+              <a:schemeClr val="accent5"/>
+            </a:solidFill>
+            <a:tailEnd type="triangle"/>
+          </a:ln>
+        </p:spPr>
+        <p:style>
+          <a:lnRef idx="1">
+            <a:schemeClr val="accent1"/>
+          </a:lnRef>
+          <a:fillRef idx="0">
+            <a:schemeClr val="accent1"/>
+          </a:fillRef>
+          <a:effectRef idx="0">
+            <a:schemeClr val="accent1"/>
+          </a:effectRef>
+          <a:fontRef idx="minor">
+            <a:schemeClr val="tx1"/>
+          </a:fontRef>
+        </p:style>
+      </p:cxnSp>
+      <p:sp>
+        <p:nvSpPr>
+          <p:cNvPr id="26" name="TextBox 25"/>
+          <p:cNvSpPr txBox="1"/>
+          <p:nvPr/>
+        </p:nvSpPr>
+        <p:spPr>
+          <a:xfrm>
+            <a:off x="6463972" y="4251035"/>
+            <a:ext cx="1134286" cy="646331"/>
+          </a:xfrm>
+          <a:prstGeom prst="rect">
+            <a:avLst/>
+          </a:prstGeom>
+          <a:noFill/>
+        </p:spPr>
+        <p:txBody>
+          <a:bodyPr wrap="none" rtlCol="0">
+            <a:spAutoFit/>
+          </a:bodyPr>
+          <a:lstStyle/>
+          <a:p>
+            <a:pPr algn="ctr"/>
+            <a:r>
+              <a:rPr lang="en-US" dirty="0" smtClean="0"/>
+              <a:t>Oh God</a:t>
+            </a:r>
+          </a:p>
+          <a:p>
+            <a:pPr algn="ctr"/>
+            <a:r>
+              <a:rPr lang="en-US" dirty="0" smtClean="0"/>
+              <a:t>not again!</a:t>
             </a:r>
             <a:endParaRPr lang="en-US" dirty="0"/>
           </a:p>
@@ -4757,113 +7606,29 @@
       </p:sp>
       <p:sp>
         <p:nvSpPr>
-          <p:cNvPr id="3" name="Content Placeholder 2"/>
-          <p:cNvSpPr>
-            <a:spLocks noGrp="1"/>
-          </p:cNvSpPr>
-          <p:nvPr>
-            <p:ph idx="1"/>
-          </p:nvPr>
-        </p:nvSpPr>
-        <p:spPr/>
-        <p:txBody>
-          <a:bodyPr/>
-          <a:lstStyle/>
-          <a:p>
-            <a:r>
-              <a:rPr lang="en-US" dirty="0" smtClean="0"/>
-              <a:t>Should we allow the user to specify an error handler for every operation?</a:t>
-            </a:r>
-          </a:p>
-          <a:p>
-            <a:r>
-              <a:rPr lang="en-US" dirty="0" smtClean="0"/>
-              <a:t>What are the advantages of this over the existing model?</a:t>
-            </a:r>
-          </a:p>
-          <a:p>
-            <a:pPr lvl="1"/>
-            <a:r>
-              <a:rPr lang="en-US" dirty="0" smtClean="0"/>
-              <a:t>Operations that don</a:t>
-            </a:r>
-            <a:r>
-              <a:rPr lang="uk-UA" dirty="0" smtClean="0"/>
-              <a:t>’</a:t>
-            </a:r>
-            <a:r>
-              <a:rPr lang="en-US" dirty="0" smtClean="0"/>
-              <a:t>t have a communication object can be covered (MPI_ALLOC_MEM)</a:t>
-            </a:r>
-          </a:p>
-          <a:p>
-            <a:pPr lvl="1"/>
-            <a:r>
-              <a:rPr lang="en-US" dirty="0" smtClean="0"/>
-              <a:t>Easy to specify different types of error handler for different operations</a:t>
-            </a:r>
-          </a:p>
-          <a:p>
-            <a:r>
-              <a:rPr lang="en-US" dirty="0" smtClean="0"/>
-              <a:t>Disadvantages?</a:t>
-            </a:r>
-          </a:p>
-          <a:p>
-            <a:pPr lvl="1"/>
-            <a:r>
-              <a:rPr lang="en-US" dirty="0" smtClean="0"/>
-              <a:t>Can’t easily specify multiple </a:t>
-            </a:r>
-            <a:r>
-              <a:rPr lang="en-US" dirty="0" err="1" smtClean="0"/>
-              <a:t>errhandlers</a:t>
-            </a:r>
-            <a:r>
-              <a:rPr lang="en-US" dirty="0" smtClean="0"/>
-              <a:t> (could get around this with arrays)</a:t>
-            </a:r>
-          </a:p>
-          <a:p>
-            <a:pPr lvl="1"/>
-            <a:r>
-              <a:rPr lang="en-US" dirty="0" smtClean="0"/>
-              <a:t>Added complexity for “semantic sugar”</a:t>
-            </a:r>
-          </a:p>
-          <a:p>
-            <a:pPr lvl="1"/>
-            <a:r>
-              <a:rPr lang="en-US" dirty="0" smtClean="0"/>
-              <a:t>Need to change the entire API to support this</a:t>
-            </a:r>
-            <a:endParaRPr lang="en-US" dirty="0"/>
-          </a:p>
-        </p:txBody>
-      </p:sp>
-      <p:sp>
-        <p:nvSpPr>
-          <p:cNvPr id="4" name="Rectangle 3"/>
+          <p:cNvPr id="12" name="Rectangle 11"/>
           <p:cNvSpPr/>
           <p:nvPr/>
         </p:nvSpPr>
         <p:spPr>
           <a:xfrm>
-            <a:off x="372140" y="499730"/>
-            <a:ext cx="11227981" cy="5890437"/>
+            <a:off x="9344722" y="78059"/>
+            <a:ext cx="2653990" cy="1237785"/>
           </a:xfrm>
           <a:prstGeom prst="rect">
             <a:avLst/>
           </a:prstGeom>
         </p:spPr>
         <p:style>
-          <a:lnRef idx="3">
-            <a:schemeClr val="lt1"/>
+          <a:lnRef idx="2">
+            <a:schemeClr val="accent2">
+              <a:shade val="50000"/>
+            </a:schemeClr>
           </a:lnRef>
           <a:fillRef idx="1">
             <a:schemeClr val="accent2"/>
           </a:fillRef>
-          <a:effectRef idx="1">
+          <a:effectRef idx="0">
             <a:schemeClr val="accent2"/>
           </a:effectRef>
           <a:fontRef idx="minor">
@@ -4876,23 +7641,30 @@
           <a:p>
             <a:pPr algn="ctr"/>
             <a:r>
-              <a:rPr lang="en-US" sz="8800" dirty="0" smtClean="0"/>
-              <a:t>Rejected</a:t>
-            </a:r>
-            <a:endParaRPr lang="en-US" sz="8800" dirty="0"/>
+              <a:rPr lang="en-US" sz="3200" dirty="0" smtClean="0"/>
+              <a:t>Do this with QMPI</a:t>
+            </a:r>
+            <a:endParaRPr lang="en-US" sz="3200" dirty="0"/>
           </a:p>
         </p:txBody>
       </p:sp>
     </p:spTree>
     <p:extLst>
       <p:ext uri="{BB962C8B-B14F-4D97-AF65-F5344CB8AC3E}">
-        <p14:creationId xmlns:p14="http://schemas.microsoft.com/office/powerpoint/2010/main" val="1370507376"/>
+        <p14:creationId xmlns:p14="http://schemas.microsoft.com/office/powerpoint/2010/main" val="1335020330"/>
       </p:ext>
     </p:extLst>
   </p:cSld>
   <p:clrMapOvr>
     <a:masterClrMapping/>
   </p:clrMapOvr>
+  <p:timing>
+    <p:tnLst>
+      <p:par>
+        <p:cTn id="1" dur="indefinite" restart="never" nodeType="tmRoot"/>
+      </p:par>
+    </p:tnLst>
+  </p:timing>
 </p:sld>
 </file>
 
@@ -4915,6 +7687,44 @@
       </p:grpSpPr>
       <p:sp>
         <p:nvSpPr>
+          <p:cNvPr id="4" name="Rounded Rectangle 3"/>
+          <p:cNvSpPr/>
+          <p:nvPr/>
+        </p:nvSpPr>
+        <p:spPr>
+          <a:xfrm>
+            <a:off x="1656080" y="3058160"/>
+            <a:ext cx="9235440" cy="2174240"/>
+          </a:xfrm>
+          <a:prstGeom prst="roundRect">
+            <a:avLst/>
+          </a:prstGeom>
+        </p:spPr>
+        <p:style>
+          <a:lnRef idx="1">
+            <a:schemeClr val="accent1"/>
+          </a:lnRef>
+          <a:fillRef idx="2">
+            <a:schemeClr val="accent1"/>
+          </a:fillRef>
+          <a:effectRef idx="1">
+            <a:schemeClr val="accent1"/>
+          </a:effectRef>
+          <a:fontRef idx="minor">
+            <a:schemeClr val="dk1"/>
+          </a:fontRef>
+        </p:style>
+        <p:txBody>
+          <a:bodyPr rtlCol="0" anchor="ctr"/>
+          <a:lstStyle/>
+          <a:p>
+            <a:pPr algn="ctr"/>
+            <a:endParaRPr lang="en-US"/>
+          </a:p>
+        </p:txBody>
+      </p:sp>
+      <p:sp>
+        <p:nvSpPr>
           <p:cNvPr id="2" name="Title 1"/>
           <p:cNvSpPr>
             <a:spLocks noGrp="1"/>
@@ -4929,10 +7739,25 @@
           <a:lstStyle/>
           <a:p>
             <a:r>
-              <a:rPr lang="en-US" dirty="0" smtClean="0"/>
-              <a:t>Provider Error Handler with Operation Context</a:t>
-            </a:r>
-            <a:endParaRPr lang="en-US" dirty="0"/>
+              <a:rPr lang="en-US" dirty="0"/>
+              <a:t>Return New Error Code From Error Handler</a:t>
+            </a:r>
+            <a:br>
+              <a:rPr lang="en-US" dirty="0"/>
+            </a:br>
+            <a:r>
+              <a:rPr lang="en-US" dirty="0" smtClean="0">
+                <a:solidFill>
+                  <a:srgbClr val="00B050"/>
+                </a:solidFill>
+              </a:rPr>
+              <a:t>Good Example</a:t>
+            </a:r>
+            <a:endParaRPr lang="en-US" dirty="0">
+              <a:solidFill>
+                <a:srgbClr val="00B050"/>
+              </a:solidFill>
+            </a:endParaRPr>
           </a:p>
         </p:txBody>
       </p:sp>
@@ -4948,58 +7773,367 @@
         </p:nvSpPr>
         <p:spPr/>
         <p:txBody>
-          <a:bodyPr/>
-          <a:lstStyle/>
-          <a:p>
-            <a:r>
-              <a:rPr lang="en-US" dirty="0" smtClean="0"/>
-              <a:t>Pass in operation arguments with something like </a:t>
-            </a:r>
-            <a:r>
-              <a:rPr lang="en-US" dirty="0" err="1" smtClean="0"/>
-              <a:t>varargs</a:t>
-            </a:r>
-            <a:endParaRPr lang="en-US" dirty="0" smtClean="0"/>
-          </a:p>
-          <a:p>
-            <a:r>
-              <a:rPr lang="en-US" dirty="0" smtClean="0"/>
-              <a:t>Can re-run the operation after fixing the problem</a:t>
-            </a:r>
-          </a:p>
-          <a:p>
-            <a:r>
-              <a:rPr lang="en-US" dirty="0" smtClean="0"/>
-              <a:t>Could be tricky to use, but would be very powerful for some recovery:</a:t>
-            </a:r>
-          </a:p>
-          <a:p>
-            <a:pPr lvl="1"/>
-            <a:r>
-              <a:rPr lang="en-US" dirty="0" smtClean="0"/>
-              <a:t>Catastrophic/non-catastrophic</a:t>
-            </a:r>
-          </a:p>
-          <a:p>
-            <a:pPr lvl="1"/>
-            <a:r>
-              <a:rPr lang="en-US" dirty="0" smtClean="0"/>
-              <a:t>Message logging</a:t>
-            </a:r>
-            <a:endParaRPr lang="en-US" dirty="0"/>
+          <a:bodyPr>
+            <a:normAutofit lnSpcReduction="10000"/>
+          </a:bodyPr>
+          <a:lstStyle/>
+          <a:p>
+            <a:pPr marL="0" indent="0">
+              <a:buNone/>
+            </a:pPr>
+            <a:r>
+              <a:rPr lang="en-US" sz="2400" dirty="0" err="1" smtClean="0">
+                <a:latin typeface="Andale Mono" charset="0"/>
+                <a:ea typeface="Andale Mono" charset="0"/>
+                <a:cs typeface="Andale Mono" charset="0"/>
+              </a:rPr>
+              <a:t>MPI_Set_Errhandler</a:t>
+            </a:r>
+            <a:r>
+              <a:rPr lang="en-US" sz="2400" dirty="0" smtClean="0">
+                <a:latin typeface="Andale Mono" charset="0"/>
+                <a:ea typeface="Andale Mono" charset="0"/>
+                <a:cs typeface="Andale Mono" charset="0"/>
+              </a:rPr>
+              <a:t>(MPI_COMM_SELF, errhandler1);</a:t>
+            </a:r>
+          </a:p>
+          <a:p>
+            <a:pPr marL="0" indent="0">
+              <a:buNone/>
+            </a:pPr>
+            <a:r>
+              <a:rPr lang="en-US" sz="2400" dirty="0" err="1">
+                <a:latin typeface="Andale Mono" charset="0"/>
+                <a:ea typeface="Andale Mono" charset="0"/>
+                <a:cs typeface="Andale Mono" charset="0"/>
+              </a:rPr>
+              <a:t>r</a:t>
+            </a:r>
+            <a:r>
+              <a:rPr lang="en-US" sz="2400" dirty="0" err="1" smtClean="0">
+                <a:latin typeface="Andale Mono" charset="0"/>
+                <a:ea typeface="Andale Mono" charset="0"/>
+                <a:cs typeface="Andale Mono" charset="0"/>
+              </a:rPr>
+              <a:t>c</a:t>
+            </a:r>
+            <a:r>
+              <a:rPr lang="en-US" sz="2400" dirty="0" smtClean="0">
+                <a:latin typeface="Andale Mono" charset="0"/>
+                <a:ea typeface="Andale Mono" charset="0"/>
+                <a:cs typeface="Andale Mono" charset="0"/>
+              </a:rPr>
+              <a:t> = </a:t>
+            </a:r>
+            <a:r>
+              <a:rPr lang="en-US" sz="2400" dirty="0" err="1" smtClean="0">
+                <a:latin typeface="Andale Mono" charset="0"/>
+                <a:ea typeface="Andale Mono" charset="0"/>
+                <a:cs typeface="Andale Mono" charset="0"/>
+              </a:rPr>
+              <a:t>MPI_Alloc_mem</a:t>
+            </a:r>
+            <a:r>
+              <a:rPr lang="en-US" sz="2400" dirty="0" smtClean="0">
+                <a:latin typeface="Andale Mono" charset="0"/>
+                <a:ea typeface="Andale Mono" charset="0"/>
+                <a:cs typeface="Andale Mono" charset="0"/>
+              </a:rPr>
+              <a:t>(</a:t>
+            </a:r>
+            <a:r>
+              <a:rPr lang="is-IS" sz="2400" dirty="0" smtClean="0">
+                <a:latin typeface="Andale Mono" charset="0"/>
+                <a:ea typeface="Andale Mono" charset="0"/>
+                <a:cs typeface="Andale Mono" charset="0"/>
+              </a:rPr>
+              <a:t>...);</a:t>
+            </a:r>
+          </a:p>
+          <a:p>
+            <a:pPr marL="0" indent="0">
+              <a:buNone/>
+            </a:pPr>
+            <a:endParaRPr lang="is-IS" sz="2400" dirty="0" smtClean="0">
+              <a:latin typeface="Andale Mono" charset="0"/>
+              <a:ea typeface="Andale Mono" charset="0"/>
+              <a:cs typeface="Andale Mono" charset="0"/>
+            </a:endParaRPr>
+          </a:p>
+          <a:p>
+            <a:pPr marL="0" indent="0">
+              <a:buNone/>
+            </a:pPr>
+            <a:r>
+              <a:rPr lang="is-IS" sz="2400" dirty="0">
+                <a:latin typeface="Andale Mono" charset="0"/>
+                <a:ea typeface="Andale Mono" charset="0"/>
+                <a:cs typeface="Andale Mono" charset="0"/>
+              </a:rPr>
+              <a:t>	</a:t>
+            </a:r>
+            <a:r>
+              <a:rPr lang="is-IS" sz="2400" dirty="0" smtClean="0">
+                <a:latin typeface="Andale Mono" charset="0"/>
+                <a:ea typeface="Andale Mono" charset="0"/>
+                <a:cs typeface="Andale Mono" charset="0"/>
+              </a:rPr>
+              <a:t>errhandler1(..., int *errcode, ...) {</a:t>
+            </a:r>
+          </a:p>
+          <a:p>
+            <a:pPr marL="0" indent="0">
+              <a:buNone/>
+            </a:pPr>
+            <a:r>
+              <a:rPr lang="is-IS" sz="2400" dirty="0">
+                <a:latin typeface="Andale Mono" charset="0"/>
+                <a:ea typeface="Andale Mono" charset="0"/>
+                <a:cs typeface="Andale Mono" charset="0"/>
+              </a:rPr>
+              <a:t>	</a:t>
+            </a:r>
+            <a:r>
+              <a:rPr lang="is-IS" sz="2400" dirty="0" smtClean="0">
+                <a:latin typeface="Andale Mono" charset="0"/>
+                <a:ea typeface="Andale Mono" charset="0"/>
+                <a:cs typeface="Andale Mono" charset="0"/>
+              </a:rPr>
+              <a:t>	</a:t>
+            </a:r>
+            <a:r>
+              <a:rPr lang="en-US" sz="2400" dirty="0" smtClean="0">
+                <a:latin typeface="Andale Mono" charset="0"/>
+                <a:ea typeface="Andale Mono" charset="0"/>
+                <a:cs typeface="Andale Mono" charset="0"/>
+              </a:rPr>
+              <a:t>free(</a:t>
+            </a:r>
+            <a:r>
+              <a:rPr lang="en-US" sz="2400" dirty="0" err="1" smtClean="0">
+                <a:latin typeface="Andale Mono" charset="0"/>
+                <a:ea typeface="Andale Mono" charset="0"/>
+                <a:cs typeface="Andale Mono" charset="0"/>
+              </a:rPr>
+              <a:t>some_scratch_space</a:t>
+            </a:r>
+            <a:r>
+              <a:rPr lang="en-US" sz="2400" dirty="0" smtClean="0">
+                <a:latin typeface="Andale Mono" charset="0"/>
+                <a:ea typeface="Andale Mono" charset="0"/>
+                <a:cs typeface="Andale Mono" charset="0"/>
+              </a:rPr>
+              <a:t>);</a:t>
+            </a:r>
+          </a:p>
+          <a:p>
+            <a:pPr marL="0" indent="0">
+              <a:buNone/>
+            </a:pPr>
+            <a:r>
+              <a:rPr lang="en-US" sz="2400" dirty="0">
+                <a:latin typeface="Andale Mono" charset="0"/>
+                <a:ea typeface="Andale Mono" charset="0"/>
+                <a:cs typeface="Andale Mono" charset="0"/>
+              </a:rPr>
+              <a:t>	</a:t>
+            </a:r>
+            <a:r>
+              <a:rPr lang="en-US" sz="2400" dirty="0" smtClean="0">
+                <a:latin typeface="Andale Mono" charset="0"/>
+                <a:ea typeface="Andale Mono" charset="0"/>
+                <a:cs typeface="Andale Mono" charset="0"/>
+              </a:rPr>
+              <a:t>	</a:t>
+            </a:r>
+            <a:r>
+              <a:rPr lang="en-US" sz="2400" dirty="0" err="1" smtClean="0">
+                <a:latin typeface="Andale Mono" charset="0"/>
+                <a:ea typeface="Andale Mono" charset="0"/>
+                <a:cs typeface="Andale Mono" charset="0"/>
+              </a:rPr>
+              <a:t>MPI_Alloc_mem</a:t>
+            </a:r>
+            <a:r>
+              <a:rPr lang="en-US" sz="2400" dirty="0" smtClean="0">
+                <a:latin typeface="Andale Mono" charset="0"/>
+                <a:ea typeface="Andale Mono" charset="0"/>
+                <a:cs typeface="Andale Mono" charset="0"/>
+              </a:rPr>
+              <a:t>(...); /* With the same </a:t>
+            </a:r>
+            <a:r>
+              <a:rPr lang="en-US" sz="2400" dirty="0" err="1" smtClean="0">
+                <a:latin typeface="Andale Mono" charset="0"/>
+                <a:ea typeface="Andale Mono" charset="0"/>
+                <a:cs typeface="Andale Mono" charset="0"/>
+              </a:rPr>
+              <a:t>args</a:t>
+            </a:r>
+            <a:r>
+              <a:rPr lang="en-US" sz="2400" dirty="0" smtClean="0">
+                <a:latin typeface="Andale Mono" charset="0"/>
+                <a:ea typeface="Andale Mono" charset="0"/>
+                <a:cs typeface="Andale Mono" charset="0"/>
+              </a:rPr>
+              <a:t> */</a:t>
+            </a:r>
+          </a:p>
+          <a:p>
+            <a:pPr marL="0" indent="0">
+              <a:buNone/>
+            </a:pPr>
+            <a:r>
+              <a:rPr lang="en-US" sz="2400" dirty="0">
+                <a:latin typeface="Andale Mono" charset="0"/>
+                <a:ea typeface="Andale Mono" charset="0"/>
+                <a:cs typeface="Andale Mono" charset="0"/>
+              </a:rPr>
+              <a:t>	</a:t>
+            </a:r>
+            <a:r>
+              <a:rPr lang="en-US" sz="2400" dirty="0" smtClean="0">
+                <a:latin typeface="Andale Mono" charset="0"/>
+                <a:ea typeface="Andale Mono" charset="0"/>
+                <a:cs typeface="Andale Mono" charset="0"/>
+              </a:rPr>
+              <a:t>	*</a:t>
+            </a:r>
+            <a:r>
+              <a:rPr lang="en-US" sz="2400" dirty="0" err="1" smtClean="0">
+                <a:latin typeface="Andale Mono" charset="0"/>
+                <a:ea typeface="Andale Mono" charset="0"/>
+                <a:cs typeface="Andale Mono" charset="0"/>
+              </a:rPr>
+              <a:t>errcode</a:t>
+            </a:r>
+            <a:r>
+              <a:rPr lang="en-US" sz="2400" dirty="0" smtClean="0">
+                <a:latin typeface="Andale Mono" charset="0"/>
+                <a:ea typeface="Andale Mono" charset="0"/>
+                <a:cs typeface="Andale Mono" charset="0"/>
+              </a:rPr>
+              <a:t> = MPI_SUCCESS;</a:t>
+            </a:r>
+            <a:endParaRPr lang="is-IS" sz="2400" dirty="0" smtClean="0">
+              <a:latin typeface="Andale Mono" charset="0"/>
+              <a:ea typeface="Andale Mono" charset="0"/>
+              <a:cs typeface="Andale Mono" charset="0"/>
+            </a:endParaRPr>
+          </a:p>
+          <a:p>
+            <a:pPr marL="0" indent="0">
+              <a:buNone/>
+            </a:pPr>
+            <a:r>
+              <a:rPr lang="is-IS" sz="2400" dirty="0">
+                <a:latin typeface="Andale Mono" charset="0"/>
+                <a:ea typeface="Andale Mono" charset="0"/>
+                <a:cs typeface="Andale Mono" charset="0"/>
+              </a:rPr>
+              <a:t>	</a:t>
+            </a:r>
+            <a:r>
+              <a:rPr lang="is-IS" sz="2400" dirty="0" smtClean="0">
+                <a:latin typeface="Andale Mono" charset="0"/>
+                <a:ea typeface="Andale Mono" charset="0"/>
+                <a:cs typeface="Andale Mono" charset="0"/>
+              </a:rPr>
+              <a:t>}</a:t>
+            </a:r>
+          </a:p>
+          <a:p>
+            <a:pPr marL="0" indent="0">
+              <a:buNone/>
+            </a:pPr>
+            <a:endParaRPr lang="is-IS" sz="2400" dirty="0" smtClean="0">
+              <a:latin typeface="Andale Mono" charset="0"/>
+              <a:ea typeface="Andale Mono" charset="0"/>
+              <a:cs typeface="Andale Mono" charset="0"/>
+            </a:endParaRPr>
+          </a:p>
+          <a:p>
+            <a:pPr marL="0" indent="0">
+              <a:buNone/>
+            </a:pPr>
+            <a:r>
+              <a:rPr lang="is-IS" sz="2400" dirty="0" smtClean="0">
+                <a:latin typeface="Andale Mono" charset="0"/>
+                <a:ea typeface="Andale Mono" charset="0"/>
+                <a:cs typeface="Andale Mono" charset="0"/>
+              </a:rPr>
+              <a:t>/* rc == MPI_SUCCESS (hooray!) */ </a:t>
+            </a:r>
+            <a:endParaRPr lang="is-IS" sz="2400" dirty="0">
+              <a:latin typeface="Andale Mono" charset="0"/>
+              <a:ea typeface="Andale Mono" charset="0"/>
+              <a:cs typeface="Andale Mono" charset="0"/>
+            </a:endParaRPr>
+          </a:p>
+        </p:txBody>
+      </p:sp>
+      <p:sp>
+        <p:nvSpPr>
+          <p:cNvPr id="5" name="Rectangle 4"/>
+          <p:cNvSpPr/>
+          <p:nvPr/>
+        </p:nvSpPr>
+        <p:spPr>
+          <a:xfrm>
+            <a:off x="9344722" y="78059"/>
+            <a:ext cx="2653990" cy="1237785"/>
+          </a:xfrm>
+          <a:prstGeom prst="rect">
+            <a:avLst/>
+          </a:prstGeom>
+        </p:spPr>
+        <p:style>
+          <a:lnRef idx="2">
+            <a:schemeClr val="accent2">
+              <a:shade val="50000"/>
+            </a:schemeClr>
+          </a:lnRef>
+          <a:fillRef idx="1">
+            <a:schemeClr val="accent2"/>
+          </a:fillRef>
+          <a:effectRef idx="0">
+            <a:schemeClr val="accent2"/>
+          </a:effectRef>
+          <a:fontRef idx="minor">
+            <a:schemeClr val="lt1"/>
+          </a:fontRef>
+        </p:style>
+        <p:txBody>
+          <a:bodyPr rtlCol="0" anchor="ctr"/>
+          <a:lstStyle/>
+          <a:p>
+            <a:pPr algn="ctr"/>
+            <a:r>
+              <a:rPr lang="en-US" sz="3200" dirty="0" smtClean="0"/>
+              <a:t>Do this with QMPI</a:t>
+            </a:r>
+            <a:endParaRPr lang="en-US" sz="3200" dirty="0"/>
           </a:p>
         </p:txBody>
       </p:sp>
     </p:spTree>
     <p:extLst>
       <p:ext uri="{BB962C8B-B14F-4D97-AF65-F5344CB8AC3E}">
-        <p14:creationId xmlns:p14="http://schemas.microsoft.com/office/powerpoint/2010/main" val="1003203628"/>
+        <p14:creationId xmlns:p14="http://schemas.microsoft.com/office/powerpoint/2010/main" val="1945194912"/>
       </p:ext>
     </p:extLst>
   </p:cSld>
   <p:clrMapOvr>
     <a:masterClrMapping/>
   </p:clrMapOvr>
+  <p:timing>
+    <p:tnLst>
+      <p:par>
+        <p:cTn id="1" dur="indefinite" restart="never" nodeType="tmRoot"/>
+      </p:par>
+    </p:tnLst>
+  </p:timing>
 </p:sld>
 </file>
 
@@ -5262,4 +8396,265 @@
     </a:ext>
   </a:extLst>
 </a:theme>
+</file>
+
+<file path=ppt/theme/theme2.xml><?xml version="1.0" encoding="utf-8"?>
+<a:theme xmlns:a="http://schemas.openxmlformats.org/drawingml/2006/main" name="Office Theme">
+  <a:themeElements>
+    <a:clrScheme name="Office">
+      <a:dk1>
+        <a:sysClr val="windowText" lastClr="000000"/>
+      </a:dk1>
+      <a:lt1>
+        <a:sysClr val="window" lastClr="FFFFFF"/>
+      </a:lt1>
+      <a:dk2>
+        <a:srgbClr val="44546A"/>
+      </a:dk2>
+      <a:lt2>
+        <a:srgbClr val="E7E6E6"/>
+      </a:lt2>
+      <a:accent1>
+        <a:srgbClr val="5B9BD5"/>
+      </a:accent1>
+      <a:accent2>
+        <a:srgbClr val="ED7D31"/>
+      </a:accent2>
+      <a:accent3>
+        <a:srgbClr val="A5A5A5"/>
+      </a:accent3>
+      <a:accent4>
+        <a:srgbClr val="FFC000"/>
+      </a:accent4>
+      <a:accent5>
+        <a:srgbClr val="4472C4"/>
+      </a:accent5>
+      <a:accent6>
+        <a:srgbClr val="70AD47"/>
+      </a:accent6>
+      <a:hlink>
+        <a:srgbClr val="0563C1"/>
+      </a:hlink>
+      <a:folHlink>
+        <a:srgbClr val="954F72"/>
+      </a:folHlink>
+    </a:clrScheme>
+    <a:fontScheme name="Office">
+      <a:majorFont>
+        <a:latin typeface="Calibri Light" panose="020F0302020204030204"/>
+        <a:ea typeface=""/>
+        <a:cs typeface=""/>
+        <a:font script="Jpan" typeface="Yu Gothic Light"/>
+        <a:font script="Hang" typeface="맑은 고딕"/>
+        <a:font script="Hans" typeface="DengXian Light"/>
+        <a:font script="Hant" typeface="新細明體"/>
+        <a:font script="Arab" typeface="Times New Roman"/>
+        <a:font script="Hebr" typeface="Times New Roman"/>
+        <a:font script="Thai" typeface="Angsana New"/>
+        <a:font script="Ethi" typeface="Nyala"/>
+        <a:font script="Beng" typeface="Vrinda"/>
+        <a:font script="Gujr" typeface="Shruti"/>
+        <a:font script="Khmr" typeface="MoolBoran"/>
+        <a:font script="Knda" typeface="Tunga"/>
+        <a:font script="Guru" typeface="Raavi"/>
+        <a:font script="Cans" typeface="Euphemia"/>
+        <a:font script="Cher" typeface="Plantagenet Cherokee"/>
+        <a:font script="Yiii" typeface="Microsoft Yi Baiti"/>
+        <a:font script="Tibt" typeface="Microsoft Himalaya"/>
+        <a:font script="Thaa" typeface="MV Boli"/>
+        <a:font script="Deva" typeface="Mangal"/>
+        <a:font script="Telu" typeface="Gautami"/>
+        <a:font script="Taml" typeface="Latha"/>
+        <a:font script="Syrc" typeface="Estrangelo Edessa"/>
+        <a:font script="Orya" typeface="Kalinga"/>
+        <a:font script="Mlym" typeface="Kartika"/>
+        <a:font script="Laoo" typeface="DokChampa"/>
+        <a:font script="Sinh" typeface="Iskoola Pota"/>
+        <a:font script="Mong" typeface="Mongolian Baiti"/>
+        <a:font script="Viet" typeface="Times New Roman"/>
+        <a:font script="Uigh" typeface="Microsoft Uighur"/>
+        <a:font script="Geor" typeface="Sylfaen"/>
+      </a:majorFont>
+      <a:minorFont>
+        <a:latin typeface="Calibri" panose="020F0502020204030204"/>
+        <a:ea typeface=""/>
+        <a:cs typeface=""/>
+        <a:font script="Jpan" typeface="Yu Gothic"/>
+        <a:font script="Hang" typeface="맑은 고딕"/>
+        <a:font script="Hans" typeface="DengXian"/>
+        <a:font script="Hant" typeface="新細明體"/>
+        <a:font script="Arab" typeface="Arial"/>
+        <a:font script="Hebr" typeface="Arial"/>
+        <a:font script="Thai" typeface="Cordia New"/>
+        <a:font script="Ethi" typeface="Nyala"/>
+        <a:font script="Beng" typeface="Vrinda"/>
+        <a:font script="Gujr" typeface="Shruti"/>
+        <a:font script="Khmr" typeface="DaunPenh"/>
+        <a:font script="Knda" typeface="Tunga"/>
+        <a:font script="Guru" typeface="Raavi"/>
+        <a:font script="Cans" typeface="Euphemia"/>
+        <a:font script="Cher" typeface="Plantagenet Cherokee"/>
+        <a:font script="Yiii" typeface="Microsoft Yi Baiti"/>
+        <a:font script="Tibt" typeface="Microsoft Himalaya"/>
+        <a:font script="Thaa" typeface="MV Boli"/>
+        <a:font script="Deva" typeface="Mangal"/>
+        <a:font script="Telu" typeface="Gautami"/>
+        <a:font script="Taml" typeface="Latha"/>
+        <a:font script="Syrc" typeface="Estrangelo Edessa"/>
+        <a:font script="Orya" typeface="Kalinga"/>
+        <a:font script="Mlym" typeface="Kartika"/>
+        <a:font script="Laoo" typeface="DokChampa"/>
+        <a:font script="Sinh" typeface="Iskoola Pota"/>
+        <a:font script="Mong" typeface="Mongolian Baiti"/>
+        <a:font script="Viet" typeface="Arial"/>
+        <a:font script="Uigh" typeface="Microsoft Uighur"/>
+        <a:font script="Geor" typeface="Sylfaen"/>
+      </a:minorFont>
+    </a:fontScheme>
+    <a:fmtScheme name="Office">
+      <a:fillStyleLst>
+        <a:solidFill>
+          <a:schemeClr val="phClr"/>
+        </a:solidFill>
+        <a:gradFill rotWithShape="1">
+          <a:gsLst>
+            <a:gs pos="0">
+              <a:schemeClr val="phClr">
+                <a:lumMod val="110000"/>
+                <a:satMod val="105000"/>
+                <a:tint val="67000"/>
+              </a:schemeClr>
+            </a:gs>
+            <a:gs pos="50000">
+              <a:schemeClr val="phClr">
+                <a:lumMod val="105000"/>
+                <a:satMod val="103000"/>
+                <a:tint val="73000"/>
+              </a:schemeClr>
+            </a:gs>
+            <a:gs pos="100000">
+              <a:schemeClr val="phClr">
+                <a:lumMod val="105000"/>
+                <a:satMod val="109000"/>
+                <a:tint val="81000"/>
+              </a:schemeClr>
+            </a:gs>
+          </a:gsLst>
+          <a:lin ang="5400000" scaled="0"/>
+        </a:gradFill>
+        <a:gradFill rotWithShape="1">
+          <a:gsLst>
+            <a:gs pos="0">
+              <a:schemeClr val="phClr">
+                <a:satMod val="103000"/>
+                <a:lumMod val="102000"/>
+                <a:tint val="94000"/>
+              </a:schemeClr>
+            </a:gs>
+            <a:gs pos="50000">
+              <a:schemeClr val="phClr">
+                <a:satMod val="110000"/>
+                <a:lumMod val="100000"/>
+                <a:shade val="100000"/>
+              </a:schemeClr>
+            </a:gs>
+            <a:gs pos="100000">
+              <a:schemeClr val="phClr">
+                <a:lumMod val="99000"/>
+                <a:satMod val="120000"/>
+                <a:shade val="78000"/>
+              </a:schemeClr>
+            </a:gs>
+          </a:gsLst>
+          <a:lin ang="5400000" scaled="0"/>
+        </a:gradFill>
+      </a:fillStyleLst>
+      <a:lnStyleLst>
+        <a:ln w="6350" cap="flat" cmpd="sng" algn="ctr">
+          <a:solidFill>
+            <a:schemeClr val="phClr"/>
+          </a:solidFill>
+          <a:prstDash val="solid"/>
+          <a:miter lim="800000"/>
+        </a:ln>
+        <a:ln w="12700" cap="flat" cmpd="sng" algn="ctr">
+          <a:solidFill>
+            <a:schemeClr val="phClr"/>
+          </a:solidFill>
+          <a:prstDash val="solid"/>
+          <a:miter lim="800000"/>
+        </a:ln>
+        <a:ln w="19050" cap="flat" cmpd="sng" algn="ctr">
+          <a:solidFill>
+            <a:schemeClr val="phClr"/>
+          </a:solidFill>
+          <a:prstDash val="solid"/>
+          <a:miter lim="800000"/>
+        </a:ln>
+      </a:lnStyleLst>
+      <a:effectStyleLst>
+        <a:effectStyle>
+          <a:effectLst/>
+        </a:effectStyle>
+        <a:effectStyle>
+          <a:effectLst/>
+        </a:effectStyle>
+        <a:effectStyle>
+          <a:effectLst>
+            <a:outerShdw blurRad="57150" dist="19050" dir="5400000" algn="ctr" rotWithShape="0">
+              <a:srgbClr val="000000">
+                <a:alpha val="63000"/>
+              </a:srgbClr>
+            </a:outerShdw>
+          </a:effectLst>
+        </a:effectStyle>
+      </a:effectStyleLst>
+      <a:bgFillStyleLst>
+        <a:solidFill>
+          <a:schemeClr val="phClr"/>
+        </a:solidFill>
+        <a:solidFill>
+          <a:schemeClr val="phClr">
+            <a:tint val="95000"/>
+            <a:satMod val="170000"/>
+          </a:schemeClr>
+        </a:solidFill>
+        <a:gradFill rotWithShape="1">
+          <a:gsLst>
+            <a:gs pos="0">
+              <a:schemeClr val="phClr">
+                <a:tint val="93000"/>
+                <a:satMod val="150000"/>
+                <a:shade val="98000"/>
+                <a:lumMod val="102000"/>
+              </a:schemeClr>
+            </a:gs>
+            <a:gs pos="50000">
+              <a:schemeClr val="phClr">
+                <a:tint val="98000"/>
+                <a:satMod val="130000"/>
+                <a:shade val="90000"/>
+                <a:lumMod val="103000"/>
+              </a:schemeClr>
+            </a:gs>
+            <a:gs pos="100000">
+              <a:schemeClr val="phClr">
+                <a:shade val="63000"/>
+                <a:satMod val="120000"/>
+              </a:schemeClr>
+            </a:gs>
+          </a:gsLst>
+          <a:lin ang="5400000" scaled="0"/>
+        </a:gradFill>
+      </a:bgFillStyleLst>
+    </a:fmtScheme>
+  </a:themeElements>
+  <a:objectDefaults/>
+  <a:extraClrSchemeLst/>
+  <a:extLst>
+    <a:ext uri="{05A4C25C-085E-4340-85A3-A5531E510DB2}">
+      <thm15:themeFamily xmlns:thm15="http://schemas.microsoft.com/office/thememl/2012/main" name="Office Theme" id="{62F939B6-93AF-4DB8-9C6B-D6C7DFDC589F}" vid="{4A3C46E8-61CC-4603-A589-7422A47A8E4A}"/>
+    </a:ext>
+  </a:extLst>
+</a:theme>
 </file>